--- a/Transportation & Logistics Analysis_PPT.pptx
+++ b/Transportation & Logistics Analysis_PPT.pptx
@@ -4,6 +4,9 @@
   <p:sldMasterIdLst>
     <p:sldMasterId id="2147483648" r:id="rId1"/>
   </p:sldMasterIdLst>
+  <p:notesMasterIdLst>
+    <p:notesMasterId r:id="rId12"/>
+  </p:notesMasterIdLst>
   <p:sldIdLst>
     <p:sldId id="256" r:id="rId2"/>
     <p:sldId id="257" r:id="rId3"/>
@@ -16,11 +19,118 @@
     <p:sldId id="264" r:id="rId10"/>
     <p:sldId id="265" r:id="rId11"/>
   </p:sldIdLst>
-  <p:notesMasterIdLst>
-    <p:notesMasterId r:id="rId12"/>
-  </p:notesMasterIdLst>
   <p:sldSz cx="14630400" cy="8229600"/>
   <p:notesSz cx="8229600" cy="14630400"/>
+  <p:embeddedFontLst>
+    <p:embeddedFont>
+      <p:font typeface="Montserrat Light" panose="00000400000000000000" pitchFamily="2" charset="0"/>
+      <p:regular r:id="rId13"/>
+    </p:embeddedFont>
+    <p:embeddedFont>
+      <p:font typeface="Montserrat Medium" panose="00000600000000000000" pitchFamily="2" charset="0"/>
+      <p:regular r:id="rId14"/>
+    </p:embeddedFont>
+  </p:embeddedFontLst>
+  <p:defaultTextStyle>
+    <a:defPPr>
+      <a:defRPr lang="en-US"/>
+    </a:defPPr>
+    <a:lvl1pPr marL="0" algn="l" defTabSz="914400" rtl="0" eaLnBrk="1" latinLnBrk="0" hangingPunct="1">
+      <a:defRPr sz="1800" kern="1200">
+        <a:solidFill>
+          <a:schemeClr val="tx1"/>
+        </a:solidFill>
+        <a:latin typeface="+mn-lt"/>
+        <a:ea typeface="+mn-ea"/>
+        <a:cs typeface="+mn-cs"/>
+      </a:defRPr>
+    </a:lvl1pPr>
+    <a:lvl2pPr marL="457200" algn="l" defTabSz="914400" rtl="0" eaLnBrk="1" latinLnBrk="0" hangingPunct="1">
+      <a:defRPr sz="1800" kern="1200">
+        <a:solidFill>
+          <a:schemeClr val="tx1"/>
+        </a:solidFill>
+        <a:latin typeface="+mn-lt"/>
+        <a:ea typeface="+mn-ea"/>
+        <a:cs typeface="+mn-cs"/>
+      </a:defRPr>
+    </a:lvl2pPr>
+    <a:lvl3pPr marL="914400" algn="l" defTabSz="914400" rtl="0" eaLnBrk="1" latinLnBrk="0" hangingPunct="1">
+      <a:defRPr sz="1800" kern="1200">
+        <a:solidFill>
+          <a:schemeClr val="tx1"/>
+        </a:solidFill>
+        <a:latin typeface="+mn-lt"/>
+        <a:ea typeface="+mn-ea"/>
+        <a:cs typeface="+mn-cs"/>
+      </a:defRPr>
+    </a:lvl3pPr>
+    <a:lvl4pPr marL="1371600" algn="l" defTabSz="914400" rtl="0" eaLnBrk="1" latinLnBrk="0" hangingPunct="1">
+      <a:defRPr sz="1800" kern="1200">
+        <a:solidFill>
+          <a:schemeClr val="tx1"/>
+        </a:solidFill>
+        <a:latin typeface="+mn-lt"/>
+        <a:ea typeface="+mn-ea"/>
+        <a:cs typeface="+mn-cs"/>
+      </a:defRPr>
+    </a:lvl4pPr>
+    <a:lvl5pPr marL="1828800" algn="l" defTabSz="914400" rtl="0" eaLnBrk="1" latinLnBrk="0" hangingPunct="1">
+      <a:defRPr sz="1800" kern="1200">
+        <a:solidFill>
+          <a:schemeClr val="tx1"/>
+        </a:solidFill>
+        <a:latin typeface="+mn-lt"/>
+        <a:ea typeface="+mn-ea"/>
+        <a:cs typeface="+mn-cs"/>
+      </a:defRPr>
+    </a:lvl5pPr>
+    <a:lvl6pPr marL="2286000" algn="l" defTabSz="914400" rtl="0" eaLnBrk="1" latinLnBrk="0" hangingPunct="1">
+      <a:defRPr sz="1800" kern="1200">
+        <a:solidFill>
+          <a:schemeClr val="tx1"/>
+        </a:solidFill>
+        <a:latin typeface="+mn-lt"/>
+        <a:ea typeface="+mn-ea"/>
+        <a:cs typeface="+mn-cs"/>
+      </a:defRPr>
+    </a:lvl6pPr>
+    <a:lvl7pPr marL="2743200" algn="l" defTabSz="914400" rtl="0" eaLnBrk="1" latinLnBrk="0" hangingPunct="1">
+      <a:defRPr sz="1800" kern="1200">
+        <a:solidFill>
+          <a:schemeClr val="tx1"/>
+        </a:solidFill>
+        <a:latin typeface="+mn-lt"/>
+        <a:ea typeface="+mn-ea"/>
+        <a:cs typeface="+mn-cs"/>
+      </a:defRPr>
+    </a:lvl7pPr>
+    <a:lvl8pPr marL="3200400" algn="l" defTabSz="914400" rtl="0" eaLnBrk="1" latinLnBrk="0" hangingPunct="1">
+      <a:defRPr sz="1800" kern="1200">
+        <a:solidFill>
+          <a:schemeClr val="tx1"/>
+        </a:solidFill>
+        <a:latin typeface="+mn-lt"/>
+        <a:ea typeface="+mn-ea"/>
+        <a:cs typeface="+mn-cs"/>
+      </a:defRPr>
+    </a:lvl8pPr>
+    <a:lvl9pPr marL="3657600" algn="l" defTabSz="914400" rtl="0" eaLnBrk="1" latinLnBrk="0" hangingPunct="1">
+      <a:defRPr sz="1800" kern="1200">
+        <a:solidFill>
+          <a:schemeClr val="tx1"/>
+        </a:solidFill>
+        <a:latin typeface="+mn-lt"/>
+        <a:ea typeface="+mn-ea"/>
+        <a:cs typeface="+mn-cs"/>
+      </a:defRPr>
+    </a:lvl9pPr>
+  </p:defaultTextStyle>
+  <p:extLst>
+    <p:ext uri="{EFAFB233-063F-42B5-8137-9DF3F51BA10A}">
+      <p15:sldGuideLst xmlns:p15="http://schemas.microsoft.com/office/powerpoint/2012/main"/>
+    </p:ext>
+  </p:extLst>
 </p:presentation>
 </file>
 
@@ -46,234 +156,10 @@
           <a:chExt cx="0" cy="0"/>
         </a:xfrm>
       </p:grpSpPr>
-      <p:sp>
-        <p:nvSpPr>
-          <p:cNvPr id="2" name="Header Placeholder 1"/>
-          <p:cNvSpPr>
-            <a:spLocks noGrp="1"/>
-          </p:cNvSpPr>
-          <p:nvPr>
-            <p:ph type="hdr" sz="quarter"/>
-          </p:nvPr>
-        </p:nvSpPr>
-        <p:spPr>
-          <a:xfrm>
-            <a:off x="0" y="0"/>
-            <a:ext cx="2971800" cy="458788"/>
-          </a:xfrm>
-          <a:prstGeom prst="rect">
-            <a:avLst/>
-          </a:prstGeom>
-        </p:spPr>
-        <p:txBody>
-          <a:bodyPr vert="horz" lIns="91440" tIns="45720" rIns="91440" bIns="45720" rtlCol="0"/>
-          <a:lstStyle>
-            <a:lvl1pPr algn="l">
-              <a:defRPr sz="1200"/>
-            </a:lvl1pPr>
-          </a:lstStyle>
-          <a:p>
-            <a:endParaRPr lang="en-US"/>
-          </a:p>
-        </p:txBody>
-      </p:sp>
-      <p:sp>
-        <p:nvSpPr>
-          <p:cNvPr id="3" name="Date Placeholder 2"/>
-          <p:cNvSpPr>
-            <a:spLocks noGrp="1"/>
-          </p:cNvSpPr>
-          <p:nvPr>
-            <p:ph type="dt" idx="1"/>
-          </p:nvPr>
-        </p:nvSpPr>
-        <p:spPr>
-          <a:xfrm>
-            <a:off x="3884613" y="0"/>
-            <a:ext cx="2971800" cy="458788"/>
-          </a:xfrm>
-          <a:prstGeom prst="rect">
-            <a:avLst/>
-          </a:prstGeom>
-        </p:spPr>
-        <p:txBody>
-          <a:bodyPr vert="horz" lIns="91440" tIns="45720" rIns="91440" bIns="45720" rtlCol="0"/>
-          <a:lstStyle>
-            <a:lvl1pPr algn="r">
-              <a:defRPr sz="1200"/>
-            </a:lvl1pPr>
-          </a:lstStyle>
-          <a:p>
-            <a:fld id="{5282F153-3F37-0F45-9E97-73ACFA13230C}" type="datetimeFigureOut">
-              <a:rPr lang="en-US"/>
-              <a:t>7/23/19</a:t>
-            </a:fld>
-            <a:endParaRPr lang="en-US"/>
-          </a:p>
-        </p:txBody>
-      </p:sp>
-      <p:sp>
-        <p:nvSpPr>
-          <p:cNvPr id="4" name="Slide Image Placeholder 3"/>
-          <p:cNvSpPr>
-            <a:spLocks noGrp="1" noRot="1" noChangeAspect="1"/>
-          </p:cNvSpPr>
-          <p:nvPr>
-            <p:ph type="sldImg" idx="2"/>
-          </p:nvPr>
-        </p:nvSpPr>
-        <p:spPr>
-          <a:xfrm>
-            <a:off x="685800" y="1143000"/>
-            <a:ext cx="5486400" cy="3086100"/>
-          </a:xfrm>
-          <a:prstGeom prst="rect">
-            <a:avLst/>
-          </a:prstGeom>
-          <a:noFill/>
-          <a:ln w="12700">
-            <a:solidFill>
-              <a:prstClr val="black"/>
-            </a:solidFill>
-          </a:ln>
-        </p:spPr>
-        <p:txBody>
-          <a:bodyPr vert="horz" lIns="91440" tIns="45720" rIns="91440" bIns="45720" rtlCol="0" anchor="ctr"/>
-          <a:lstStyle/>
-          <a:p>
-            <a:endParaRPr lang="en-US"/>
-          </a:p>
-        </p:txBody>
-      </p:sp>
-      <p:sp>
-        <p:nvSpPr>
-          <p:cNvPr id="5" name="Notes Placeholder 4"/>
-          <p:cNvSpPr>
-            <a:spLocks noGrp="1"/>
-          </p:cNvSpPr>
-          <p:nvPr>
-            <p:ph type="body" sz="quarter" idx="3"/>
-          </p:nvPr>
-        </p:nvSpPr>
-        <p:spPr>
-          <a:xfrm>
-            <a:off x="685800" y="4400550"/>
-            <a:ext cx="5486400" cy="3600450"/>
-          </a:xfrm>
-          <a:prstGeom prst="rect">
-            <a:avLst/>
-          </a:prstGeom>
-        </p:spPr>
-        <p:txBody>
-          <a:bodyPr vert="horz" lIns="91440" tIns="45720" rIns="91440" bIns="45720" rtlCol="0"/>
-          <a:lstStyle/>
-          <a:p>
-            <a:pPr lvl="0"/>
-            <a:r>
-              <a:rPr lang="en-US"/>
-              <a:t>Click to edit Master text styles</a:t>
-            </a:r>
-          </a:p>
-          <a:p>
-            <a:pPr lvl="1"/>
-            <a:r>
-              <a:rPr lang="en-US"/>
-              <a:t>Second level</a:t>
-            </a:r>
-          </a:p>
-          <a:p>
-            <a:pPr lvl="2"/>
-            <a:r>
-              <a:rPr lang="en-US"/>
-              <a:t>Third level</a:t>
-            </a:r>
-          </a:p>
-          <a:p>
-            <a:pPr lvl="3"/>
-            <a:r>
-              <a:rPr lang="en-US"/>
-              <a:t>Fourth level</a:t>
-            </a:r>
-          </a:p>
-          <a:p>
-            <a:pPr lvl="4"/>
-            <a:r>
-              <a:rPr lang="en-US"/>
-              <a:t>Fifth level</a:t>
-            </a:r>
-          </a:p>
-        </p:txBody>
-      </p:sp>
-      <p:sp>
-        <p:nvSpPr>
-          <p:cNvPr id="6" name="Footer Placeholder 5"/>
-          <p:cNvSpPr>
-            <a:spLocks noGrp="1"/>
-          </p:cNvSpPr>
-          <p:nvPr>
-            <p:ph type="ftr" sz="quarter" idx="4"/>
-          </p:nvPr>
-        </p:nvSpPr>
-        <p:spPr>
-          <a:xfrm>
-            <a:off x="0" y="8685213"/>
-            <a:ext cx="2971800" cy="458787"/>
-          </a:xfrm>
-          <a:prstGeom prst="rect">
-            <a:avLst/>
-          </a:prstGeom>
-        </p:spPr>
-        <p:txBody>
-          <a:bodyPr vert="horz" lIns="91440" tIns="45720" rIns="91440" bIns="45720" rtlCol="0" anchor="b"/>
-          <a:lstStyle>
-            <a:lvl1pPr algn="l">
-              <a:defRPr sz="1200"/>
-            </a:lvl1pPr>
-          </a:lstStyle>
-          <a:p>
-            <a:endParaRPr lang="en-US"/>
-          </a:p>
-        </p:txBody>
-      </p:sp>
-      <p:sp>
-        <p:nvSpPr>
-          <p:cNvPr id="7" name="Slide Number Placeholder 6"/>
-          <p:cNvSpPr>
-            <a:spLocks noGrp="1"/>
-          </p:cNvSpPr>
-          <p:nvPr>
-            <p:ph type="sldNum" sz="quarter" idx="5"/>
-          </p:nvPr>
-        </p:nvSpPr>
-        <p:spPr>
-          <a:xfrm>
-            <a:off x="3884613" y="8685213"/>
-            <a:ext cx="2971800" cy="458787"/>
-          </a:xfrm>
-          <a:prstGeom prst="rect">
-            <a:avLst/>
-          </a:prstGeom>
-        </p:spPr>
-        <p:txBody>
-          <a:bodyPr vert="horz" lIns="91440" tIns="45720" rIns="91440" bIns="45720" rtlCol="0" anchor="b"/>
-          <a:lstStyle>
-            <a:lvl1pPr algn="r">
-              <a:defRPr sz="1200"/>
-            </a:lvl1pPr>
-          </a:lstStyle>
-          <a:p>
-            <a:fld id="{CE5E9CC1-C706-0F49-92D6-E571CC5EEA8F}" type="slidenum">
-              <a:rPr lang="en-US"/>
-              <a:t>‹#›</a:t>
-            </a:fld>
-            <a:endParaRPr lang="en-US"/>
-          </a:p>
-        </p:txBody>
-      </p:sp>
     </p:spTree>
     <p:extLst>
       <p:ext uri="{BB962C8B-B14F-4D97-AF65-F5344CB8AC3E}">
-        <p14:creationId xmlns:p14="http://schemas.microsoft.com/office/powerpoint/2010/main" val="1024086991"/>
+        <p14:creationId xmlns:p14="http://schemas.microsoft.com/office/powerpoint/2010/main" val="919900505"/>
       </p:ext>
     </p:extLst>
   </p:cSld>
@@ -417,10 +303,6 @@
           <a:bodyPr/>
           <a:lstStyle/>
           <a:p>
-            <a:r>
-              <a:rPr lang="en-US" dirty="0"/>
-              <a:t/>
-            </a:r>
             <a:endParaRPr lang="en-US" dirty="0"/>
           </a:p>
         </p:txBody>
@@ -505,10 +387,6 @@
           <a:bodyPr/>
           <a:lstStyle/>
           <a:p>
-            <a:r>
-              <a:rPr lang="en-US" dirty="0"/>
-              <a:t/>
-            </a:r>
             <a:endParaRPr lang="en-US" dirty="0"/>
           </a:p>
         </p:txBody>
@@ -593,10 +471,6 @@
           <a:bodyPr/>
           <a:lstStyle/>
           <a:p>
-            <a:r>
-              <a:rPr lang="en-US" dirty="0"/>
-              <a:t/>
-            </a:r>
             <a:endParaRPr lang="en-US" dirty="0"/>
           </a:p>
         </p:txBody>
@@ -681,10 +555,6 @@
           <a:bodyPr/>
           <a:lstStyle/>
           <a:p>
-            <a:r>
-              <a:rPr lang="en-US" dirty="0"/>
-              <a:t/>
-            </a:r>
             <a:endParaRPr lang="en-US" dirty="0"/>
           </a:p>
         </p:txBody>
@@ -769,10 +639,6 @@
           <a:bodyPr/>
           <a:lstStyle/>
           <a:p>
-            <a:r>
-              <a:rPr lang="en-US" dirty="0"/>
-              <a:t/>
-            </a:r>
             <a:endParaRPr lang="en-US" dirty="0"/>
           </a:p>
         </p:txBody>
@@ -857,10 +723,6 @@
           <a:bodyPr/>
           <a:lstStyle/>
           <a:p>
-            <a:r>
-              <a:rPr lang="en-US" dirty="0"/>
-              <a:t/>
-            </a:r>
             <a:endParaRPr lang="en-US" dirty="0"/>
           </a:p>
         </p:txBody>
@@ -945,10 +807,6 @@
           <a:bodyPr/>
           <a:lstStyle/>
           <a:p>
-            <a:r>
-              <a:rPr lang="en-US" dirty="0"/>
-              <a:t/>
-            </a:r>
             <a:endParaRPr lang="en-US" dirty="0"/>
           </a:p>
         </p:txBody>
@@ -1033,10 +891,6 @@
           <a:bodyPr/>
           <a:lstStyle/>
           <a:p>
-            <a:r>
-              <a:rPr lang="en-US" dirty="0"/>
-              <a:t/>
-            </a:r>
             <a:endParaRPr lang="en-US" dirty="0"/>
           </a:p>
         </p:txBody>
@@ -1121,10 +975,6 @@
           <a:bodyPr/>
           <a:lstStyle/>
           <a:p>
-            <a:r>
-              <a:rPr lang="en-US" dirty="0"/>
-              <a:t/>
-            </a:r>
             <a:endParaRPr lang="en-US" dirty="0"/>
           </a:p>
         </p:txBody>
@@ -1209,10 +1059,6 @@
           <a:bodyPr/>
           <a:lstStyle/>
           <a:p>
-            <a:r>
-              <a:rPr lang="en-US" dirty="0"/>
-              <a:t/>
-            </a:r>
             <a:endParaRPr lang="en-US" dirty="0"/>
           </a:p>
         </p:txBody>
@@ -1302,14 +1148,14 @@
       </p:grpSpPr>
       <p:pic>
         <p:nvPicPr>
-          <p:cNvPr id="2" name="Image 0" descr="preencoded.png">    </p:cNvPr>
+          <p:cNvPr id="2" name="Image 0" descr="preencoded.png"/>
           <p:cNvPicPr>
             <a:picLocks noChangeAspect="1"/>
           </p:cNvPicPr>
           <p:nvPr/>
         </p:nvPicPr>
         <p:blipFill>
-          <a:blip r:embed="rId1"/>
+          <a:blip r:embed="rId2"/>
           <a:stretch>
             <a:fillRect/>
           </a:stretch>
@@ -1347,7 +1193,7 @@
       <p:pic>
         <p:nvPicPr>
           <p:cNvPr id="4" name="Image 1" descr="preencoded.png">
-            <a:hlinkClick r:id="rId3" tooltip=""/>
+            <a:hlinkClick r:id="rId3"/>
           </p:cNvPr>
           <p:cNvPicPr>
             <a:picLocks noChangeAspect="1"/>
@@ -1355,7 +1201,7 @@
           <p:nvPr/>
         </p:nvPicPr>
         <p:blipFill>
-          <a:blip r:embed="rId2"/>
+          <a:blip r:embed="rId4"/>
           <a:stretch>
             <a:fillRect/>
           </a:stretch>
@@ -1397,14 +1243,14 @@
       </p:grpSpPr>
       <p:pic>
         <p:nvPicPr>
-          <p:cNvPr id="2" name="Image 0" descr="preencoded.png">    </p:cNvPr>
+          <p:cNvPr id="2" name="Image 0" descr="preencoded.png"/>
           <p:cNvPicPr>
             <a:picLocks noChangeAspect="1"/>
           </p:cNvPicPr>
           <p:nvPr/>
         </p:nvPicPr>
         <p:blipFill>
-          <a:blip r:embed="rId1"/>
+          <a:blip r:embed="rId2"/>
           <a:stretch>
             <a:fillRect/>
           </a:stretch>
@@ -1442,7 +1288,7 @@
       <p:pic>
         <p:nvPicPr>
           <p:cNvPr id="4" name="Image 1" descr="preencoded.png">
-            <a:hlinkClick r:id="rId3" tooltip=""/>
+            <a:hlinkClick r:id="rId3"/>
           </p:cNvPr>
           <p:cNvPicPr>
             <a:picLocks noChangeAspect="1"/>
@@ -1450,7 +1296,7 @@
           <p:nvPr/>
         </p:nvPicPr>
         <p:blipFill>
-          <a:blip r:embed="rId2"/>
+          <a:blip r:embed="rId4"/>
           <a:stretch>
             <a:fillRect/>
           </a:stretch>
@@ -1492,14 +1338,14 @@
       </p:grpSpPr>
       <p:pic>
         <p:nvPicPr>
-          <p:cNvPr id="2" name="Image 0" descr="preencoded.png">    </p:cNvPr>
+          <p:cNvPr id="2" name="Image 0" descr="preencoded.png"/>
           <p:cNvPicPr>
             <a:picLocks noChangeAspect="1"/>
           </p:cNvPicPr>
           <p:nvPr/>
         </p:nvPicPr>
         <p:blipFill>
-          <a:blip r:embed="rId1"/>
+          <a:blip r:embed="rId2"/>
           <a:stretch>
             <a:fillRect/>
           </a:stretch>
@@ -1537,7 +1383,7 @@
       <p:pic>
         <p:nvPicPr>
           <p:cNvPr id="4" name="Image 1" descr="preencoded.png">
-            <a:hlinkClick r:id="rId3" tooltip=""/>
+            <a:hlinkClick r:id="rId3"/>
           </p:cNvPr>
           <p:cNvPicPr>
             <a:picLocks noChangeAspect="1"/>
@@ -1545,7 +1391,7 @@
           <p:nvPr/>
         </p:nvPicPr>
         <p:blipFill>
-          <a:blip r:embed="rId2"/>
+          <a:blip r:embed="rId4"/>
           <a:stretch>
             <a:fillRect/>
           </a:stretch>
@@ -1587,14 +1433,14 @@
       </p:grpSpPr>
       <p:pic>
         <p:nvPicPr>
-          <p:cNvPr id="2" name="Image 0" descr="preencoded.png">    </p:cNvPr>
+          <p:cNvPr id="2" name="Image 0" descr="preencoded.png"/>
           <p:cNvPicPr>
             <a:picLocks noChangeAspect="1"/>
           </p:cNvPicPr>
           <p:nvPr/>
         </p:nvPicPr>
         <p:blipFill>
-          <a:blip r:embed="rId1"/>
+          <a:blip r:embed="rId2"/>
           <a:stretch>
             <a:fillRect/>
           </a:stretch>
@@ -1632,7 +1478,7 @@
       <p:pic>
         <p:nvPicPr>
           <p:cNvPr id="4" name="Image 1" descr="preencoded.png">
-            <a:hlinkClick r:id="rId3" tooltip=""/>
+            <a:hlinkClick r:id="rId3"/>
           </p:cNvPr>
           <p:cNvPicPr>
             <a:picLocks noChangeAspect="1"/>
@@ -1640,7 +1486,7 @@
           <p:nvPr/>
         </p:nvPicPr>
         <p:blipFill>
-          <a:blip r:embed="rId2"/>
+          <a:blip r:embed="rId4"/>
           <a:stretch>
             <a:fillRect/>
           </a:stretch>
@@ -1682,14 +1528,14 @@
       </p:grpSpPr>
       <p:pic>
         <p:nvPicPr>
-          <p:cNvPr id="2" name="Image 0" descr="preencoded.png">    </p:cNvPr>
+          <p:cNvPr id="2" name="Image 0" descr="preencoded.png"/>
           <p:cNvPicPr>
             <a:picLocks noChangeAspect="1"/>
           </p:cNvPicPr>
           <p:nvPr/>
         </p:nvPicPr>
         <p:blipFill>
-          <a:blip r:embed="rId1"/>
+          <a:blip r:embed="rId2"/>
           <a:stretch>
             <a:fillRect/>
           </a:stretch>
@@ -1727,7 +1573,7 @@
       <p:pic>
         <p:nvPicPr>
           <p:cNvPr id="4" name="Image 1" descr="preencoded.png">
-            <a:hlinkClick r:id="rId3" tooltip=""/>
+            <a:hlinkClick r:id="rId3"/>
           </p:cNvPr>
           <p:cNvPicPr>
             <a:picLocks noChangeAspect="1"/>
@@ -1735,7 +1581,7 @@
           <p:nvPr/>
         </p:nvPicPr>
         <p:blipFill>
-          <a:blip r:embed="rId2"/>
+          <a:blip r:embed="rId4"/>
           <a:stretch>
             <a:fillRect/>
           </a:stretch>
@@ -1777,14 +1623,14 @@
       </p:grpSpPr>
       <p:pic>
         <p:nvPicPr>
-          <p:cNvPr id="2" name="Image 0" descr="preencoded.png">    </p:cNvPr>
+          <p:cNvPr id="2" name="Image 0" descr="preencoded.png"/>
           <p:cNvPicPr>
             <a:picLocks noChangeAspect="1"/>
           </p:cNvPicPr>
           <p:nvPr/>
         </p:nvPicPr>
         <p:blipFill>
-          <a:blip r:embed="rId1"/>
+          <a:blip r:embed="rId2"/>
           <a:stretch>
             <a:fillRect/>
           </a:stretch>
@@ -1822,7 +1668,7 @@
       <p:pic>
         <p:nvPicPr>
           <p:cNvPr id="4" name="Image 1" descr="preencoded.png">
-            <a:hlinkClick r:id="rId3" tooltip=""/>
+            <a:hlinkClick r:id="rId3"/>
           </p:cNvPr>
           <p:cNvPicPr>
             <a:picLocks noChangeAspect="1"/>
@@ -1830,7 +1676,7 @@
           <p:nvPr/>
         </p:nvPicPr>
         <p:blipFill>
-          <a:blip r:embed="rId2"/>
+          <a:blip r:embed="rId4"/>
           <a:stretch>
             <a:fillRect/>
           </a:stretch>
@@ -1872,14 +1718,14 @@
       </p:grpSpPr>
       <p:pic>
         <p:nvPicPr>
-          <p:cNvPr id="2" name="Image 0" descr="preencoded.png">    </p:cNvPr>
+          <p:cNvPr id="2" name="Image 0" descr="preencoded.png"/>
           <p:cNvPicPr>
             <a:picLocks noChangeAspect="1"/>
           </p:cNvPicPr>
           <p:nvPr/>
         </p:nvPicPr>
         <p:blipFill>
-          <a:blip r:embed="rId1"/>
+          <a:blip r:embed="rId2"/>
           <a:stretch>
             <a:fillRect/>
           </a:stretch>
@@ -1917,7 +1763,7 @@
       <p:pic>
         <p:nvPicPr>
           <p:cNvPr id="4" name="Image 1" descr="preencoded.png">
-            <a:hlinkClick r:id="rId3" tooltip=""/>
+            <a:hlinkClick r:id="rId3"/>
           </p:cNvPr>
           <p:cNvPicPr>
             <a:picLocks noChangeAspect="1"/>
@@ -1925,7 +1771,7 @@
           <p:nvPr/>
         </p:nvPicPr>
         <p:blipFill>
-          <a:blip r:embed="rId2"/>
+          <a:blip r:embed="rId4"/>
           <a:stretch>
             <a:fillRect/>
           </a:stretch>
@@ -1967,14 +1813,14 @@
       </p:grpSpPr>
       <p:pic>
         <p:nvPicPr>
-          <p:cNvPr id="2" name="Image 0" descr="preencoded.png">    </p:cNvPr>
+          <p:cNvPr id="2" name="Image 0" descr="preencoded.png"/>
           <p:cNvPicPr>
             <a:picLocks noChangeAspect="1"/>
           </p:cNvPicPr>
           <p:nvPr/>
         </p:nvPicPr>
         <p:blipFill>
-          <a:blip r:embed="rId1"/>
+          <a:blip r:embed="rId2"/>
           <a:stretch>
             <a:fillRect/>
           </a:stretch>
@@ -2012,7 +1858,7 @@
       <p:pic>
         <p:nvPicPr>
           <p:cNvPr id="4" name="Image 1" descr="preencoded.png">
-            <a:hlinkClick r:id="rId3" tooltip=""/>
+            <a:hlinkClick r:id="rId3"/>
           </p:cNvPr>
           <p:cNvPicPr>
             <a:picLocks noChangeAspect="1"/>
@@ -2020,7 +1866,7 @@
           <p:nvPr/>
         </p:nvPicPr>
         <p:blipFill>
-          <a:blip r:embed="rId2"/>
+          <a:blip r:embed="rId4"/>
           <a:stretch>
             <a:fillRect/>
           </a:stretch>
@@ -2062,14 +1908,14 @@
       </p:grpSpPr>
       <p:pic>
         <p:nvPicPr>
-          <p:cNvPr id="2" name="Image 0" descr="preencoded.png">    </p:cNvPr>
+          <p:cNvPr id="2" name="Image 0" descr="preencoded.png"/>
           <p:cNvPicPr>
             <a:picLocks noChangeAspect="1"/>
           </p:cNvPicPr>
           <p:nvPr/>
         </p:nvPicPr>
         <p:blipFill>
-          <a:blip r:embed="rId1"/>
+          <a:blip r:embed="rId2"/>
           <a:stretch>
             <a:fillRect/>
           </a:stretch>
@@ -2107,7 +1953,7 @@
       <p:pic>
         <p:nvPicPr>
           <p:cNvPr id="4" name="Image 1" descr="preencoded.png">
-            <a:hlinkClick r:id="rId3" tooltip=""/>
+            <a:hlinkClick r:id="rId3"/>
           </p:cNvPr>
           <p:cNvPicPr>
             <a:picLocks noChangeAspect="1"/>
@@ -2115,7 +1961,7 @@
           <p:nvPr/>
         </p:nvPicPr>
         <p:blipFill>
-          <a:blip r:embed="rId2"/>
+          <a:blip r:embed="rId4"/>
           <a:stretch>
             <a:fillRect/>
           </a:stretch>
@@ -2157,14 +2003,14 @@
       </p:grpSpPr>
       <p:pic>
         <p:nvPicPr>
-          <p:cNvPr id="2" name="Image 0" descr="preencoded.png">    </p:cNvPr>
+          <p:cNvPr id="2" name="Image 0" descr="preencoded.png"/>
           <p:cNvPicPr>
             <a:picLocks noChangeAspect="1"/>
           </p:cNvPicPr>
           <p:nvPr/>
         </p:nvPicPr>
         <p:blipFill>
-          <a:blip r:embed="rId1"/>
+          <a:blip r:embed="rId2"/>
           <a:stretch>
             <a:fillRect/>
           </a:stretch>
@@ -2202,7 +2048,7 @@
       <p:pic>
         <p:nvPicPr>
           <p:cNvPr id="4" name="Image 1" descr="preencoded.png">
-            <a:hlinkClick r:id="rId3" tooltip=""/>
+            <a:hlinkClick r:id="rId3"/>
           </p:cNvPr>
           <p:cNvPicPr>
             <a:picLocks noChangeAspect="1"/>
@@ -2210,7 +2056,7 @@
           <p:nvPr/>
         </p:nvPicPr>
         <p:blipFill>
-          <a:blip r:embed="rId2"/>
+          <a:blip r:embed="rId4"/>
           <a:stretch>
             <a:fillRect/>
           </a:stretch>
@@ -2236,6 +2082,11 @@
 <file path=ppt/slideMasters/slideMaster1.xml><?xml version="1.0" encoding="utf-8"?>
 <p:sldMaster xmlns:a="http://schemas.openxmlformats.org/drawingml/2006/main" xmlns:r="http://schemas.openxmlformats.org/officeDocument/2006/relationships" xmlns:p="http://schemas.openxmlformats.org/presentationml/2006/main">
   <p:cSld>
+    <p:bg>
+      <p:bgRef idx="1001">
+        <a:schemeClr val="bg1"/>
+      </p:bgRef>
+    </p:bg>
     <p:spTree>
       <p:nvGrpSpPr>
         <p:cNvPr id="1" name=""/>
@@ -2539,14 +2390,14 @@
       </p:grpSpPr>
       <p:pic>
         <p:nvPicPr>
-          <p:cNvPr id="2" name="Image 0" descr="preencoded.png">    </p:cNvPr>
+          <p:cNvPr id="2" name="Image 0" descr="preencoded.png"/>
           <p:cNvPicPr>
             <a:picLocks noChangeAspect="1"/>
           </p:cNvPicPr>
           <p:nvPr/>
         </p:nvPicPr>
         <p:blipFill>
-          <a:blip r:embed="rId1"/>
+          <a:blip r:embed="rId3"/>
           <a:stretch>
             <a:fillRect/>
           </a:stretch>
@@ -2582,7 +2433,7 @@
           <a:bodyPr wrap="square" lIns="0" tIns="0" rIns="0" bIns="0" rtlCol="0" anchor="t"/>
           <a:lstStyle/>
           <a:p>
-            <a:pPr algn="l" indent="0" marL="0">
+            <a:pPr marL="0" indent="0" algn="l">
               <a:lnSpc>
                 <a:spcPts val="5550"/>
               </a:lnSpc>
@@ -2624,7 +2475,7 @@
           <a:bodyPr wrap="none" lIns="0" tIns="0" rIns="0" bIns="0" rtlCol="0" anchor="t"/>
           <a:lstStyle/>
           <a:p>
-            <a:pPr algn="l" indent="0" marL="0">
+            <a:pPr marL="0" indent="0" algn="l">
               <a:lnSpc>
                 <a:spcPts val="2850"/>
               </a:lnSpc>
@@ -2666,7 +2517,7 @@
           <a:bodyPr wrap="none" lIns="0" tIns="0" rIns="0" bIns="0" rtlCol="0" anchor="t"/>
           <a:lstStyle/>
           <a:p>
-            <a:pPr algn="l" indent="0" marL="0">
+            <a:pPr marL="0" indent="0" algn="l">
               <a:lnSpc>
                 <a:spcPts val="2850"/>
               </a:lnSpc>
@@ -2714,14 +2565,14 @@
       </p:grpSpPr>
       <p:pic>
         <p:nvPicPr>
-          <p:cNvPr id="2" name="Image 0" descr="preencoded.png">    </p:cNvPr>
+          <p:cNvPr id="2" name="Image 0" descr="preencoded.png"/>
           <p:cNvPicPr>
             <a:picLocks noChangeAspect="1"/>
           </p:cNvPicPr>
           <p:nvPr/>
         </p:nvPicPr>
         <p:blipFill>
-          <a:blip r:embed="rId1"/>
+          <a:blip r:embed="rId3"/>
           <a:stretch>
             <a:fillRect/>
           </a:stretch>
@@ -2757,7 +2608,7 @@
           <a:bodyPr wrap="none" lIns="0" tIns="0" rIns="0" bIns="0" rtlCol="0" anchor="t"/>
           <a:lstStyle/>
           <a:p>
-            <a:pPr algn="l" indent="0" marL="0">
+            <a:pPr marL="0" indent="0" algn="l">
               <a:lnSpc>
                 <a:spcPts val="11150"/>
               </a:lnSpc>
@@ -2799,7 +2650,7 @@
           <a:bodyPr wrap="square" lIns="0" tIns="0" rIns="0" bIns="0" rtlCol="0" anchor="t"/>
           <a:lstStyle/>
           <a:p>
-            <a:pPr algn="l" indent="0" marL="0">
+            <a:pPr marL="0" indent="0" algn="l">
               <a:lnSpc>
                 <a:spcPts val="2850"/>
               </a:lnSpc>
@@ -2823,7 +2674,7 @@
       <p:pic>
         <p:nvPicPr>
           <p:cNvPr id="5" name="Image 1" descr="preencoded.png">
-            <a:hlinkClick r:id="rId3" tooltip=""/>
+            <a:hlinkClick r:id="rId4"/>
           </p:cNvPr>
           <p:cNvPicPr>
             <a:picLocks noChangeAspect="1"/>
@@ -2831,7 +2682,7 @@
           <p:nvPr/>
         </p:nvPicPr>
         <p:blipFill>
-          <a:blip r:embed="rId2"/>
+          <a:blip r:embed="rId5"/>
           <a:stretch>
             <a:fillRect/>
           </a:stretch>
@@ -2849,7 +2700,7 @@
       <p:pic>
         <p:nvPicPr>
           <p:cNvPr id="6" name="Image 2" descr="preencoded.png">
-            <a:hlinkClick r:id="rId5" tooltip=""/>
+            <a:hlinkClick r:id="rId6"/>
           </p:cNvPr>
           <p:cNvPicPr>
             <a:picLocks noChangeAspect="1"/>
@@ -2857,7 +2708,7 @@
           <p:nvPr/>
         </p:nvPicPr>
         <p:blipFill>
-          <a:blip r:embed="rId4"/>
+          <a:blip r:embed="rId7"/>
           <a:stretch>
             <a:fillRect/>
           </a:stretch>
@@ -2893,7 +2744,7 @@
           <a:bodyPr wrap="none" lIns="0" tIns="0" rIns="0" bIns="0" rtlCol="0" anchor="t"/>
           <a:lstStyle/>
           <a:p>
-            <a:pPr algn="l" indent="0" marL="0">
+            <a:pPr marL="0" indent="0" algn="l">
               <a:lnSpc>
                 <a:spcPts val="2850"/>
               </a:lnSpc>
@@ -2963,212 +2814,7 @@
       </p:sp>
       <p:pic>
         <p:nvPicPr>
-          <p:cNvPr id="3" name="Image 0" descr="preencoded.png">    </p:cNvPr>
-          <p:cNvPicPr>
-            <a:picLocks noChangeAspect="1"/>
-          </p:cNvPicPr>
-          <p:nvPr/>
-        </p:nvPicPr>
-        <p:blipFill>
-          <a:blip r:embed="rId1">
-            <a:extLst>
-              <a:ext uri="{96DAC541-7B7A-43D3-8B79-37D633B846F1}">
-                <asvg:svgBlip xmlns:asvg="http://schemas.microsoft.com/office/drawing/2016/SVG/main" r:embed="rId2"/>
-              </a:ext>
-            </a:extLst>
-          </a:blip>
-          <a:stretch>
-            <a:fillRect/>
-          </a:stretch>
-        </p:blipFill>
-        <p:spPr>
-          <a:xfrm>
-            <a:off x="1023461" y="666988"/>
-            <a:ext cx="162163" cy="162163"/>
-          </a:xfrm>
-          <a:prstGeom prst="rect">
-            <a:avLst/>
-          </a:prstGeom>
-        </p:spPr>
-      </p:pic>
-      <p:sp>
-        <p:nvSpPr>
-          <p:cNvPr id="4" name="Text 1"/>
-          <p:cNvSpPr/>
-          <p:nvPr/>
-        </p:nvSpPr>
-        <p:spPr>
-          <a:xfrm>
-            <a:off x="1266706" y="618292"/>
-            <a:ext cx="967145" cy="259556"/>
-          </a:xfrm>
-          <a:prstGeom prst="rect">
-            <a:avLst/>
-          </a:prstGeom>
-          <a:noFill/>
-          <a:ln/>
-        </p:spPr>
-        <p:txBody>
-          <a:bodyPr wrap="none" lIns="0" tIns="0" rIns="0" bIns="0" rtlCol="0" anchor="t"/>
-          <a:lstStyle/>
-          <a:p>
-            <a:pPr algn="l" indent="0" marL="0">
-              <a:lnSpc>
-                <a:spcPts val="2000"/>
-              </a:lnSpc>
-              <a:buNone/>
-            </a:pPr>
-            <a:r>
-              <a:rPr lang="en-US" sz="1250" dirty="0">
-                <a:solidFill>
-                  <a:srgbClr val="3D3E44"/>
-                </a:solidFill>
-                <a:latin typeface="Inter Light" pitchFamily="34" charset="0"/>
-                <a:ea typeface="Inter Light" pitchFamily="34" charset="-122"/>
-                <a:cs typeface="Inter Light" pitchFamily="34" charset="-120"/>
-              </a:rPr>
-              <a:t>CHALLENGE</a:t>
-            </a:r>
-            <a:endParaRPr lang="en-US" sz="1250" dirty="0"/>
-          </a:p>
-        </p:txBody>
-      </p:sp>
-      <p:sp>
-        <p:nvSpPr>
-          <p:cNvPr id="5" name="Text 2"/>
-          <p:cNvSpPr/>
-          <p:nvPr/>
-        </p:nvSpPr>
-        <p:spPr>
-          <a:xfrm>
-            <a:off x="901898" y="1019651"/>
-            <a:ext cx="5069800" cy="633651"/>
-          </a:xfrm>
-          <a:prstGeom prst="rect">
-            <a:avLst/>
-          </a:prstGeom>
-          <a:noFill/>
-          <a:ln/>
-        </p:spPr>
-        <p:txBody>
-          <a:bodyPr wrap="none" lIns="0" tIns="0" rIns="0" bIns="0" rtlCol="0" anchor="t"/>
-          <a:lstStyle/>
-          <a:p>
-            <a:pPr algn="l" indent="0" marL="0">
-              <a:lnSpc>
-                <a:spcPts val="4950"/>
-              </a:lnSpc>
-              <a:buNone/>
-            </a:pPr>
-            <a:r>
-              <a:rPr lang="en-US" sz="3950" dirty="0">
-                <a:solidFill>
-                  <a:srgbClr val="74767D"/>
-                </a:solidFill>
-                <a:latin typeface="Montserrat Medium" pitchFamily="34" charset="0"/>
-                <a:ea typeface="Montserrat Medium" pitchFamily="34" charset="-122"/>
-                <a:cs typeface="Montserrat Medium" pitchFamily="34" charset="-120"/>
-              </a:rPr>
-              <a:t>Business Problem</a:t>
-            </a:r>
-            <a:endParaRPr lang="en-US" sz="3950" dirty="0"/>
-          </a:p>
-        </p:txBody>
-      </p:sp>
-      <p:sp>
-        <p:nvSpPr>
-          <p:cNvPr id="6" name="Text 3"/>
-          <p:cNvSpPr/>
-          <p:nvPr/>
-        </p:nvSpPr>
-        <p:spPr>
-          <a:xfrm>
-            <a:off x="901898" y="1957388"/>
-            <a:ext cx="12826603" cy="648653"/>
-          </a:xfrm>
-          <a:prstGeom prst="rect">
-            <a:avLst/>
-          </a:prstGeom>
-          <a:noFill/>
-          <a:ln/>
-        </p:spPr>
-        <p:txBody>
-          <a:bodyPr wrap="square" lIns="0" tIns="0" rIns="0" bIns="0" rtlCol="0" anchor="t"/>
-          <a:lstStyle/>
-          <a:p>
-            <a:pPr algn="l" indent="0" marL="0">
-              <a:lnSpc>
-                <a:spcPts val="2550"/>
-              </a:lnSpc>
-              <a:buNone/>
-            </a:pPr>
-            <a:r>
-              <a:rPr lang="en-US" sz="1550" dirty="0">
-                <a:solidFill>
-                  <a:srgbClr val="3D3E44"/>
-                </a:solidFill>
-                <a:latin typeface="Inter Light" pitchFamily="34" charset="0"/>
-                <a:ea typeface="Inter Light" pitchFamily="34" charset="-122"/>
-                <a:cs typeface="Inter Light" pitchFamily="34" charset="-120"/>
-              </a:rPr>
-              <a:t>Our transportation network faces critical operational challenges that directly impact customer satisfaction and profitability. These recurring issues demand immediate data-driven solutions.</a:t>
-            </a:r>
-            <a:endParaRPr lang="en-US" sz="1550" dirty="0"/>
-          </a:p>
-        </p:txBody>
-      </p:sp>
-      <p:sp>
-        <p:nvSpPr>
-          <p:cNvPr id="7" name="Shape 4"/>
-          <p:cNvSpPr/>
-          <p:nvPr/>
-        </p:nvSpPr>
-        <p:spPr>
-          <a:xfrm>
-            <a:off x="901898" y="2834164"/>
-            <a:ext cx="6311860" cy="2318861"/>
-          </a:xfrm>
-          <a:prstGeom prst="roundRect">
-            <a:avLst>
-              <a:gd name="adj" fmla="val 7871"/>
-            </a:avLst>
-          </a:prstGeom>
-          <a:solidFill>
-            <a:srgbClr val="EFF0F6"/>
-          </a:solidFill>
-          <a:ln w="7620">
-            <a:solidFill>
-              <a:srgbClr val="2C3E50"/>
-            </a:solidFill>
-            <a:prstDash val="solid"/>
-          </a:ln>
-        </p:spPr>
-      </p:sp>
-      <p:sp>
-        <p:nvSpPr>
-          <p:cNvPr id="8" name="Shape 5"/>
-          <p:cNvSpPr/>
-          <p:nvPr/>
-        </p:nvSpPr>
-        <p:spPr>
-          <a:xfrm>
-            <a:off x="1112282" y="3044547"/>
-            <a:ext cx="608290" cy="608290"/>
-          </a:xfrm>
-          <a:prstGeom prst="roundRect">
-            <a:avLst>
-              <a:gd name="adj" fmla="val 15030800"/>
-            </a:avLst>
-          </a:prstGeom>
-          <a:solidFill>
-            <a:srgbClr val="2C3E50"/>
-          </a:solidFill>
-          <a:ln/>
-        </p:spPr>
-      </p:sp>
-      <p:pic>
-        <p:nvPicPr>
-          <p:cNvPr id="9" name="Image 1" descr="preencoded.png">    </p:cNvPr>
+          <p:cNvPr id="3" name="Image 0" descr="preencoded.png"/>
           <p:cNvPicPr>
             <a:picLocks noChangeAspect="1"/>
           </p:cNvPicPr>
@@ -3188,8 +2834,8 @@
         </p:blipFill>
         <p:spPr>
           <a:xfrm>
-            <a:off x="1279565" y="3211711"/>
-            <a:ext cx="273725" cy="273725"/>
+            <a:off x="1023461" y="666988"/>
+            <a:ext cx="162163" cy="162163"/>
           </a:xfrm>
           <a:prstGeom prst="rect">
             <a:avLst/>
@@ -3198,14 +2844,14 @@
       </p:pic>
       <p:sp>
         <p:nvSpPr>
-          <p:cNvPr id="10" name="Text 6"/>
-          <p:cNvSpPr/>
-          <p:nvPr/>
-        </p:nvSpPr>
-        <p:spPr>
-          <a:xfrm>
-            <a:off x="1112282" y="3855601"/>
-            <a:ext cx="3220045" cy="316825"/>
+          <p:cNvPr id="4" name="Text 1"/>
+          <p:cNvSpPr/>
+          <p:nvPr/>
+        </p:nvSpPr>
+        <p:spPr>
+          <a:xfrm>
+            <a:off x="1266706" y="618292"/>
+            <a:ext cx="967145" cy="259556"/>
           </a:xfrm>
           <a:prstGeom prst="rect">
             <a:avLst/>
@@ -3217,37 +2863,79 @@
           <a:bodyPr wrap="none" lIns="0" tIns="0" rIns="0" bIns="0" rtlCol="0" anchor="t"/>
           <a:lstStyle/>
           <a:p>
-            <a:pPr algn="l" indent="0" marL="0">
-              <a:lnSpc>
-                <a:spcPts val="2450"/>
-              </a:lnSpc>
-              <a:buNone/>
-            </a:pPr>
-            <a:r>
-              <a:rPr lang="en-US" sz="1950" dirty="0">
+            <a:pPr marL="0" indent="0" algn="l">
+              <a:lnSpc>
+                <a:spcPts val="2000"/>
+              </a:lnSpc>
+              <a:buNone/>
+            </a:pPr>
+            <a:r>
+              <a:rPr lang="en-US" sz="1250" dirty="0">
                 <a:solidFill>
                   <a:srgbClr val="3D3E44"/>
+                </a:solidFill>
+                <a:latin typeface="Inter Light" pitchFamily="34" charset="0"/>
+                <a:ea typeface="Inter Light" pitchFamily="34" charset="-122"/>
+                <a:cs typeface="Inter Light" pitchFamily="34" charset="-120"/>
+              </a:rPr>
+              <a:t>CHALLENGE</a:t>
+            </a:r>
+            <a:endParaRPr lang="en-US" sz="1250" dirty="0"/>
+          </a:p>
+        </p:txBody>
+      </p:sp>
+      <p:sp>
+        <p:nvSpPr>
+          <p:cNvPr id="5" name="Text 2"/>
+          <p:cNvSpPr/>
+          <p:nvPr/>
+        </p:nvSpPr>
+        <p:spPr>
+          <a:xfrm>
+            <a:off x="901898" y="1019651"/>
+            <a:ext cx="5069800" cy="633651"/>
+          </a:xfrm>
+          <a:prstGeom prst="rect">
+            <a:avLst/>
+          </a:prstGeom>
+          <a:noFill/>
+          <a:ln/>
+        </p:spPr>
+        <p:txBody>
+          <a:bodyPr wrap="none" lIns="0" tIns="0" rIns="0" bIns="0" rtlCol="0" anchor="t"/>
+          <a:lstStyle/>
+          <a:p>
+            <a:pPr marL="0" indent="0" algn="l">
+              <a:lnSpc>
+                <a:spcPts val="4950"/>
+              </a:lnSpc>
+              <a:buNone/>
+            </a:pPr>
+            <a:r>
+              <a:rPr lang="en-US" sz="3950" dirty="0">
+                <a:solidFill>
+                  <a:srgbClr val="74767D"/>
                 </a:solidFill>
                 <a:latin typeface="Montserrat Medium" pitchFamily="34" charset="0"/>
                 <a:ea typeface="Montserrat Medium" pitchFamily="34" charset="-122"/>
                 <a:cs typeface="Montserrat Medium" pitchFamily="34" charset="-120"/>
               </a:rPr>
-              <a:t>Frequent Delivery Delays</a:t>
-            </a:r>
-            <a:endParaRPr lang="en-US" sz="1950" dirty="0"/>
-          </a:p>
-        </p:txBody>
-      </p:sp>
-      <p:sp>
-        <p:nvSpPr>
-          <p:cNvPr id="11" name="Text 7"/>
-          <p:cNvSpPr/>
-          <p:nvPr/>
-        </p:nvSpPr>
-        <p:spPr>
-          <a:xfrm>
-            <a:off x="1112282" y="4293989"/>
-            <a:ext cx="5891093" cy="648653"/>
+              <a:t>Business Problem</a:t>
+            </a:r>
+            <a:endParaRPr lang="en-US" sz="3950" dirty="0"/>
+          </a:p>
+        </p:txBody>
+      </p:sp>
+      <p:sp>
+        <p:nvSpPr>
+          <p:cNvPr id="6" name="Text 3"/>
+          <p:cNvSpPr/>
+          <p:nvPr/>
+        </p:nvSpPr>
+        <p:spPr>
+          <a:xfrm>
+            <a:off x="901898" y="1957388"/>
+            <a:ext cx="12826603" cy="648653"/>
           </a:xfrm>
           <a:prstGeom prst="rect">
             <a:avLst/>
@@ -3259,7 +2947,7 @@
           <a:bodyPr wrap="square" lIns="0" tIns="0" rIns="0" bIns="0" rtlCol="0" anchor="t"/>
           <a:lstStyle/>
           <a:p>
-            <a:pPr algn="l" indent="0" marL="0">
+            <a:pPr marL="0" indent="0" algn="l">
               <a:lnSpc>
                 <a:spcPts val="2550"/>
               </a:lnSpc>
@@ -3274,7 +2962,7 @@
                 <a:ea typeface="Inter Light" pitchFamily="34" charset="-122"/>
                 <a:cs typeface="Inter Light" pitchFamily="34" charset="-120"/>
               </a:rPr>
-              <a:t>Customer commitments are not being met consistently across routes</a:t>
+              <a:t>Our transportation network faces critical operational challenges that directly impact customer satisfaction and profitability. These recurring issues demand immediate data-driven solutions.</a:t>
             </a:r>
             <a:endParaRPr lang="en-US" sz="1550" dirty="0"/>
           </a:p>
@@ -3282,14 +2970,14 @@
       </p:sp>
       <p:sp>
         <p:nvSpPr>
-          <p:cNvPr id="12" name="Shape 8"/>
-          <p:cNvSpPr/>
-          <p:nvPr/>
-        </p:nvSpPr>
-        <p:spPr>
-          <a:xfrm>
-            <a:off x="7416522" y="2834164"/>
-            <a:ext cx="6311979" cy="2318861"/>
+          <p:cNvPr id="7" name="Shape 4"/>
+          <p:cNvSpPr/>
+          <p:nvPr/>
+        </p:nvSpPr>
+        <p:spPr>
+          <a:xfrm>
+            <a:off x="901898" y="2834164"/>
+            <a:ext cx="6311860" cy="2318861"/>
           </a:xfrm>
           <a:prstGeom prst="roundRect">
             <a:avLst>
@@ -3309,13 +2997,13 @@
       </p:sp>
       <p:sp>
         <p:nvSpPr>
-          <p:cNvPr id="13" name="Shape 9"/>
-          <p:cNvSpPr/>
-          <p:nvPr/>
-        </p:nvSpPr>
-        <p:spPr>
-          <a:xfrm>
-            <a:off x="7626906" y="3044547"/>
+          <p:cNvPr id="8" name="Shape 5"/>
+          <p:cNvSpPr/>
+          <p:nvPr/>
+        </p:nvSpPr>
+        <p:spPr>
+          <a:xfrm>
+            <a:off x="1112282" y="3044547"/>
             <a:ext cx="608290" cy="608290"/>
           </a:xfrm>
           <a:prstGeom prst="roundRect">
@@ -3331,7 +3019,7 @@
       </p:sp>
       <p:pic>
         <p:nvPicPr>
-          <p:cNvPr id="14" name="Image 2" descr="preencoded.png">    </p:cNvPr>
+          <p:cNvPr id="9" name="Image 1" descr="preencoded.png"/>
           <p:cNvPicPr>
             <a:picLocks noChangeAspect="1"/>
           </p:cNvPicPr>
@@ -3351,7 +3039,7 @@
         </p:blipFill>
         <p:spPr>
           <a:xfrm>
-            <a:off x="7794188" y="3211711"/>
+            <a:off x="1279565" y="3211711"/>
             <a:ext cx="273725" cy="273725"/>
           </a:xfrm>
           <a:prstGeom prst="rect">
@@ -3361,14 +3049,14 @@
       </p:pic>
       <p:sp>
         <p:nvSpPr>
-          <p:cNvPr id="15" name="Text 10"/>
-          <p:cNvSpPr/>
-          <p:nvPr/>
-        </p:nvSpPr>
-        <p:spPr>
-          <a:xfrm>
-            <a:off x="7626906" y="3855601"/>
-            <a:ext cx="2584133" cy="316825"/>
+          <p:cNvPr id="10" name="Text 6"/>
+          <p:cNvSpPr/>
+          <p:nvPr/>
+        </p:nvSpPr>
+        <p:spPr>
+          <a:xfrm>
+            <a:off x="1112282" y="3855601"/>
+            <a:ext cx="3220045" cy="316825"/>
           </a:xfrm>
           <a:prstGeom prst="rect">
             <a:avLst/>
@@ -3380,7 +3068,7 @@
           <a:bodyPr wrap="none" lIns="0" tIns="0" rIns="0" bIns="0" rtlCol="0" anchor="t"/>
           <a:lstStyle/>
           <a:p>
-            <a:pPr algn="l" indent="0" marL="0">
+            <a:pPr marL="0" indent="0" algn="l">
               <a:lnSpc>
                 <a:spcPts val="2450"/>
               </a:lnSpc>
@@ -3395,7 +3083,7 @@
                 <a:ea typeface="Montserrat Medium" pitchFamily="34" charset="-122"/>
                 <a:cs typeface="Montserrat Medium" pitchFamily="34" charset="-120"/>
               </a:rPr>
-              <a:t>High Logistics Costs</a:t>
+              <a:t>Frequent Delivery Delays</a:t>
             </a:r>
             <a:endParaRPr lang="en-US" sz="1950" dirty="0"/>
           </a:p>
@@ -3403,26 +3091,26 @@
       </p:sp>
       <p:sp>
         <p:nvSpPr>
-          <p:cNvPr id="16" name="Text 11"/>
-          <p:cNvSpPr/>
-          <p:nvPr/>
-        </p:nvSpPr>
-        <p:spPr>
-          <a:xfrm>
-            <a:off x="7626906" y="4293989"/>
-            <a:ext cx="5891213" cy="324326"/>
-          </a:xfrm>
-          <a:prstGeom prst="rect">
-            <a:avLst/>
-          </a:prstGeom>
-          <a:noFill/>
-          <a:ln/>
-        </p:spPr>
-        <p:txBody>
-          <a:bodyPr wrap="none" lIns="0" tIns="0" rIns="0" bIns="0" rtlCol="0" anchor="t"/>
-          <a:lstStyle/>
-          <a:p>
-            <a:pPr algn="l" indent="0" marL="0">
+          <p:cNvPr id="11" name="Text 7"/>
+          <p:cNvSpPr/>
+          <p:nvPr/>
+        </p:nvSpPr>
+        <p:spPr>
+          <a:xfrm>
+            <a:off x="1112282" y="4293989"/>
+            <a:ext cx="5891093" cy="648653"/>
+          </a:xfrm>
+          <a:prstGeom prst="rect">
+            <a:avLst/>
+          </a:prstGeom>
+          <a:noFill/>
+          <a:ln/>
+        </p:spPr>
+        <p:txBody>
+          <a:bodyPr wrap="square" lIns="0" tIns="0" rIns="0" bIns="0" rtlCol="0" anchor="t"/>
+          <a:lstStyle/>
+          <a:p>
+            <a:pPr marL="0" indent="0" algn="l">
               <a:lnSpc>
                 <a:spcPts val="2550"/>
               </a:lnSpc>
@@ -3437,7 +3125,7 @@
                 <a:ea typeface="Inter Light" pitchFamily="34" charset="-122"/>
                 <a:cs typeface="Inter Light" pitchFamily="34" charset="-120"/>
               </a:rPr>
-              <a:t>Operating expenses are eroding profit margins significantly</a:t>
+              <a:t>Customer commitments are not being met consistently across routes</a:t>
             </a:r>
             <a:endParaRPr lang="en-US" sz="1550" dirty="0"/>
           </a:p>
@@ -3445,14 +3133,14 @@
       </p:sp>
       <p:sp>
         <p:nvSpPr>
-          <p:cNvPr id="17" name="Shape 12"/>
-          <p:cNvSpPr/>
-          <p:nvPr/>
-        </p:nvSpPr>
-        <p:spPr>
-          <a:xfrm>
-            <a:off x="901898" y="5355788"/>
-            <a:ext cx="6311860" cy="2318861"/>
+          <p:cNvPr id="12" name="Shape 8"/>
+          <p:cNvSpPr/>
+          <p:nvPr/>
+        </p:nvSpPr>
+        <p:spPr>
+          <a:xfrm>
+            <a:off x="7416522" y="2834164"/>
+            <a:ext cx="6311979" cy="2318861"/>
           </a:xfrm>
           <a:prstGeom prst="roundRect">
             <a:avLst>
@@ -3472,13 +3160,13 @@
       </p:sp>
       <p:sp>
         <p:nvSpPr>
-          <p:cNvPr id="18" name="Shape 13"/>
-          <p:cNvSpPr/>
-          <p:nvPr/>
-        </p:nvSpPr>
-        <p:spPr>
-          <a:xfrm>
-            <a:off x="1112282" y="5566172"/>
+          <p:cNvPr id="13" name="Shape 9"/>
+          <p:cNvSpPr/>
+          <p:nvPr/>
+        </p:nvSpPr>
+        <p:spPr>
+          <a:xfrm>
+            <a:off x="7626906" y="3044547"/>
             <a:ext cx="608290" cy="608290"/>
           </a:xfrm>
           <a:prstGeom prst="roundRect">
@@ -3494,7 +3182,7 @@
       </p:sp>
       <p:pic>
         <p:nvPicPr>
-          <p:cNvPr id="19" name="Image 3" descr="preencoded.png">    </p:cNvPr>
+          <p:cNvPr id="14" name="Image 2" descr="preencoded.png"/>
           <p:cNvPicPr>
             <a:picLocks noChangeAspect="1"/>
           </p:cNvPicPr>
@@ -3514,7 +3202,7 @@
         </p:blipFill>
         <p:spPr>
           <a:xfrm>
-            <a:off x="1279565" y="5733336"/>
+            <a:off x="7794188" y="3211711"/>
             <a:ext cx="273725" cy="273725"/>
           </a:xfrm>
           <a:prstGeom prst="rect">
@@ -3524,14 +3212,14 @@
       </p:pic>
       <p:sp>
         <p:nvSpPr>
-          <p:cNvPr id="20" name="Text 14"/>
-          <p:cNvSpPr/>
-          <p:nvPr/>
-        </p:nvSpPr>
-        <p:spPr>
-          <a:xfrm>
-            <a:off x="1112282" y="6377226"/>
-            <a:ext cx="2534841" cy="316825"/>
+          <p:cNvPr id="15" name="Text 10"/>
+          <p:cNvSpPr/>
+          <p:nvPr/>
+        </p:nvSpPr>
+        <p:spPr>
+          <a:xfrm>
+            <a:off x="7626906" y="3855601"/>
+            <a:ext cx="2584133" cy="316825"/>
           </a:xfrm>
           <a:prstGeom prst="rect">
             <a:avLst/>
@@ -3543,7 +3231,7 @@
           <a:bodyPr wrap="none" lIns="0" tIns="0" rIns="0" bIns="0" rtlCol="0" anchor="t"/>
           <a:lstStyle/>
           <a:p>
-            <a:pPr algn="l" indent="0" marL="0">
+            <a:pPr marL="0" indent="0" algn="l">
               <a:lnSpc>
                 <a:spcPts val="2450"/>
               </a:lnSpc>
@@ -3558,7 +3246,7 @@
                 <a:ea typeface="Montserrat Medium" pitchFamily="34" charset="-122"/>
                 <a:cs typeface="Montserrat Medium" pitchFamily="34" charset="-120"/>
               </a:rPr>
-              <a:t>Inefficient Routes</a:t>
+              <a:t>High Logistics Costs</a:t>
             </a:r>
             <a:endParaRPr lang="en-US" sz="1950" dirty="0"/>
           </a:p>
@@ -3566,26 +3254,26 @@
       </p:sp>
       <p:sp>
         <p:nvSpPr>
-          <p:cNvPr id="21" name="Text 15"/>
-          <p:cNvSpPr/>
-          <p:nvPr/>
-        </p:nvSpPr>
-        <p:spPr>
-          <a:xfrm>
-            <a:off x="1112282" y="6815614"/>
-            <a:ext cx="5891093" cy="648653"/>
-          </a:xfrm>
-          <a:prstGeom prst="rect">
-            <a:avLst/>
-          </a:prstGeom>
-          <a:noFill/>
-          <a:ln/>
-        </p:spPr>
-        <p:txBody>
-          <a:bodyPr wrap="square" lIns="0" tIns="0" rIns="0" bIns="0" rtlCol="0" anchor="t"/>
-          <a:lstStyle/>
-          <a:p>
-            <a:pPr algn="l" indent="0" marL="0">
+          <p:cNvPr id="16" name="Text 11"/>
+          <p:cNvSpPr/>
+          <p:nvPr/>
+        </p:nvSpPr>
+        <p:spPr>
+          <a:xfrm>
+            <a:off x="7626906" y="4293989"/>
+            <a:ext cx="5891213" cy="324326"/>
+          </a:xfrm>
+          <a:prstGeom prst="rect">
+            <a:avLst/>
+          </a:prstGeom>
+          <a:noFill/>
+          <a:ln/>
+        </p:spPr>
+        <p:txBody>
+          <a:bodyPr wrap="none" lIns="0" tIns="0" rIns="0" bIns="0" rtlCol="0" anchor="t"/>
+          <a:lstStyle/>
+          <a:p>
+            <a:pPr marL="0" indent="0" algn="l">
               <a:lnSpc>
                 <a:spcPts val="2550"/>
               </a:lnSpc>
@@ -3600,7 +3288,7 @@
                 <a:ea typeface="Inter Light" pitchFamily="34" charset="-122"/>
                 <a:cs typeface="Inter Light" pitchFamily="34" charset="-120"/>
               </a:rPr>
-              <a:t>Suboptimal routing decisions increase time and fuel consumption</a:t>
+              <a:t>Operating expenses are eroding profit margins significantly</a:t>
             </a:r>
             <a:endParaRPr lang="en-US" sz="1550" dirty="0"/>
           </a:p>
@@ -3608,14 +3296,14 @@
       </p:sp>
       <p:sp>
         <p:nvSpPr>
-          <p:cNvPr id="22" name="Shape 16"/>
-          <p:cNvSpPr/>
-          <p:nvPr/>
-        </p:nvSpPr>
-        <p:spPr>
-          <a:xfrm>
-            <a:off x="7416522" y="5355788"/>
-            <a:ext cx="6311979" cy="2318861"/>
+          <p:cNvPr id="17" name="Shape 12"/>
+          <p:cNvSpPr/>
+          <p:nvPr/>
+        </p:nvSpPr>
+        <p:spPr>
+          <a:xfrm>
+            <a:off x="901898" y="5355788"/>
+            <a:ext cx="6311860" cy="2318861"/>
           </a:xfrm>
           <a:prstGeom prst="roundRect">
             <a:avLst>
@@ -3635,13 +3323,13 @@
       </p:sp>
       <p:sp>
         <p:nvSpPr>
-          <p:cNvPr id="23" name="Shape 17"/>
-          <p:cNvSpPr/>
-          <p:nvPr/>
-        </p:nvSpPr>
-        <p:spPr>
-          <a:xfrm>
-            <a:off x="7626906" y="5566172"/>
+          <p:cNvPr id="18" name="Shape 13"/>
+          <p:cNvSpPr/>
+          <p:nvPr/>
+        </p:nvSpPr>
+        <p:spPr>
+          <a:xfrm>
+            <a:off x="1112282" y="5566172"/>
             <a:ext cx="608290" cy="608290"/>
           </a:xfrm>
           <a:prstGeom prst="roundRect">
@@ -3657,7 +3345,7 @@
       </p:sp>
       <p:pic>
         <p:nvPicPr>
-          <p:cNvPr id="24" name="Image 4" descr="preencoded.png">    </p:cNvPr>
+          <p:cNvPr id="19" name="Image 3" descr="preencoded.png"/>
           <p:cNvPicPr>
             <a:picLocks noChangeAspect="1"/>
           </p:cNvPicPr>
@@ -3677,7 +3365,7 @@
         </p:blipFill>
         <p:spPr>
           <a:xfrm>
-            <a:off x="7794188" y="5733336"/>
+            <a:off x="1279565" y="5733336"/>
             <a:ext cx="273725" cy="273725"/>
           </a:xfrm>
           <a:prstGeom prst="rect">
@@ -3687,14 +3375,14 @@
       </p:pic>
       <p:sp>
         <p:nvSpPr>
-          <p:cNvPr id="25" name="Text 18"/>
-          <p:cNvSpPr/>
-          <p:nvPr/>
-        </p:nvSpPr>
-        <p:spPr>
-          <a:xfrm>
-            <a:off x="7626906" y="6377226"/>
-            <a:ext cx="3584972" cy="316825"/>
+          <p:cNvPr id="20" name="Text 14"/>
+          <p:cNvSpPr/>
+          <p:nvPr/>
+        </p:nvSpPr>
+        <p:spPr>
+          <a:xfrm>
+            <a:off x="1112282" y="6377226"/>
+            <a:ext cx="2534841" cy="316825"/>
           </a:xfrm>
           <a:prstGeom prst="rect">
             <a:avLst/>
@@ -3706,7 +3394,7 @@
           <a:bodyPr wrap="none" lIns="0" tIns="0" rIns="0" bIns="0" rtlCol="0" anchor="t"/>
           <a:lstStyle/>
           <a:p>
-            <a:pPr algn="l" indent="0" marL="0">
+            <a:pPr marL="0" indent="0" algn="l">
               <a:lnSpc>
                 <a:spcPts val="2450"/>
               </a:lnSpc>
@@ -3721,6 +3409,169 @@
                 <a:ea typeface="Montserrat Medium" pitchFamily="34" charset="-122"/>
                 <a:cs typeface="Montserrat Medium" pitchFamily="34" charset="-120"/>
               </a:rPr>
+              <a:t>Inefficient Routes</a:t>
+            </a:r>
+            <a:endParaRPr lang="en-US" sz="1950" dirty="0"/>
+          </a:p>
+        </p:txBody>
+      </p:sp>
+      <p:sp>
+        <p:nvSpPr>
+          <p:cNvPr id="21" name="Text 15"/>
+          <p:cNvSpPr/>
+          <p:nvPr/>
+        </p:nvSpPr>
+        <p:spPr>
+          <a:xfrm>
+            <a:off x="1112282" y="6815614"/>
+            <a:ext cx="5891093" cy="648653"/>
+          </a:xfrm>
+          <a:prstGeom prst="rect">
+            <a:avLst/>
+          </a:prstGeom>
+          <a:noFill/>
+          <a:ln/>
+        </p:spPr>
+        <p:txBody>
+          <a:bodyPr wrap="square" lIns="0" tIns="0" rIns="0" bIns="0" rtlCol="0" anchor="t"/>
+          <a:lstStyle/>
+          <a:p>
+            <a:pPr marL="0" indent="0" algn="l">
+              <a:lnSpc>
+                <a:spcPts val="2550"/>
+              </a:lnSpc>
+              <a:buNone/>
+            </a:pPr>
+            <a:r>
+              <a:rPr lang="en-US" sz="1550" dirty="0">
+                <a:solidFill>
+                  <a:srgbClr val="3D3E44"/>
+                </a:solidFill>
+                <a:latin typeface="Inter Light" pitchFamily="34" charset="0"/>
+                <a:ea typeface="Inter Light" pitchFamily="34" charset="-122"/>
+                <a:cs typeface="Inter Light" pitchFamily="34" charset="-120"/>
+              </a:rPr>
+              <a:t>Suboptimal routing decisions increase time and fuel consumption</a:t>
+            </a:r>
+            <a:endParaRPr lang="en-US" sz="1550" dirty="0"/>
+          </a:p>
+        </p:txBody>
+      </p:sp>
+      <p:sp>
+        <p:nvSpPr>
+          <p:cNvPr id="22" name="Shape 16"/>
+          <p:cNvSpPr/>
+          <p:nvPr/>
+        </p:nvSpPr>
+        <p:spPr>
+          <a:xfrm>
+            <a:off x="7416522" y="5355788"/>
+            <a:ext cx="6311979" cy="2318861"/>
+          </a:xfrm>
+          <a:prstGeom prst="roundRect">
+            <a:avLst>
+              <a:gd name="adj" fmla="val 7871"/>
+            </a:avLst>
+          </a:prstGeom>
+          <a:solidFill>
+            <a:srgbClr val="EFF0F6"/>
+          </a:solidFill>
+          <a:ln w="7620">
+            <a:solidFill>
+              <a:srgbClr val="2C3E50"/>
+            </a:solidFill>
+            <a:prstDash val="solid"/>
+          </a:ln>
+        </p:spPr>
+      </p:sp>
+      <p:sp>
+        <p:nvSpPr>
+          <p:cNvPr id="23" name="Shape 17"/>
+          <p:cNvSpPr/>
+          <p:nvPr/>
+        </p:nvSpPr>
+        <p:spPr>
+          <a:xfrm>
+            <a:off x="7626906" y="5566172"/>
+            <a:ext cx="608290" cy="608290"/>
+          </a:xfrm>
+          <a:prstGeom prst="roundRect">
+            <a:avLst>
+              <a:gd name="adj" fmla="val 15030800"/>
+            </a:avLst>
+          </a:prstGeom>
+          <a:solidFill>
+            <a:srgbClr val="2C3E50"/>
+          </a:solidFill>
+          <a:ln/>
+        </p:spPr>
+      </p:sp>
+      <p:pic>
+        <p:nvPicPr>
+          <p:cNvPr id="24" name="Image 4" descr="preencoded.png"/>
+          <p:cNvPicPr>
+            <a:picLocks noChangeAspect="1"/>
+          </p:cNvPicPr>
+          <p:nvPr/>
+        </p:nvPicPr>
+        <p:blipFill>
+          <a:blip r:embed="rId11">
+            <a:extLst>
+              <a:ext uri="{96DAC541-7B7A-43D3-8B79-37D633B846F1}">
+                <asvg:svgBlip xmlns:asvg="http://schemas.microsoft.com/office/drawing/2016/SVG/main" r:embed="rId12"/>
+              </a:ext>
+            </a:extLst>
+          </a:blip>
+          <a:stretch>
+            <a:fillRect/>
+          </a:stretch>
+        </p:blipFill>
+        <p:spPr>
+          <a:xfrm>
+            <a:off x="7794188" y="5733336"/>
+            <a:ext cx="273725" cy="273725"/>
+          </a:xfrm>
+          <a:prstGeom prst="rect">
+            <a:avLst/>
+          </a:prstGeom>
+        </p:spPr>
+      </p:pic>
+      <p:sp>
+        <p:nvSpPr>
+          <p:cNvPr id="25" name="Text 18"/>
+          <p:cNvSpPr/>
+          <p:nvPr/>
+        </p:nvSpPr>
+        <p:spPr>
+          <a:xfrm>
+            <a:off x="7626906" y="6377226"/>
+            <a:ext cx="3584972" cy="316825"/>
+          </a:xfrm>
+          <a:prstGeom prst="rect">
+            <a:avLst/>
+          </a:prstGeom>
+          <a:noFill/>
+          <a:ln/>
+        </p:spPr>
+        <p:txBody>
+          <a:bodyPr wrap="none" lIns="0" tIns="0" rIns="0" bIns="0" rtlCol="0" anchor="t"/>
+          <a:lstStyle/>
+          <a:p>
+            <a:pPr marL="0" indent="0" algn="l">
+              <a:lnSpc>
+                <a:spcPts val="2450"/>
+              </a:lnSpc>
+              <a:buNone/>
+            </a:pPr>
+            <a:r>
+              <a:rPr lang="en-US" sz="1950" dirty="0">
+                <a:solidFill>
+                  <a:srgbClr val="3D3E44"/>
+                </a:solidFill>
+                <a:latin typeface="Montserrat Medium" pitchFamily="34" charset="0"/>
+                <a:ea typeface="Montserrat Medium" pitchFamily="34" charset="-122"/>
+                <a:cs typeface="Montserrat Medium" pitchFamily="34" charset="-120"/>
+              </a:rPr>
               <a:t>Uneven Driver Performance</a:t>
             </a:r>
             <a:endParaRPr lang="en-US" sz="1950" dirty="0"/>
@@ -3748,7 +3599,7 @@
           <a:bodyPr wrap="none" lIns="0" tIns="0" rIns="0" bIns="0" rtlCol="0" anchor="t"/>
           <a:lstStyle/>
           <a:p>
-            <a:pPr algn="l" indent="0" marL="0">
+            <a:pPr marL="0" indent="0" algn="l">
               <a:lnSpc>
                 <a:spcPts val="2550"/>
               </a:lnSpc>
@@ -3821,17 +3672,17 @@
       </p:sp>
       <p:pic>
         <p:nvPicPr>
-          <p:cNvPr id="3" name="Image 0" descr="preencoded.png">    </p:cNvPr>
+          <p:cNvPr id="3" name="Image 0" descr="preencoded.png"/>
           <p:cNvPicPr>
             <a:picLocks noChangeAspect="1"/>
           </p:cNvPicPr>
           <p:nvPr/>
         </p:nvPicPr>
         <p:blipFill>
-          <a:blip r:embed="rId1">
+          <a:blip r:embed="rId3">
             <a:extLst>
               <a:ext uri="{96DAC541-7B7A-43D3-8B79-37D633B846F1}">
-                <asvg:svgBlip xmlns:asvg="http://schemas.microsoft.com/office/drawing/2016/SVG/main" r:embed="rId2"/>
+                <asvg:svgBlip xmlns:asvg="http://schemas.microsoft.com/office/drawing/2016/SVG/main" r:embed="rId4"/>
               </a:ext>
             </a:extLst>
           </a:blip>
@@ -3870,7 +3721,7 @@
           <a:bodyPr wrap="none" lIns="0" tIns="0" rIns="0" bIns="0" rtlCol="0" anchor="t"/>
           <a:lstStyle/>
           <a:p>
-            <a:pPr algn="l" indent="0" marL="0">
+            <a:pPr marL="0" indent="0" algn="l">
               <a:lnSpc>
                 <a:spcPts val="1750"/>
               </a:lnSpc>
@@ -3912,7 +3763,7 @@
           <a:bodyPr wrap="none" lIns="0" tIns="0" rIns="0" bIns="0" rtlCol="0" anchor="t"/>
           <a:lstStyle/>
           <a:p>
-            <a:pPr algn="l" indent="0" marL="0">
+            <a:pPr marL="0" indent="0" algn="l">
               <a:lnSpc>
                 <a:spcPts val="4300"/>
               </a:lnSpc>
@@ -3954,7 +3805,7 @@
           <a:bodyPr wrap="square" lIns="0" tIns="0" rIns="0" bIns="0" rtlCol="0" anchor="t"/>
           <a:lstStyle/>
           <a:p>
-            <a:pPr algn="l" indent="0" marL="0">
+            <a:pPr marL="0" indent="0" algn="l">
               <a:lnSpc>
                 <a:spcPts val="2200"/>
               </a:lnSpc>
@@ -3996,7 +3847,7 @@
           <a:bodyPr wrap="none" lIns="0" tIns="0" rIns="0" bIns="0" rtlCol="0" anchor="t"/>
           <a:lstStyle/>
           <a:p>
-            <a:pPr algn="l" indent="0" marL="0">
+            <a:pPr marL="0" indent="0" algn="l">
               <a:lnSpc>
                 <a:spcPts val="2200"/>
               </a:lnSpc>
@@ -4019,307 +3870,7 @@
       </p:sp>
       <p:pic>
         <p:nvPicPr>
-          <p:cNvPr id="8" name="Image 1" descr="preencoded.png">    </p:cNvPr>
-          <p:cNvPicPr>
-            <a:picLocks noChangeAspect="1"/>
-          </p:cNvPicPr>
-          <p:nvPr/>
-        </p:nvPicPr>
-        <p:blipFill>
-          <a:blip r:embed="rId3"/>
-          <a:stretch>
-            <a:fillRect/>
-          </a:stretch>
-        </p:blipFill>
-        <p:spPr>
-          <a:xfrm>
-            <a:off x="7537728" y="2191583"/>
-            <a:ext cx="5358646" cy="22860"/>
-          </a:xfrm>
-          <a:prstGeom prst="rect">
-            <a:avLst/>
-          </a:prstGeom>
-        </p:spPr>
-      </p:pic>
-      <p:sp>
-        <p:nvSpPr>
-          <p:cNvPr id="9" name="Text 5"/>
-          <p:cNvSpPr/>
-          <p:nvPr/>
-        </p:nvSpPr>
-        <p:spPr>
-          <a:xfrm>
-            <a:off x="7537728" y="2325410"/>
-            <a:ext cx="2636639" cy="275273"/>
-          </a:xfrm>
-          <a:prstGeom prst="rect">
-            <a:avLst/>
-          </a:prstGeom>
-          <a:noFill/>
-          <a:ln/>
-        </p:spPr>
-        <p:txBody>
-          <a:bodyPr wrap="none" lIns="0" tIns="0" rIns="0" bIns="0" rtlCol="0" anchor="t"/>
-          <a:lstStyle/>
-          <a:p>
-            <a:pPr algn="l" indent="0" marL="0">
-              <a:lnSpc>
-                <a:spcPts val="2150"/>
-              </a:lnSpc>
-              <a:buNone/>
-            </a:pPr>
-            <a:r>
-              <a:rPr lang="en-US" sz="1700" dirty="0">
-                <a:solidFill>
-                  <a:srgbClr val="3D3E44"/>
-                </a:solidFill>
-                <a:latin typeface="Montserrat Medium" pitchFamily="34" charset="0"/>
-                <a:ea typeface="Montserrat Medium" pitchFamily="34" charset="-122"/>
-                <a:cs typeface="Montserrat Medium" pitchFamily="34" charset="-120"/>
-              </a:rPr>
-              <a:t>Analyze Delivery Delays</a:t>
-            </a:r>
-            <a:endParaRPr lang="en-US" sz="1700" dirty="0"/>
-          </a:p>
-        </p:txBody>
-      </p:sp>
-      <p:sp>
-        <p:nvSpPr>
-          <p:cNvPr id="10" name="Text 6"/>
-          <p:cNvSpPr/>
-          <p:nvPr/>
-        </p:nvSpPr>
-        <p:spPr>
-          <a:xfrm>
-            <a:off x="7537728" y="2776895"/>
-            <a:ext cx="5358646" cy="281940"/>
-          </a:xfrm>
-          <a:prstGeom prst="rect">
-            <a:avLst/>
-          </a:prstGeom>
-          <a:noFill/>
-          <a:ln/>
-        </p:spPr>
-        <p:txBody>
-          <a:bodyPr wrap="none" lIns="0" tIns="0" rIns="0" bIns="0" rtlCol="0" anchor="t"/>
-          <a:lstStyle/>
-          <a:p>
-            <a:pPr algn="l" indent="0" marL="0">
-              <a:lnSpc>
-                <a:spcPts val="2200"/>
-              </a:lnSpc>
-              <a:buNone/>
-            </a:pPr>
-            <a:r>
-              <a:rPr lang="en-US" sz="1350" dirty="0">
-                <a:solidFill>
-                  <a:srgbClr val="3D3E44"/>
-                </a:solidFill>
-                <a:latin typeface="Inter Light" pitchFamily="34" charset="0"/>
-                <a:ea typeface="Inter Light" pitchFamily="34" charset="-122"/>
-                <a:cs typeface="Inter Light" pitchFamily="34" charset="-120"/>
-              </a:rPr>
-              <a:t>Identify patterns and root causes of late deliveries</a:t>
-            </a:r>
-            <a:endParaRPr lang="en-US" sz="1350" dirty="0"/>
-          </a:p>
-        </p:txBody>
-      </p:sp>
-      <p:sp>
-        <p:nvSpPr>
-          <p:cNvPr id="11" name="Text 7"/>
-          <p:cNvSpPr/>
-          <p:nvPr/>
-        </p:nvSpPr>
-        <p:spPr>
-          <a:xfrm>
-            <a:off x="7537728" y="3367207"/>
-            <a:ext cx="176212" cy="220266"/>
-          </a:xfrm>
-          <a:prstGeom prst="rect">
-            <a:avLst/>
-          </a:prstGeom>
-          <a:noFill/>
-          <a:ln/>
-        </p:spPr>
-        <p:txBody>
-          <a:bodyPr wrap="none" lIns="0" tIns="0" rIns="0" bIns="0" rtlCol="0" anchor="t"/>
-          <a:lstStyle/>
-          <a:p>
-            <a:pPr algn="l" indent="0" marL="0">
-              <a:lnSpc>
-                <a:spcPts val="2200"/>
-              </a:lnSpc>
-              <a:buNone/>
-            </a:pPr>
-            <a:r>
-              <a:rPr lang="en-US" sz="1350" dirty="0">
-                <a:solidFill>
-                  <a:srgbClr val="3D3E44"/>
-                </a:solidFill>
-                <a:latin typeface="Montserrat Light" pitchFamily="34" charset="0"/>
-                <a:ea typeface="Montserrat Light" pitchFamily="34" charset="-122"/>
-                <a:cs typeface="Montserrat Light" pitchFamily="34" charset="-120"/>
-              </a:rPr>
-              <a:t>02</a:t>
-            </a:r>
-            <a:endParaRPr lang="en-US" sz="1350" dirty="0"/>
-          </a:p>
-        </p:txBody>
-      </p:sp>
-      <p:pic>
-        <p:nvPicPr>
-          <p:cNvPr id="12" name="Image 2" descr="preencoded.png">    </p:cNvPr>
-          <p:cNvPicPr>
-            <a:picLocks noChangeAspect="1"/>
-          </p:cNvPicPr>
-          <p:nvPr/>
-        </p:nvPicPr>
-        <p:blipFill>
-          <a:blip r:embed="rId4"/>
-          <a:stretch>
-            <a:fillRect/>
-          </a:stretch>
-        </p:blipFill>
-        <p:spPr>
-          <a:xfrm>
-            <a:off x="7537728" y="3625691"/>
-            <a:ext cx="5358646" cy="22860"/>
-          </a:xfrm>
-          <a:prstGeom prst="rect">
-            <a:avLst/>
-          </a:prstGeom>
-        </p:spPr>
-      </p:pic>
-      <p:sp>
-        <p:nvSpPr>
-          <p:cNvPr id="13" name="Text 8"/>
-          <p:cNvSpPr/>
-          <p:nvPr/>
-        </p:nvSpPr>
-        <p:spPr>
-          <a:xfrm>
-            <a:off x="7537728" y="3777734"/>
-            <a:ext cx="2803565" cy="275273"/>
-          </a:xfrm>
-          <a:prstGeom prst="rect">
-            <a:avLst/>
-          </a:prstGeom>
-          <a:noFill/>
-          <a:ln/>
-        </p:spPr>
-        <p:txBody>
-          <a:bodyPr wrap="none" lIns="0" tIns="0" rIns="0" bIns="0" rtlCol="0" anchor="t"/>
-          <a:lstStyle/>
-          <a:p>
-            <a:pPr algn="l" indent="0" marL="0">
-              <a:lnSpc>
-                <a:spcPts val="2150"/>
-              </a:lnSpc>
-              <a:buNone/>
-            </a:pPr>
-            <a:r>
-              <a:rPr lang="en-US" sz="1700" dirty="0">
-                <a:solidFill>
-                  <a:srgbClr val="3D3E44"/>
-                </a:solidFill>
-                <a:latin typeface="Montserrat Medium" pitchFamily="34" charset="0"/>
-                <a:ea typeface="Montserrat Medium" pitchFamily="34" charset="-122"/>
-                <a:cs typeface="Montserrat Medium" pitchFamily="34" charset="-120"/>
-              </a:rPr>
-              <a:t>Improve Route Efficiency</a:t>
-            </a:r>
-            <a:endParaRPr lang="en-US" sz="1700" dirty="0"/>
-          </a:p>
-        </p:txBody>
-      </p:sp>
-      <p:sp>
-        <p:nvSpPr>
-          <p:cNvPr id="14" name="Text 9"/>
-          <p:cNvSpPr/>
-          <p:nvPr/>
-        </p:nvSpPr>
-        <p:spPr>
-          <a:xfrm>
-            <a:off x="7537728" y="4229219"/>
-            <a:ext cx="5358646" cy="281940"/>
-          </a:xfrm>
-          <a:prstGeom prst="rect">
-            <a:avLst/>
-          </a:prstGeom>
-          <a:noFill/>
-          <a:ln/>
-        </p:spPr>
-        <p:txBody>
-          <a:bodyPr wrap="none" lIns="0" tIns="0" rIns="0" bIns="0" rtlCol="0" anchor="t"/>
-          <a:lstStyle/>
-          <a:p>
-            <a:pPr algn="l" indent="0" marL="0">
-              <a:lnSpc>
-                <a:spcPts val="2200"/>
-              </a:lnSpc>
-              <a:buNone/>
-            </a:pPr>
-            <a:r>
-              <a:rPr lang="en-US" sz="1350" dirty="0">
-                <a:solidFill>
-                  <a:srgbClr val="3D3E44"/>
-                </a:solidFill>
-                <a:latin typeface="Inter Light" pitchFamily="34" charset="0"/>
-                <a:ea typeface="Inter Light" pitchFamily="34" charset="-122"/>
-                <a:cs typeface="Inter Light" pitchFamily="34" charset="-120"/>
-              </a:rPr>
-              <a:t>Optimize paths to reduce time and fuel costs</a:t>
-            </a:r>
-            <a:endParaRPr lang="en-US" sz="1350" dirty="0"/>
-          </a:p>
-        </p:txBody>
-      </p:sp>
-      <p:sp>
-        <p:nvSpPr>
-          <p:cNvPr id="15" name="Text 10"/>
-          <p:cNvSpPr/>
-          <p:nvPr/>
-        </p:nvSpPr>
-        <p:spPr>
-          <a:xfrm>
-            <a:off x="7537728" y="4819531"/>
-            <a:ext cx="176212" cy="220266"/>
-          </a:xfrm>
-          <a:prstGeom prst="rect">
-            <a:avLst/>
-          </a:prstGeom>
-          <a:noFill/>
-          <a:ln/>
-        </p:spPr>
-        <p:txBody>
-          <a:bodyPr wrap="none" lIns="0" tIns="0" rIns="0" bIns="0" rtlCol="0" anchor="t"/>
-          <a:lstStyle/>
-          <a:p>
-            <a:pPr algn="l" indent="0" marL="0">
-              <a:lnSpc>
-                <a:spcPts val="2200"/>
-              </a:lnSpc>
-              <a:buNone/>
-            </a:pPr>
-            <a:r>
-              <a:rPr lang="en-US" sz="1350" dirty="0">
-                <a:solidFill>
-                  <a:srgbClr val="3D3E44"/>
-                </a:solidFill>
-                <a:latin typeface="Montserrat Light" pitchFamily="34" charset="0"/>
-                <a:ea typeface="Montserrat Light" pitchFamily="34" charset="-122"/>
-                <a:cs typeface="Montserrat Light" pitchFamily="34" charset="-120"/>
-              </a:rPr>
-              <a:t>03</a:t>
-            </a:r>
-            <a:endParaRPr lang="en-US" sz="1350" dirty="0"/>
-          </a:p>
-        </p:txBody>
-      </p:sp>
-      <p:pic>
-        <p:nvPicPr>
-          <p:cNvPr id="16" name="Image 3" descr="preencoded.png">    </p:cNvPr>
+          <p:cNvPr id="8" name="Image 1" descr="preencoded.png"/>
           <p:cNvPicPr>
             <a:picLocks noChangeAspect="1"/>
           </p:cNvPicPr>
@@ -4333,7 +3884,7 @@
         </p:blipFill>
         <p:spPr>
           <a:xfrm>
-            <a:off x="7537728" y="5060394"/>
+            <a:off x="7537728" y="2191583"/>
             <a:ext cx="5358646" cy="22860"/>
           </a:xfrm>
           <a:prstGeom prst="rect">
@@ -4343,14 +3894,14 @@
       </p:pic>
       <p:sp>
         <p:nvSpPr>
-          <p:cNvPr id="17" name="Text 11"/>
-          <p:cNvSpPr/>
-          <p:nvPr/>
-        </p:nvSpPr>
-        <p:spPr>
-          <a:xfrm>
-            <a:off x="7537728" y="5230058"/>
-            <a:ext cx="3215045" cy="275273"/>
+          <p:cNvPr id="9" name="Text 5"/>
+          <p:cNvSpPr/>
+          <p:nvPr/>
+        </p:nvSpPr>
+        <p:spPr>
+          <a:xfrm>
+            <a:off x="7537728" y="2325410"/>
+            <a:ext cx="2636639" cy="275273"/>
           </a:xfrm>
           <a:prstGeom prst="rect">
             <a:avLst/>
@@ -4362,7 +3913,7 @@
           <a:bodyPr wrap="none" lIns="0" tIns="0" rIns="0" bIns="0" rtlCol="0" anchor="t"/>
           <a:lstStyle/>
           <a:p>
-            <a:pPr algn="l" indent="0" marL="0">
+            <a:pPr marL="0" indent="0" algn="l">
               <a:lnSpc>
                 <a:spcPts val="2150"/>
               </a:lnSpc>
@@ -4377,7 +3928,7 @@
                 <a:ea typeface="Montserrat Medium" pitchFamily="34" charset="-122"/>
                 <a:cs typeface="Montserrat Medium" pitchFamily="34" charset="-120"/>
               </a:rPr>
-              <a:t>Evaluate Driver Performance</a:t>
+              <a:t>Analyze Delivery Delays</a:t>
             </a:r>
             <a:endParaRPr lang="en-US" sz="1700" dirty="0"/>
           </a:p>
@@ -4385,13 +3936,13 @@
       </p:sp>
       <p:sp>
         <p:nvSpPr>
-          <p:cNvPr id="18" name="Text 12"/>
-          <p:cNvSpPr/>
-          <p:nvPr/>
-        </p:nvSpPr>
-        <p:spPr>
-          <a:xfrm>
-            <a:off x="7537728" y="5681543"/>
+          <p:cNvPr id="10" name="Text 6"/>
+          <p:cNvSpPr/>
+          <p:nvPr/>
+        </p:nvSpPr>
+        <p:spPr>
+          <a:xfrm>
+            <a:off x="7537728" y="2776895"/>
             <a:ext cx="5358646" cy="281940"/>
           </a:xfrm>
           <a:prstGeom prst="rect">
@@ -4404,7 +3955,7 @@
           <a:bodyPr wrap="none" lIns="0" tIns="0" rIns="0" bIns="0" rtlCol="0" anchor="t"/>
           <a:lstStyle/>
           <a:p>
-            <a:pPr algn="l" indent="0" marL="0">
+            <a:pPr marL="0" indent="0" algn="l">
               <a:lnSpc>
                 <a:spcPts val="2200"/>
               </a:lnSpc>
@@ -4419,7 +3970,7 @@
                 <a:ea typeface="Inter Light" pitchFamily="34" charset="-122"/>
                 <a:cs typeface="Inter Light" pitchFamily="34" charset="-120"/>
               </a:rPr>
-              <a:t>Measure individual metrics and identify training needs</a:t>
+              <a:t>Identify patterns and root causes of late deliveries</a:t>
             </a:r>
             <a:endParaRPr lang="en-US" sz="1350" dirty="0"/>
           </a:p>
@@ -4427,13 +3978,13 @@
       </p:sp>
       <p:sp>
         <p:nvSpPr>
-          <p:cNvPr id="19" name="Text 13"/>
-          <p:cNvSpPr/>
-          <p:nvPr/>
-        </p:nvSpPr>
-        <p:spPr>
-          <a:xfrm>
-            <a:off x="7537728" y="6271855"/>
+          <p:cNvPr id="11" name="Text 7"/>
+          <p:cNvSpPr/>
+          <p:nvPr/>
+        </p:nvSpPr>
+        <p:spPr>
+          <a:xfrm>
+            <a:off x="7537728" y="3367207"/>
             <a:ext cx="176212" cy="220266"/>
           </a:xfrm>
           <a:prstGeom prst="rect">
@@ -4446,7 +3997,7 @@
           <a:bodyPr wrap="none" lIns="0" tIns="0" rIns="0" bIns="0" rtlCol="0" anchor="t"/>
           <a:lstStyle/>
           <a:p>
-            <a:pPr algn="l" indent="0" marL="0">
+            <a:pPr marL="0" indent="0" algn="l">
               <a:lnSpc>
                 <a:spcPts val="2200"/>
               </a:lnSpc>
@@ -4461,7 +4012,7 @@
                 <a:ea typeface="Montserrat Light" pitchFamily="34" charset="-122"/>
                 <a:cs typeface="Montserrat Light" pitchFamily="34" charset="-120"/>
               </a:rPr>
-              <a:t>04</a:t>
+              <a:t>02</a:t>
             </a:r>
             <a:endParaRPr lang="en-US" sz="1350" dirty="0"/>
           </a:p>
@@ -4469,21 +4020,21 @@
       </p:sp>
       <p:pic>
         <p:nvPicPr>
-          <p:cNvPr id="20" name="Image 4" descr="preencoded.png">    </p:cNvPr>
+          <p:cNvPr id="12" name="Image 2" descr="preencoded.png"/>
           <p:cNvPicPr>
             <a:picLocks noChangeAspect="1"/>
           </p:cNvPicPr>
           <p:nvPr/>
         </p:nvPicPr>
         <p:blipFill>
-          <a:blip r:embed="rId6"/>
+          <a:blip r:embed="rId5"/>
           <a:stretch>
             <a:fillRect/>
           </a:stretch>
         </p:blipFill>
         <p:spPr>
           <a:xfrm>
-            <a:off x="7537728" y="6495098"/>
+            <a:off x="7537728" y="3625691"/>
             <a:ext cx="5358646" cy="22860"/>
           </a:xfrm>
           <a:prstGeom prst="rect">
@@ -4493,14 +4044,14 @@
       </p:pic>
       <p:sp>
         <p:nvSpPr>
-          <p:cNvPr id="21" name="Text 14"/>
-          <p:cNvSpPr/>
-          <p:nvPr/>
-        </p:nvSpPr>
-        <p:spPr>
-          <a:xfrm>
-            <a:off x="7537728" y="6682383"/>
-            <a:ext cx="2940010" cy="275273"/>
+          <p:cNvPr id="13" name="Text 8"/>
+          <p:cNvSpPr/>
+          <p:nvPr/>
+        </p:nvSpPr>
+        <p:spPr>
+          <a:xfrm>
+            <a:off x="7537728" y="3777734"/>
+            <a:ext cx="2803565" cy="275273"/>
           </a:xfrm>
           <a:prstGeom prst="rect">
             <a:avLst/>
@@ -4512,7 +4063,7 @@
           <a:bodyPr wrap="none" lIns="0" tIns="0" rIns="0" bIns="0" rtlCol="0" anchor="t"/>
           <a:lstStyle/>
           <a:p>
-            <a:pPr algn="l" indent="0" marL="0">
+            <a:pPr marL="0" indent="0" algn="l">
               <a:lnSpc>
                 <a:spcPts val="2150"/>
               </a:lnSpc>
@@ -4527,6 +4078,306 @@
                 <a:ea typeface="Montserrat Medium" pitchFamily="34" charset="-122"/>
                 <a:cs typeface="Montserrat Medium" pitchFamily="34" charset="-120"/>
               </a:rPr>
+              <a:t>Improve Route Efficiency</a:t>
+            </a:r>
+            <a:endParaRPr lang="en-US" sz="1700" dirty="0"/>
+          </a:p>
+        </p:txBody>
+      </p:sp>
+      <p:sp>
+        <p:nvSpPr>
+          <p:cNvPr id="14" name="Text 9"/>
+          <p:cNvSpPr/>
+          <p:nvPr/>
+        </p:nvSpPr>
+        <p:spPr>
+          <a:xfrm>
+            <a:off x="7537728" y="4229219"/>
+            <a:ext cx="5358646" cy="281940"/>
+          </a:xfrm>
+          <a:prstGeom prst="rect">
+            <a:avLst/>
+          </a:prstGeom>
+          <a:noFill/>
+          <a:ln/>
+        </p:spPr>
+        <p:txBody>
+          <a:bodyPr wrap="none" lIns="0" tIns="0" rIns="0" bIns="0" rtlCol="0" anchor="t"/>
+          <a:lstStyle/>
+          <a:p>
+            <a:pPr marL="0" indent="0" algn="l">
+              <a:lnSpc>
+                <a:spcPts val="2200"/>
+              </a:lnSpc>
+              <a:buNone/>
+            </a:pPr>
+            <a:r>
+              <a:rPr lang="en-US" sz="1350" dirty="0">
+                <a:solidFill>
+                  <a:srgbClr val="3D3E44"/>
+                </a:solidFill>
+                <a:latin typeface="Inter Light" pitchFamily="34" charset="0"/>
+                <a:ea typeface="Inter Light" pitchFamily="34" charset="-122"/>
+                <a:cs typeface="Inter Light" pitchFamily="34" charset="-120"/>
+              </a:rPr>
+              <a:t>Optimize paths to reduce time and fuel costs</a:t>
+            </a:r>
+            <a:endParaRPr lang="en-US" sz="1350" dirty="0"/>
+          </a:p>
+        </p:txBody>
+      </p:sp>
+      <p:sp>
+        <p:nvSpPr>
+          <p:cNvPr id="15" name="Text 10"/>
+          <p:cNvSpPr/>
+          <p:nvPr/>
+        </p:nvSpPr>
+        <p:spPr>
+          <a:xfrm>
+            <a:off x="7537728" y="4819531"/>
+            <a:ext cx="176212" cy="220266"/>
+          </a:xfrm>
+          <a:prstGeom prst="rect">
+            <a:avLst/>
+          </a:prstGeom>
+          <a:noFill/>
+          <a:ln/>
+        </p:spPr>
+        <p:txBody>
+          <a:bodyPr wrap="none" lIns="0" tIns="0" rIns="0" bIns="0" rtlCol="0" anchor="t"/>
+          <a:lstStyle/>
+          <a:p>
+            <a:pPr marL="0" indent="0" algn="l">
+              <a:lnSpc>
+                <a:spcPts val="2200"/>
+              </a:lnSpc>
+              <a:buNone/>
+            </a:pPr>
+            <a:r>
+              <a:rPr lang="en-US" sz="1350" dirty="0">
+                <a:solidFill>
+                  <a:srgbClr val="3D3E44"/>
+                </a:solidFill>
+                <a:latin typeface="Montserrat Light" pitchFamily="34" charset="0"/>
+                <a:ea typeface="Montserrat Light" pitchFamily="34" charset="-122"/>
+                <a:cs typeface="Montserrat Light" pitchFamily="34" charset="-120"/>
+              </a:rPr>
+              <a:t>03</a:t>
+            </a:r>
+            <a:endParaRPr lang="en-US" sz="1350" dirty="0"/>
+          </a:p>
+        </p:txBody>
+      </p:sp>
+      <p:pic>
+        <p:nvPicPr>
+          <p:cNvPr id="16" name="Image 3" descr="preencoded.png"/>
+          <p:cNvPicPr>
+            <a:picLocks noChangeAspect="1"/>
+          </p:cNvPicPr>
+          <p:nvPr/>
+        </p:nvPicPr>
+        <p:blipFill>
+          <a:blip r:embed="rId5"/>
+          <a:stretch>
+            <a:fillRect/>
+          </a:stretch>
+        </p:blipFill>
+        <p:spPr>
+          <a:xfrm>
+            <a:off x="7537728" y="5060394"/>
+            <a:ext cx="5358646" cy="22860"/>
+          </a:xfrm>
+          <a:prstGeom prst="rect">
+            <a:avLst/>
+          </a:prstGeom>
+        </p:spPr>
+      </p:pic>
+      <p:sp>
+        <p:nvSpPr>
+          <p:cNvPr id="17" name="Text 11"/>
+          <p:cNvSpPr/>
+          <p:nvPr/>
+        </p:nvSpPr>
+        <p:spPr>
+          <a:xfrm>
+            <a:off x="7537728" y="5230058"/>
+            <a:ext cx="3215045" cy="275273"/>
+          </a:xfrm>
+          <a:prstGeom prst="rect">
+            <a:avLst/>
+          </a:prstGeom>
+          <a:noFill/>
+          <a:ln/>
+        </p:spPr>
+        <p:txBody>
+          <a:bodyPr wrap="none" lIns="0" tIns="0" rIns="0" bIns="0" rtlCol="0" anchor="t"/>
+          <a:lstStyle/>
+          <a:p>
+            <a:pPr marL="0" indent="0" algn="l">
+              <a:lnSpc>
+                <a:spcPts val="2150"/>
+              </a:lnSpc>
+              <a:buNone/>
+            </a:pPr>
+            <a:r>
+              <a:rPr lang="en-US" sz="1700" dirty="0">
+                <a:solidFill>
+                  <a:srgbClr val="3D3E44"/>
+                </a:solidFill>
+                <a:latin typeface="Montserrat Medium" pitchFamily="34" charset="0"/>
+                <a:ea typeface="Montserrat Medium" pitchFamily="34" charset="-122"/>
+                <a:cs typeface="Montserrat Medium" pitchFamily="34" charset="-120"/>
+              </a:rPr>
+              <a:t>Evaluate Driver Performance</a:t>
+            </a:r>
+            <a:endParaRPr lang="en-US" sz="1700" dirty="0"/>
+          </a:p>
+        </p:txBody>
+      </p:sp>
+      <p:sp>
+        <p:nvSpPr>
+          <p:cNvPr id="18" name="Text 12"/>
+          <p:cNvSpPr/>
+          <p:nvPr/>
+        </p:nvSpPr>
+        <p:spPr>
+          <a:xfrm>
+            <a:off x="7537728" y="5681543"/>
+            <a:ext cx="5358646" cy="281940"/>
+          </a:xfrm>
+          <a:prstGeom prst="rect">
+            <a:avLst/>
+          </a:prstGeom>
+          <a:noFill/>
+          <a:ln/>
+        </p:spPr>
+        <p:txBody>
+          <a:bodyPr wrap="none" lIns="0" tIns="0" rIns="0" bIns="0" rtlCol="0" anchor="t"/>
+          <a:lstStyle/>
+          <a:p>
+            <a:pPr marL="0" indent="0" algn="l">
+              <a:lnSpc>
+                <a:spcPts val="2200"/>
+              </a:lnSpc>
+              <a:buNone/>
+            </a:pPr>
+            <a:r>
+              <a:rPr lang="en-US" sz="1350" dirty="0">
+                <a:solidFill>
+                  <a:srgbClr val="3D3E44"/>
+                </a:solidFill>
+                <a:latin typeface="Inter Light" pitchFamily="34" charset="0"/>
+                <a:ea typeface="Inter Light" pitchFamily="34" charset="-122"/>
+                <a:cs typeface="Inter Light" pitchFamily="34" charset="-120"/>
+              </a:rPr>
+              <a:t>Measure individual metrics and identify training needs</a:t>
+            </a:r>
+            <a:endParaRPr lang="en-US" sz="1350" dirty="0"/>
+          </a:p>
+        </p:txBody>
+      </p:sp>
+      <p:sp>
+        <p:nvSpPr>
+          <p:cNvPr id="19" name="Text 13"/>
+          <p:cNvSpPr/>
+          <p:nvPr/>
+        </p:nvSpPr>
+        <p:spPr>
+          <a:xfrm>
+            <a:off x="7537728" y="6271855"/>
+            <a:ext cx="176212" cy="220266"/>
+          </a:xfrm>
+          <a:prstGeom prst="rect">
+            <a:avLst/>
+          </a:prstGeom>
+          <a:noFill/>
+          <a:ln/>
+        </p:spPr>
+        <p:txBody>
+          <a:bodyPr wrap="none" lIns="0" tIns="0" rIns="0" bIns="0" rtlCol="0" anchor="t"/>
+          <a:lstStyle/>
+          <a:p>
+            <a:pPr marL="0" indent="0" algn="l">
+              <a:lnSpc>
+                <a:spcPts val="2200"/>
+              </a:lnSpc>
+              <a:buNone/>
+            </a:pPr>
+            <a:r>
+              <a:rPr lang="en-US" sz="1350" dirty="0">
+                <a:solidFill>
+                  <a:srgbClr val="3D3E44"/>
+                </a:solidFill>
+                <a:latin typeface="Montserrat Light" pitchFamily="34" charset="0"/>
+                <a:ea typeface="Montserrat Light" pitchFamily="34" charset="-122"/>
+                <a:cs typeface="Montserrat Light" pitchFamily="34" charset="-120"/>
+              </a:rPr>
+              <a:t>04</a:t>
+            </a:r>
+            <a:endParaRPr lang="en-US" sz="1350" dirty="0"/>
+          </a:p>
+        </p:txBody>
+      </p:sp>
+      <p:pic>
+        <p:nvPicPr>
+          <p:cNvPr id="20" name="Image 4" descr="preencoded.png"/>
+          <p:cNvPicPr>
+            <a:picLocks noChangeAspect="1"/>
+          </p:cNvPicPr>
+          <p:nvPr/>
+        </p:nvPicPr>
+        <p:blipFill>
+          <a:blip r:embed="rId5"/>
+          <a:stretch>
+            <a:fillRect/>
+          </a:stretch>
+        </p:blipFill>
+        <p:spPr>
+          <a:xfrm>
+            <a:off x="7537728" y="6495098"/>
+            <a:ext cx="5358646" cy="22860"/>
+          </a:xfrm>
+          <a:prstGeom prst="rect">
+            <a:avLst/>
+          </a:prstGeom>
+        </p:spPr>
+      </p:pic>
+      <p:sp>
+        <p:nvSpPr>
+          <p:cNvPr id="21" name="Text 14"/>
+          <p:cNvSpPr/>
+          <p:nvPr/>
+        </p:nvSpPr>
+        <p:spPr>
+          <a:xfrm>
+            <a:off x="7537728" y="6682383"/>
+            <a:ext cx="2940010" cy="275273"/>
+          </a:xfrm>
+          <a:prstGeom prst="rect">
+            <a:avLst/>
+          </a:prstGeom>
+          <a:noFill/>
+          <a:ln/>
+        </p:spPr>
+        <p:txBody>
+          <a:bodyPr wrap="none" lIns="0" tIns="0" rIns="0" bIns="0" rtlCol="0" anchor="t"/>
+          <a:lstStyle/>
+          <a:p>
+            <a:pPr marL="0" indent="0" algn="l">
+              <a:lnSpc>
+                <a:spcPts val="2150"/>
+              </a:lnSpc>
+              <a:buNone/>
+            </a:pPr>
+            <a:r>
+              <a:rPr lang="en-US" sz="1700" dirty="0">
+                <a:solidFill>
+                  <a:srgbClr val="3D3E44"/>
+                </a:solidFill>
+                <a:latin typeface="Montserrat Medium" pitchFamily="34" charset="0"/>
+                <a:ea typeface="Montserrat Medium" pitchFamily="34" charset="-122"/>
+                <a:cs typeface="Montserrat Medium" pitchFamily="34" charset="-120"/>
+              </a:rPr>
               <a:t>Identify Cost Inefficiencies</a:t>
             </a:r>
             <a:endParaRPr lang="en-US" sz="1700" dirty="0"/>
@@ -4554,7 +4405,7 @@
           <a:bodyPr wrap="none" lIns="0" tIns="0" rIns="0" bIns="0" rtlCol="0" anchor="t"/>
           <a:lstStyle/>
           <a:p>
-            <a:pPr algn="l" indent="0" marL="0">
+            <a:pPr marL="0" indent="0" algn="l">
               <a:lnSpc>
                 <a:spcPts val="2200"/>
               </a:lnSpc>
@@ -4621,7 +4472,7 @@
           <a:bodyPr wrap="none" lIns="0" tIns="0" rIns="0" bIns="0" rtlCol="0" anchor="t"/>
           <a:lstStyle/>
           <a:p>
-            <a:pPr algn="l" indent="0" marL="0">
+            <a:pPr marL="0" indent="0" algn="l">
               <a:lnSpc>
                 <a:spcPts val="5000"/>
               </a:lnSpc>
@@ -4663,7 +4514,7 @@
           <a:bodyPr wrap="square" lIns="0" tIns="0" rIns="0" bIns="0" rtlCol="0" anchor="t"/>
           <a:lstStyle/>
           <a:p>
-            <a:pPr algn="l" indent="0" marL="0">
+            <a:pPr marL="0" indent="0" algn="l">
               <a:lnSpc>
                 <a:spcPts val="2550"/>
               </a:lnSpc>
@@ -4708,203 +4559,7 @@
       </p:sp>
       <p:pic>
         <p:nvPicPr>
-          <p:cNvPr id="5" name="Image 0" descr="preencoded.png">    </p:cNvPr>
-          <p:cNvPicPr>
-            <a:picLocks noChangeAspect="1"/>
-          </p:cNvPicPr>
-          <p:nvPr/>
-        </p:nvPicPr>
-        <p:blipFill>
-          <a:blip r:embed="rId1"/>
-          <a:stretch>
-            <a:fillRect/>
-          </a:stretch>
-        </p:blipFill>
-        <p:spPr>
-          <a:xfrm>
-            <a:off x="832128" y="2954536"/>
-            <a:ext cx="4185404" cy="91440"/>
-          </a:xfrm>
-          <a:prstGeom prst="rect">
-            <a:avLst/>
-          </a:prstGeom>
-        </p:spPr>
-      </p:pic>
-      <p:pic>
-        <p:nvPicPr>
-          <p:cNvPr id="6" name="Image 1" descr="preencoded.png">    </p:cNvPr>
-          <p:cNvPicPr>
-            <a:picLocks noChangeAspect="1"/>
-          </p:cNvPicPr>
-          <p:nvPr/>
-        </p:nvPicPr>
-        <p:blipFill>
-          <a:blip r:embed="rId2"/>
-          <a:stretch>
-            <a:fillRect/>
-          </a:stretch>
-        </p:blipFill>
-        <p:spPr>
-          <a:xfrm>
-            <a:off x="2617291" y="2669977"/>
-            <a:ext cx="614958" cy="614958"/>
-          </a:xfrm>
-          <a:prstGeom prst="rect">
-            <a:avLst/>
-          </a:prstGeom>
-        </p:spPr>
-      </p:pic>
-      <p:sp>
-        <p:nvSpPr>
-          <p:cNvPr id="7" name="Text 3"/>
-          <p:cNvSpPr/>
-          <p:nvPr/>
-        </p:nvSpPr>
-        <p:spPr>
-          <a:xfrm>
-            <a:off x="2801719" y="2823686"/>
-            <a:ext cx="245983" cy="307419"/>
-          </a:xfrm>
-          <a:prstGeom prst="rect">
-            <a:avLst/>
-          </a:prstGeom>
-          <a:noFill/>
-          <a:ln/>
-        </p:spPr>
-        <p:txBody>
-          <a:bodyPr wrap="none" lIns="0" tIns="0" rIns="0" bIns="0" rtlCol="0" anchor="t"/>
-          <a:lstStyle/>
-          <a:p>
-            <a:pPr algn="l" indent="0" marL="0">
-              <a:lnSpc>
-                <a:spcPts val="3050"/>
-              </a:lnSpc>
-              <a:buNone/>
-            </a:pPr>
-            <a:r>
-              <a:rPr lang="en-US" sz="1900" dirty="0">
-                <a:solidFill>
-                  <a:srgbClr val="000000"/>
-                </a:solidFill>
-                <a:latin typeface="Montserrat Medium" pitchFamily="34" charset="0"/>
-                <a:ea typeface="Montserrat Medium" pitchFamily="34" charset="-122"/>
-                <a:cs typeface="Montserrat Medium" pitchFamily="34" charset="-120"/>
-              </a:rPr>
-              <a:t>1</a:t>
-            </a:r>
-            <a:endParaRPr lang="en-US" sz="1900" dirty="0"/>
-          </a:p>
-        </p:txBody>
-      </p:sp>
-      <p:sp>
-        <p:nvSpPr>
-          <p:cNvPr id="8" name="Text 4"/>
-          <p:cNvSpPr/>
-          <p:nvPr/>
-        </p:nvSpPr>
-        <p:spPr>
-          <a:xfrm>
-            <a:off x="1059894" y="3489841"/>
-            <a:ext cx="2562463" cy="320278"/>
-          </a:xfrm>
-          <a:prstGeom prst="rect">
-            <a:avLst/>
-          </a:prstGeom>
-          <a:noFill/>
-          <a:ln/>
-        </p:spPr>
-        <p:txBody>
-          <a:bodyPr wrap="none" lIns="0" tIns="0" rIns="0" bIns="0" rtlCol="0" anchor="t"/>
-          <a:lstStyle/>
-          <a:p>
-            <a:pPr algn="l" indent="0" marL="0">
-              <a:lnSpc>
-                <a:spcPts val="2500"/>
-              </a:lnSpc>
-              <a:buNone/>
-            </a:pPr>
-            <a:r>
-              <a:rPr lang="en-US" sz="2000" dirty="0">
-                <a:solidFill>
-                  <a:srgbClr val="3D3E44"/>
-                </a:solidFill>
-                <a:latin typeface="Montserrat Medium" pitchFamily="34" charset="0"/>
-                <a:ea typeface="Montserrat Medium" pitchFamily="34" charset="-122"/>
-                <a:cs typeface="Montserrat Medium" pitchFamily="34" charset="-120"/>
-              </a:rPr>
-              <a:t>Deliveries</a:t>
-            </a:r>
-            <a:endParaRPr lang="en-US" sz="2000" dirty="0"/>
-          </a:p>
-        </p:txBody>
-      </p:sp>
-      <p:sp>
-        <p:nvSpPr>
-          <p:cNvPr id="9" name="Text 5"/>
-          <p:cNvSpPr/>
-          <p:nvPr/>
-        </p:nvSpPr>
-        <p:spPr>
-          <a:xfrm>
-            <a:off x="1059894" y="3933111"/>
-            <a:ext cx="3729871" cy="984052"/>
-          </a:xfrm>
-          <a:prstGeom prst="rect">
-            <a:avLst/>
-          </a:prstGeom>
-          <a:noFill/>
-          <a:ln/>
-        </p:spPr>
-        <p:txBody>
-          <a:bodyPr wrap="square" lIns="0" tIns="0" rIns="0" bIns="0" rtlCol="0" anchor="t"/>
-          <a:lstStyle/>
-          <a:p>
-            <a:pPr algn="l" indent="0" marL="0">
-              <a:lnSpc>
-                <a:spcPts val="2550"/>
-              </a:lnSpc>
-              <a:buNone/>
-            </a:pPr>
-            <a:r>
-              <a:rPr lang="en-US" sz="1600" dirty="0">
-                <a:solidFill>
-                  <a:srgbClr val="3D3E44"/>
-                </a:solidFill>
-                <a:latin typeface="Inter Light" pitchFamily="34" charset="0"/>
-                <a:ea typeface="Inter Light" pitchFamily="34" charset="-122"/>
-                <a:cs typeface="Inter Light" pitchFamily="34" charset="-120"/>
-              </a:rPr>
-              <a:t>Complete delivery records including timestamps, locations, and status indicators for every shipment</a:t>
-            </a:r>
-            <a:endParaRPr lang="en-US" sz="1600" dirty="0"/>
-          </a:p>
-        </p:txBody>
-      </p:sp>
-      <p:sp>
-        <p:nvSpPr>
-          <p:cNvPr id="10" name="Shape 6"/>
-          <p:cNvSpPr/>
-          <p:nvPr/>
-        </p:nvSpPr>
-        <p:spPr>
-          <a:xfrm>
-            <a:off x="5222438" y="2977396"/>
-            <a:ext cx="4185404" cy="2167533"/>
-          </a:xfrm>
-          <a:prstGeom prst="roundRect">
-            <a:avLst>
-              <a:gd name="adj" fmla="val 5062"/>
-            </a:avLst>
-          </a:prstGeom>
-          <a:solidFill>
-            <a:srgbClr val="FFFFFF"/>
-          </a:solidFill>
-          <a:ln/>
-        </p:spPr>
-      </p:sp>
-      <p:pic>
-        <p:nvPicPr>
-          <p:cNvPr id="11" name="Image 2" descr="preencoded.png">    </p:cNvPr>
+          <p:cNvPr id="5" name="Image 0" descr="preencoded.png"/>
           <p:cNvPicPr>
             <a:picLocks noChangeAspect="1"/>
           </p:cNvPicPr>
@@ -4918,7 +4573,7 @@
         </p:blipFill>
         <p:spPr>
           <a:xfrm>
-            <a:off x="5222438" y="2954536"/>
+            <a:off x="832128" y="2954536"/>
             <a:ext cx="4185404" cy="91440"/>
           </a:xfrm>
           <a:prstGeom prst="rect">
@@ -4928,7 +4583,7 @@
       </p:pic>
       <p:pic>
         <p:nvPicPr>
-          <p:cNvPr id="12" name="Image 3" descr="preencoded.png">    </p:cNvPr>
+          <p:cNvPr id="6" name="Image 1" descr="preencoded.png"/>
           <p:cNvPicPr>
             <a:picLocks noChangeAspect="1"/>
           </p:cNvPicPr>
@@ -4942,7 +4597,7 @@
         </p:blipFill>
         <p:spPr>
           <a:xfrm>
-            <a:off x="7007602" y="2669977"/>
+            <a:off x="2617291" y="2669977"/>
             <a:ext cx="614958" cy="614958"/>
           </a:xfrm>
           <a:prstGeom prst="rect">
@@ -4952,13 +4607,13 @@
       </p:pic>
       <p:sp>
         <p:nvSpPr>
-          <p:cNvPr id="13" name="Text 7"/>
-          <p:cNvSpPr/>
-          <p:nvPr/>
-        </p:nvSpPr>
-        <p:spPr>
-          <a:xfrm>
-            <a:off x="7192030" y="2823686"/>
+          <p:cNvPr id="7" name="Text 3"/>
+          <p:cNvSpPr/>
+          <p:nvPr/>
+        </p:nvSpPr>
+        <p:spPr>
+          <a:xfrm>
+            <a:off x="2801719" y="2823686"/>
             <a:ext cx="245983" cy="307419"/>
           </a:xfrm>
           <a:prstGeom prst="rect">
@@ -4971,7 +4626,7 @@
           <a:bodyPr wrap="none" lIns="0" tIns="0" rIns="0" bIns="0" rtlCol="0" anchor="t"/>
           <a:lstStyle/>
           <a:p>
-            <a:pPr algn="l" indent="0" marL="0">
+            <a:pPr marL="0" indent="0" algn="l">
               <a:lnSpc>
                 <a:spcPts val="3050"/>
               </a:lnSpc>
@@ -4986,7 +4641,7 @@
                 <a:ea typeface="Montserrat Medium" pitchFamily="34" charset="-122"/>
                 <a:cs typeface="Montserrat Medium" pitchFamily="34" charset="-120"/>
               </a:rPr>
-              <a:t>2</a:t>
+              <a:t>1</a:t>
             </a:r>
             <a:endParaRPr lang="en-US" sz="1900" dirty="0"/>
           </a:p>
@@ -4994,13 +4649,13 @@
       </p:sp>
       <p:sp>
         <p:nvSpPr>
-          <p:cNvPr id="14" name="Text 8"/>
-          <p:cNvSpPr/>
-          <p:nvPr/>
-        </p:nvSpPr>
-        <p:spPr>
-          <a:xfrm>
-            <a:off x="5450205" y="3489841"/>
+          <p:cNvPr id="8" name="Text 4"/>
+          <p:cNvSpPr/>
+          <p:nvPr/>
+        </p:nvSpPr>
+        <p:spPr>
+          <a:xfrm>
+            <a:off x="1059894" y="3489841"/>
             <a:ext cx="2562463" cy="320278"/>
           </a:xfrm>
           <a:prstGeom prst="rect">
@@ -5013,7 +4668,7 @@
           <a:bodyPr wrap="none" lIns="0" tIns="0" rIns="0" bIns="0" rtlCol="0" anchor="t"/>
           <a:lstStyle/>
           <a:p>
-            <a:pPr algn="l" indent="0" marL="0">
+            <a:pPr marL="0" indent="0" algn="l">
               <a:lnSpc>
                 <a:spcPts val="2500"/>
               </a:lnSpc>
@@ -5028,7 +4683,7 @@
                 <a:ea typeface="Montserrat Medium" pitchFamily="34" charset="-122"/>
                 <a:cs typeface="Montserrat Medium" pitchFamily="34" charset="-120"/>
               </a:rPr>
-              <a:t>Orders</a:t>
+              <a:t>Deliveries</a:t>
             </a:r>
             <a:endParaRPr lang="en-US" sz="2000" dirty="0"/>
           </a:p>
@@ -5036,13 +4691,13 @@
       </p:sp>
       <p:sp>
         <p:nvSpPr>
-          <p:cNvPr id="15" name="Text 9"/>
-          <p:cNvSpPr/>
-          <p:nvPr/>
-        </p:nvSpPr>
-        <p:spPr>
-          <a:xfrm>
-            <a:off x="5450205" y="3933111"/>
+          <p:cNvPr id="9" name="Text 5"/>
+          <p:cNvSpPr/>
+          <p:nvPr/>
+        </p:nvSpPr>
+        <p:spPr>
+          <a:xfrm>
+            <a:off x="1059894" y="3933111"/>
             <a:ext cx="3729871" cy="984052"/>
           </a:xfrm>
           <a:prstGeom prst="rect">
@@ -5055,7 +4710,7 @@
           <a:bodyPr wrap="square" lIns="0" tIns="0" rIns="0" bIns="0" rtlCol="0" anchor="t"/>
           <a:lstStyle/>
           <a:p>
-            <a:pPr algn="l" indent="0" marL="0">
+            <a:pPr marL="0" indent="0" algn="l">
               <a:lnSpc>
                 <a:spcPts val="2550"/>
               </a:lnSpc>
@@ -5070,7 +4725,7 @@
                 <a:ea typeface="Inter Light" pitchFamily="34" charset="-122"/>
                 <a:cs typeface="Inter Light" pitchFamily="34" charset="-120"/>
               </a:rPr>
-              <a:t>Detailed order information covering customer requirements, priorities, and service level agreements</a:t>
+              <a:t>Complete delivery records including timestamps, locations, and status indicators for every shipment</a:t>
             </a:r>
             <a:endParaRPr lang="en-US" sz="1600" dirty="0"/>
           </a:p>
@@ -5078,13 +4733,13 @@
       </p:sp>
       <p:sp>
         <p:nvSpPr>
-          <p:cNvPr id="16" name="Shape 10"/>
-          <p:cNvSpPr/>
-          <p:nvPr/>
-        </p:nvSpPr>
-        <p:spPr>
-          <a:xfrm>
-            <a:off x="9612749" y="2977396"/>
+          <p:cNvPr id="10" name="Shape 6"/>
+          <p:cNvSpPr/>
+          <p:nvPr/>
+        </p:nvSpPr>
+        <p:spPr>
+          <a:xfrm>
+            <a:off x="5222438" y="2977396"/>
             <a:ext cx="4185404" cy="2167533"/>
           </a:xfrm>
           <a:prstGeom prst="roundRect">
@@ -5100,7 +4755,399 @@
       </p:sp>
       <p:pic>
         <p:nvPicPr>
-          <p:cNvPr id="17" name="Image 4" descr="preencoded.png">    </p:cNvPr>
+          <p:cNvPr id="11" name="Image 2" descr="preencoded.png"/>
+          <p:cNvPicPr>
+            <a:picLocks noChangeAspect="1"/>
+          </p:cNvPicPr>
+          <p:nvPr/>
+        </p:nvPicPr>
+        <p:blipFill>
+          <a:blip r:embed="rId3"/>
+          <a:stretch>
+            <a:fillRect/>
+          </a:stretch>
+        </p:blipFill>
+        <p:spPr>
+          <a:xfrm>
+            <a:off x="5222438" y="2954536"/>
+            <a:ext cx="4185404" cy="91440"/>
+          </a:xfrm>
+          <a:prstGeom prst="rect">
+            <a:avLst/>
+          </a:prstGeom>
+        </p:spPr>
+      </p:pic>
+      <p:pic>
+        <p:nvPicPr>
+          <p:cNvPr id="12" name="Image 3" descr="preencoded.png"/>
+          <p:cNvPicPr>
+            <a:picLocks noChangeAspect="1"/>
+          </p:cNvPicPr>
+          <p:nvPr/>
+        </p:nvPicPr>
+        <p:blipFill>
+          <a:blip r:embed="rId4"/>
+          <a:stretch>
+            <a:fillRect/>
+          </a:stretch>
+        </p:blipFill>
+        <p:spPr>
+          <a:xfrm>
+            <a:off x="7007602" y="2669977"/>
+            <a:ext cx="614958" cy="614958"/>
+          </a:xfrm>
+          <a:prstGeom prst="rect">
+            <a:avLst/>
+          </a:prstGeom>
+        </p:spPr>
+      </p:pic>
+      <p:sp>
+        <p:nvSpPr>
+          <p:cNvPr id="13" name="Text 7"/>
+          <p:cNvSpPr/>
+          <p:nvPr/>
+        </p:nvSpPr>
+        <p:spPr>
+          <a:xfrm>
+            <a:off x="7192030" y="2823686"/>
+            <a:ext cx="245983" cy="307419"/>
+          </a:xfrm>
+          <a:prstGeom prst="rect">
+            <a:avLst/>
+          </a:prstGeom>
+          <a:noFill/>
+          <a:ln/>
+        </p:spPr>
+        <p:txBody>
+          <a:bodyPr wrap="none" lIns="0" tIns="0" rIns="0" bIns="0" rtlCol="0" anchor="t"/>
+          <a:lstStyle/>
+          <a:p>
+            <a:pPr marL="0" indent="0" algn="l">
+              <a:lnSpc>
+                <a:spcPts val="3050"/>
+              </a:lnSpc>
+              <a:buNone/>
+            </a:pPr>
+            <a:r>
+              <a:rPr lang="en-US" sz="1900" dirty="0">
+                <a:solidFill>
+                  <a:srgbClr val="000000"/>
+                </a:solidFill>
+                <a:latin typeface="Montserrat Medium" pitchFamily="34" charset="0"/>
+                <a:ea typeface="Montserrat Medium" pitchFamily="34" charset="-122"/>
+                <a:cs typeface="Montserrat Medium" pitchFamily="34" charset="-120"/>
+              </a:rPr>
+              <a:t>2</a:t>
+            </a:r>
+            <a:endParaRPr lang="en-US" sz="1900" dirty="0"/>
+          </a:p>
+        </p:txBody>
+      </p:sp>
+      <p:sp>
+        <p:nvSpPr>
+          <p:cNvPr id="14" name="Text 8"/>
+          <p:cNvSpPr/>
+          <p:nvPr/>
+        </p:nvSpPr>
+        <p:spPr>
+          <a:xfrm>
+            <a:off x="5450205" y="3489841"/>
+            <a:ext cx="2562463" cy="320278"/>
+          </a:xfrm>
+          <a:prstGeom prst="rect">
+            <a:avLst/>
+          </a:prstGeom>
+          <a:noFill/>
+          <a:ln/>
+        </p:spPr>
+        <p:txBody>
+          <a:bodyPr wrap="none" lIns="0" tIns="0" rIns="0" bIns="0" rtlCol="0" anchor="t"/>
+          <a:lstStyle/>
+          <a:p>
+            <a:pPr marL="0" indent="0" algn="l">
+              <a:lnSpc>
+                <a:spcPts val="2500"/>
+              </a:lnSpc>
+              <a:buNone/>
+            </a:pPr>
+            <a:r>
+              <a:rPr lang="en-US" sz="2000" dirty="0">
+                <a:solidFill>
+                  <a:srgbClr val="3D3E44"/>
+                </a:solidFill>
+                <a:latin typeface="Montserrat Medium" pitchFamily="34" charset="0"/>
+                <a:ea typeface="Montserrat Medium" pitchFamily="34" charset="-122"/>
+                <a:cs typeface="Montserrat Medium" pitchFamily="34" charset="-120"/>
+              </a:rPr>
+              <a:t>Orders</a:t>
+            </a:r>
+            <a:endParaRPr lang="en-US" sz="2000" dirty="0"/>
+          </a:p>
+        </p:txBody>
+      </p:sp>
+      <p:sp>
+        <p:nvSpPr>
+          <p:cNvPr id="15" name="Text 9"/>
+          <p:cNvSpPr/>
+          <p:nvPr/>
+        </p:nvSpPr>
+        <p:spPr>
+          <a:xfrm>
+            <a:off x="5450205" y="3933111"/>
+            <a:ext cx="3729871" cy="984052"/>
+          </a:xfrm>
+          <a:prstGeom prst="rect">
+            <a:avLst/>
+          </a:prstGeom>
+          <a:noFill/>
+          <a:ln/>
+        </p:spPr>
+        <p:txBody>
+          <a:bodyPr wrap="square" lIns="0" tIns="0" rIns="0" bIns="0" rtlCol="0" anchor="t"/>
+          <a:lstStyle/>
+          <a:p>
+            <a:pPr marL="0" indent="0" algn="l">
+              <a:lnSpc>
+                <a:spcPts val="2550"/>
+              </a:lnSpc>
+              <a:buNone/>
+            </a:pPr>
+            <a:r>
+              <a:rPr lang="en-US" sz="1600" dirty="0">
+                <a:solidFill>
+                  <a:srgbClr val="3D3E44"/>
+                </a:solidFill>
+                <a:latin typeface="Inter Light" pitchFamily="34" charset="0"/>
+                <a:ea typeface="Inter Light" pitchFamily="34" charset="-122"/>
+                <a:cs typeface="Inter Light" pitchFamily="34" charset="-120"/>
+              </a:rPr>
+              <a:t>Detailed order information covering customer requirements, priorities, and service level agreements</a:t>
+            </a:r>
+            <a:endParaRPr lang="en-US" sz="1600" dirty="0"/>
+          </a:p>
+        </p:txBody>
+      </p:sp>
+      <p:sp>
+        <p:nvSpPr>
+          <p:cNvPr id="16" name="Shape 10"/>
+          <p:cNvSpPr/>
+          <p:nvPr/>
+        </p:nvSpPr>
+        <p:spPr>
+          <a:xfrm>
+            <a:off x="9612749" y="2977396"/>
+            <a:ext cx="4185404" cy="2167533"/>
+          </a:xfrm>
+          <a:prstGeom prst="roundRect">
+            <a:avLst>
+              <a:gd name="adj" fmla="val 5062"/>
+            </a:avLst>
+          </a:prstGeom>
+          <a:solidFill>
+            <a:srgbClr val="FFFFFF"/>
+          </a:solidFill>
+          <a:ln/>
+        </p:spPr>
+      </p:sp>
+      <p:pic>
+        <p:nvPicPr>
+          <p:cNvPr id="17" name="Image 4" descr="preencoded.png"/>
+          <p:cNvPicPr>
+            <a:picLocks noChangeAspect="1"/>
+          </p:cNvPicPr>
+          <p:nvPr/>
+        </p:nvPicPr>
+        <p:blipFill>
+          <a:blip r:embed="rId3"/>
+          <a:stretch>
+            <a:fillRect/>
+          </a:stretch>
+        </p:blipFill>
+        <p:spPr>
+          <a:xfrm>
+            <a:off x="9612749" y="2954536"/>
+            <a:ext cx="4185404" cy="91440"/>
+          </a:xfrm>
+          <a:prstGeom prst="rect">
+            <a:avLst/>
+          </a:prstGeom>
+        </p:spPr>
+      </p:pic>
+      <p:pic>
+        <p:nvPicPr>
+          <p:cNvPr id="18" name="Image 5" descr="preencoded.png"/>
+          <p:cNvPicPr>
+            <a:picLocks noChangeAspect="1"/>
+          </p:cNvPicPr>
+          <p:nvPr/>
+        </p:nvPicPr>
+        <p:blipFill>
+          <a:blip r:embed="rId4"/>
+          <a:stretch>
+            <a:fillRect/>
+          </a:stretch>
+        </p:blipFill>
+        <p:spPr>
+          <a:xfrm>
+            <a:off x="11397913" y="2669977"/>
+            <a:ext cx="614958" cy="614958"/>
+          </a:xfrm>
+          <a:prstGeom prst="rect">
+            <a:avLst/>
+          </a:prstGeom>
+        </p:spPr>
+      </p:pic>
+      <p:sp>
+        <p:nvSpPr>
+          <p:cNvPr id="19" name="Text 11"/>
+          <p:cNvSpPr/>
+          <p:nvPr/>
+        </p:nvSpPr>
+        <p:spPr>
+          <a:xfrm>
+            <a:off x="11582340" y="2823686"/>
+            <a:ext cx="245983" cy="307419"/>
+          </a:xfrm>
+          <a:prstGeom prst="rect">
+            <a:avLst/>
+          </a:prstGeom>
+          <a:noFill/>
+          <a:ln/>
+        </p:spPr>
+        <p:txBody>
+          <a:bodyPr wrap="none" lIns="0" tIns="0" rIns="0" bIns="0" rtlCol="0" anchor="t"/>
+          <a:lstStyle/>
+          <a:p>
+            <a:pPr marL="0" indent="0" algn="l">
+              <a:lnSpc>
+                <a:spcPts val="3050"/>
+              </a:lnSpc>
+              <a:buNone/>
+            </a:pPr>
+            <a:r>
+              <a:rPr lang="en-US" sz="1900" dirty="0">
+                <a:solidFill>
+                  <a:srgbClr val="000000"/>
+                </a:solidFill>
+                <a:latin typeface="Montserrat Medium" pitchFamily="34" charset="0"/>
+                <a:ea typeface="Montserrat Medium" pitchFamily="34" charset="-122"/>
+                <a:cs typeface="Montserrat Medium" pitchFamily="34" charset="-120"/>
+              </a:rPr>
+              <a:t>3</a:t>
+            </a:r>
+            <a:endParaRPr lang="en-US" sz="1900" dirty="0"/>
+          </a:p>
+        </p:txBody>
+      </p:sp>
+      <p:sp>
+        <p:nvSpPr>
+          <p:cNvPr id="20" name="Text 12"/>
+          <p:cNvSpPr/>
+          <p:nvPr/>
+        </p:nvSpPr>
+        <p:spPr>
+          <a:xfrm>
+            <a:off x="9840516" y="3489841"/>
+            <a:ext cx="2562463" cy="320278"/>
+          </a:xfrm>
+          <a:prstGeom prst="rect">
+            <a:avLst/>
+          </a:prstGeom>
+          <a:noFill/>
+          <a:ln/>
+        </p:spPr>
+        <p:txBody>
+          <a:bodyPr wrap="none" lIns="0" tIns="0" rIns="0" bIns="0" rtlCol="0" anchor="t"/>
+          <a:lstStyle/>
+          <a:p>
+            <a:pPr marL="0" indent="0" algn="l">
+              <a:lnSpc>
+                <a:spcPts val="2500"/>
+              </a:lnSpc>
+              <a:buNone/>
+            </a:pPr>
+            <a:r>
+              <a:rPr lang="en-US" sz="2000" dirty="0">
+                <a:solidFill>
+                  <a:srgbClr val="3D3E44"/>
+                </a:solidFill>
+                <a:latin typeface="Montserrat Medium" pitchFamily="34" charset="0"/>
+                <a:ea typeface="Montserrat Medium" pitchFamily="34" charset="-122"/>
+                <a:cs typeface="Montserrat Medium" pitchFamily="34" charset="-120"/>
+              </a:rPr>
+              <a:t>Drivers</a:t>
+            </a:r>
+            <a:endParaRPr lang="en-US" sz="2000" dirty="0"/>
+          </a:p>
+        </p:txBody>
+      </p:sp>
+      <p:sp>
+        <p:nvSpPr>
+          <p:cNvPr id="21" name="Text 13"/>
+          <p:cNvSpPr/>
+          <p:nvPr/>
+        </p:nvSpPr>
+        <p:spPr>
+          <a:xfrm>
+            <a:off x="9840516" y="3933111"/>
+            <a:ext cx="3729871" cy="984052"/>
+          </a:xfrm>
+          <a:prstGeom prst="rect">
+            <a:avLst/>
+          </a:prstGeom>
+          <a:noFill/>
+          <a:ln/>
+        </p:spPr>
+        <p:txBody>
+          <a:bodyPr wrap="square" lIns="0" tIns="0" rIns="0" bIns="0" rtlCol="0" anchor="t"/>
+          <a:lstStyle/>
+          <a:p>
+            <a:pPr marL="0" indent="0" algn="l">
+              <a:lnSpc>
+                <a:spcPts val="2550"/>
+              </a:lnSpc>
+              <a:buNone/>
+            </a:pPr>
+            <a:r>
+              <a:rPr lang="en-US" sz="1600" dirty="0">
+                <a:solidFill>
+                  <a:srgbClr val="3D3E44"/>
+                </a:solidFill>
+                <a:latin typeface="Inter Light" pitchFamily="34" charset="0"/>
+                <a:ea typeface="Inter Light" pitchFamily="34" charset="-122"/>
+                <a:cs typeface="Inter Light" pitchFamily="34" charset="-120"/>
+              </a:rPr>
+              <a:t>Driver profiles with performance history, certifications, and operational metrics</a:t>
+            </a:r>
+            <a:endParaRPr lang="en-US" sz="1600" dirty="0"/>
+          </a:p>
+        </p:txBody>
+      </p:sp>
+      <p:sp>
+        <p:nvSpPr>
+          <p:cNvPr id="22" name="Shape 14"/>
+          <p:cNvSpPr/>
+          <p:nvPr/>
+        </p:nvSpPr>
+        <p:spPr>
+          <a:xfrm>
+            <a:off x="832128" y="5657255"/>
+            <a:ext cx="6380559" cy="1839516"/>
+          </a:xfrm>
+          <a:prstGeom prst="roundRect">
+            <a:avLst>
+              <a:gd name="adj" fmla="val 5965"/>
+            </a:avLst>
+          </a:prstGeom>
+          <a:solidFill>
+            <a:srgbClr val="FFFFFF"/>
+          </a:solidFill>
+          <a:ln/>
+        </p:spPr>
+      </p:sp>
+      <p:pic>
+        <p:nvPicPr>
+          <p:cNvPr id="23" name="Image 6" descr="preencoded.png"/>
           <p:cNvPicPr>
             <a:picLocks noChangeAspect="1"/>
           </p:cNvPicPr>
@@ -5114,8 +5161,8 @@
         </p:blipFill>
         <p:spPr>
           <a:xfrm>
-            <a:off x="9612749" y="2954536"/>
-            <a:ext cx="4185404" cy="91440"/>
+            <a:off x="832128" y="5634395"/>
+            <a:ext cx="6380559" cy="91440"/>
           </a:xfrm>
           <a:prstGeom prst="rect">
             <a:avLst/>
@@ -5124,21 +5171,21 @@
       </p:pic>
       <p:pic>
         <p:nvPicPr>
-          <p:cNvPr id="18" name="Image 5" descr="preencoded.png">    </p:cNvPr>
+          <p:cNvPr id="24" name="Image 7" descr="preencoded.png"/>
           <p:cNvPicPr>
             <a:picLocks noChangeAspect="1"/>
           </p:cNvPicPr>
           <p:nvPr/>
         </p:nvPicPr>
         <p:blipFill>
-          <a:blip r:embed="rId6"/>
+          <a:blip r:embed="rId4"/>
           <a:stretch>
             <a:fillRect/>
           </a:stretch>
         </p:blipFill>
         <p:spPr>
           <a:xfrm>
-            <a:off x="11397913" y="2669977"/>
+            <a:off x="3714929" y="5349835"/>
             <a:ext cx="614958" cy="614958"/>
           </a:xfrm>
           <a:prstGeom prst="rect">
@@ -5148,13 +5195,13 @@
       </p:pic>
       <p:sp>
         <p:nvSpPr>
-          <p:cNvPr id="19" name="Text 11"/>
-          <p:cNvSpPr/>
-          <p:nvPr/>
-        </p:nvSpPr>
-        <p:spPr>
-          <a:xfrm>
-            <a:off x="11582340" y="2823686"/>
+          <p:cNvPr id="25" name="Text 15"/>
+          <p:cNvSpPr/>
+          <p:nvPr/>
+        </p:nvSpPr>
+        <p:spPr>
+          <a:xfrm>
+            <a:off x="3899356" y="5503545"/>
             <a:ext cx="245983" cy="307419"/>
           </a:xfrm>
           <a:prstGeom prst="rect">
@@ -5167,7 +5214,7 @@
           <a:bodyPr wrap="none" lIns="0" tIns="0" rIns="0" bIns="0" rtlCol="0" anchor="t"/>
           <a:lstStyle/>
           <a:p>
-            <a:pPr algn="l" indent="0" marL="0">
+            <a:pPr marL="0" indent="0" algn="l">
               <a:lnSpc>
                 <a:spcPts val="3050"/>
               </a:lnSpc>
@@ -5182,7 +5229,7 @@
                 <a:ea typeface="Montserrat Medium" pitchFamily="34" charset="-122"/>
                 <a:cs typeface="Montserrat Medium" pitchFamily="34" charset="-120"/>
               </a:rPr>
-              <a:t>3</a:t>
+              <a:t>4</a:t>
             </a:r>
             <a:endParaRPr lang="en-US" sz="1900" dirty="0"/>
           </a:p>
@@ -5190,13 +5237,13 @@
       </p:sp>
       <p:sp>
         <p:nvSpPr>
-          <p:cNvPr id="20" name="Text 12"/>
-          <p:cNvSpPr/>
-          <p:nvPr/>
-        </p:nvSpPr>
-        <p:spPr>
-          <a:xfrm>
-            <a:off x="9840516" y="3489841"/>
+          <p:cNvPr id="26" name="Text 16"/>
+          <p:cNvSpPr/>
+          <p:nvPr/>
+        </p:nvSpPr>
+        <p:spPr>
+          <a:xfrm>
+            <a:off x="1059894" y="6169700"/>
             <a:ext cx="2562463" cy="320278"/>
           </a:xfrm>
           <a:prstGeom prst="rect">
@@ -5209,7 +5256,7 @@
           <a:bodyPr wrap="none" lIns="0" tIns="0" rIns="0" bIns="0" rtlCol="0" anchor="t"/>
           <a:lstStyle/>
           <a:p>
-            <a:pPr algn="l" indent="0" marL="0">
+            <a:pPr marL="0" indent="0" algn="l">
               <a:lnSpc>
                 <a:spcPts val="2500"/>
               </a:lnSpc>
@@ -5224,7 +5271,7 @@
                 <a:ea typeface="Montserrat Medium" pitchFamily="34" charset="-122"/>
                 <a:cs typeface="Montserrat Medium" pitchFamily="34" charset="-120"/>
               </a:rPr>
-              <a:t>Drivers</a:t>
+              <a:t>Vehicles</a:t>
             </a:r>
             <a:endParaRPr lang="en-US" sz="2000" dirty="0"/>
           </a:p>
@@ -5232,14 +5279,14 @@
       </p:sp>
       <p:sp>
         <p:nvSpPr>
-          <p:cNvPr id="21" name="Text 13"/>
-          <p:cNvSpPr/>
-          <p:nvPr/>
-        </p:nvSpPr>
-        <p:spPr>
-          <a:xfrm>
-            <a:off x="9840516" y="3933111"/>
-            <a:ext cx="3729871" cy="984052"/>
+          <p:cNvPr id="27" name="Text 17"/>
+          <p:cNvSpPr/>
+          <p:nvPr/>
+        </p:nvSpPr>
+        <p:spPr>
+          <a:xfrm>
+            <a:off x="1059894" y="6612969"/>
+            <a:ext cx="5925026" cy="656034"/>
           </a:xfrm>
           <a:prstGeom prst="rect">
             <a:avLst/>
@@ -5251,7 +5298,7 @@
           <a:bodyPr wrap="square" lIns="0" tIns="0" rIns="0" bIns="0" rtlCol="0" anchor="t"/>
           <a:lstStyle/>
           <a:p>
-            <a:pPr algn="l" indent="0" marL="0">
+            <a:pPr marL="0" indent="0" algn="l">
               <a:lnSpc>
                 <a:spcPts val="2550"/>
               </a:lnSpc>
@@ -5266,7 +5313,7 @@
                 <a:ea typeface="Inter Light" pitchFamily="34" charset="-122"/>
                 <a:cs typeface="Inter Light" pitchFamily="34" charset="-120"/>
               </a:rPr>
-              <a:t>Driver profiles with performance history, certifications, and operational metrics</a:t>
+              <a:t>Fleet specifications including capacity, maintenance records, and operational costs</a:t>
             </a:r>
             <a:endParaRPr lang="en-US" sz="1600" dirty="0"/>
           </a:p>
@@ -5274,13 +5321,13 @@
       </p:sp>
       <p:sp>
         <p:nvSpPr>
-          <p:cNvPr id="22" name="Shape 14"/>
-          <p:cNvSpPr/>
-          <p:nvPr/>
-        </p:nvSpPr>
-        <p:spPr>
-          <a:xfrm>
-            <a:off x="832128" y="5657255"/>
+          <p:cNvPr id="28" name="Shape 18"/>
+          <p:cNvSpPr/>
+          <p:nvPr/>
+        </p:nvSpPr>
+        <p:spPr>
+          <a:xfrm>
+            <a:off x="7417594" y="5657255"/>
             <a:ext cx="6380559" cy="1839516"/>
           </a:xfrm>
           <a:prstGeom prst="roundRect">
@@ -5296,21 +5343,21 @@
       </p:sp>
       <p:pic>
         <p:nvPicPr>
-          <p:cNvPr id="23" name="Image 6" descr="preencoded.png">    </p:cNvPr>
+          <p:cNvPr id="29" name="Image 8" descr="preencoded.png"/>
           <p:cNvPicPr>
             <a:picLocks noChangeAspect="1"/>
           </p:cNvPicPr>
           <p:nvPr/>
         </p:nvPicPr>
         <p:blipFill>
-          <a:blip r:embed="rId7"/>
+          <a:blip r:embed="rId5"/>
           <a:stretch>
             <a:fillRect/>
           </a:stretch>
         </p:blipFill>
         <p:spPr>
           <a:xfrm>
-            <a:off x="832128" y="5634395"/>
+            <a:off x="7417594" y="5634395"/>
             <a:ext cx="6380559" cy="91440"/>
           </a:xfrm>
           <a:prstGeom prst="rect">
@@ -5320,21 +5367,21 @@
       </p:pic>
       <p:pic>
         <p:nvPicPr>
-          <p:cNvPr id="24" name="Image 7" descr="preencoded.png">    </p:cNvPr>
+          <p:cNvPr id="30" name="Image 9" descr="preencoded.png"/>
           <p:cNvPicPr>
             <a:picLocks noChangeAspect="1"/>
           </p:cNvPicPr>
           <p:nvPr/>
         </p:nvPicPr>
         <p:blipFill>
-          <a:blip r:embed="rId8"/>
+          <a:blip r:embed="rId4"/>
           <a:stretch>
             <a:fillRect/>
           </a:stretch>
         </p:blipFill>
         <p:spPr>
           <a:xfrm>
-            <a:off x="3714929" y="5349835"/>
+            <a:off x="10300395" y="5349835"/>
             <a:ext cx="614958" cy="614958"/>
           </a:xfrm>
           <a:prstGeom prst="rect">
@@ -5344,13 +5391,13 @@
       </p:pic>
       <p:sp>
         <p:nvSpPr>
-          <p:cNvPr id="25" name="Text 15"/>
-          <p:cNvSpPr/>
-          <p:nvPr/>
-        </p:nvSpPr>
-        <p:spPr>
-          <a:xfrm>
-            <a:off x="3899356" y="5503545"/>
+          <p:cNvPr id="31" name="Text 19"/>
+          <p:cNvSpPr/>
+          <p:nvPr/>
+        </p:nvSpPr>
+        <p:spPr>
+          <a:xfrm>
+            <a:off x="10484822" y="5503545"/>
             <a:ext cx="245983" cy="307419"/>
           </a:xfrm>
           <a:prstGeom prst="rect">
@@ -5363,7 +5410,7 @@
           <a:bodyPr wrap="none" lIns="0" tIns="0" rIns="0" bIns="0" rtlCol="0" anchor="t"/>
           <a:lstStyle/>
           <a:p>
-            <a:pPr algn="l" indent="0" marL="0">
+            <a:pPr marL="0" indent="0" algn="l">
               <a:lnSpc>
                 <a:spcPts val="3050"/>
               </a:lnSpc>
@@ -5378,7 +5425,7 @@
                 <a:ea typeface="Montserrat Medium" pitchFamily="34" charset="-122"/>
                 <a:cs typeface="Montserrat Medium" pitchFamily="34" charset="-120"/>
               </a:rPr>
-              <a:t>4</a:t>
+              <a:t>5</a:t>
             </a:r>
             <a:endParaRPr lang="en-US" sz="1900" dirty="0"/>
           </a:p>
@@ -5386,13 +5433,13 @@
       </p:sp>
       <p:sp>
         <p:nvSpPr>
-          <p:cNvPr id="26" name="Text 16"/>
-          <p:cNvSpPr/>
-          <p:nvPr/>
-        </p:nvSpPr>
-        <p:spPr>
-          <a:xfrm>
-            <a:off x="1059894" y="6169700"/>
+          <p:cNvPr id="32" name="Text 20"/>
+          <p:cNvSpPr/>
+          <p:nvPr/>
+        </p:nvSpPr>
+        <p:spPr>
+          <a:xfrm>
+            <a:off x="7645360" y="6169700"/>
             <a:ext cx="2562463" cy="320278"/>
           </a:xfrm>
           <a:prstGeom prst="rect">
@@ -5405,7 +5452,7 @@
           <a:bodyPr wrap="none" lIns="0" tIns="0" rIns="0" bIns="0" rtlCol="0" anchor="t"/>
           <a:lstStyle/>
           <a:p>
-            <a:pPr algn="l" indent="0" marL="0">
+            <a:pPr marL="0" indent="0" algn="l">
               <a:lnSpc>
                 <a:spcPts val="2500"/>
               </a:lnSpc>
@@ -5420,202 +5467,6 @@
                 <a:ea typeface="Montserrat Medium" pitchFamily="34" charset="-122"/>
                 <a:cs typeface="Montserrat Medium" pitchFamily="34" charset="-120"/>
               </a:rPr>
-              <a:t>Vehicles</a:t>
-            </a:r>
-            <a:endParaRPr lang="en-US" sz="2000" dirty="0"/>
-          </a:p>
-        </p:txBody>
-      </p:sp>
-      <p:sp>
-        <p:nvSpPr>
-          <p:cNvPr id="27" name="Text 17"/>
-          <p:cNvSpPr/>
-          <p:nvPr/>
-        </p:nvSpPr>
-        <p:spPr>
-          <a:xfrm>
-            <a:off x="1059894" y="6612969"/>
-            <a:ext cx="5925026" cy="656034"/>
-          </a:xfrm>
-          <a:prstGeom prst="rect">
-            <a:avLst/>
-          </a:prstGeom>
-          <a:noFill/>
-          <a:ln/>
-        </p:spPr>
-        <p:txBody>
-          <a:bodyPr wrap="square" lIns="0" tIns="0" rIns="0" bIns="0" rtlCol="0" anchor="t"/>
-          <a:lstStyle/>
-          <a:p>
-            <a:pPr algn="l" indent="0" marL="0">
-              <a:lnSpc>
-                <a:spcPts val="2550"/>
-              </a:lnSpc>
-              <a:buNone/>
-            </a:pPr>
-            <a:r>
-              <a:rPr lang="en-US" sz="1600" dirty="0">
-                <a:solidFill>
-                  <a:srgbClr val="3D3E44"/>
-                </a:solidFill>
-                <a:latin typeface="Inter Light" pitchFamily="34" charset="0"/>
-                <a:ea typeface="Inter Light" pitchFamily="34" charset="-122"/>
-                <a:cs typeface="Inter Light" pitchFamily="34" charset="-120"/>
-              </a:rPr>
-              <a:t>Fleet specifications including capacity, maintenance records, and operational costs</a:t>
-            </a:r>
-            <a:endParaRPr lang="en-US" sz="1600" dirty="0"/>
-          </a:p>
-        </p:txBody>
-      </p:sp>
-      <p:sp>
-        <p:nvSpPr>
-          <p:cNvPr id="28" name="Shape 18"/>
-          <p:cNvSpPr/>
-          <p:nvPr/>
-        </p:nvSpPr>
-        <p:spPr>
-          <a:xfrm>
-            <a:off x="7417594" y="5657255"/>
-            <a:ext cx="6380559" cy="1839516"/>
-          </a:xfrm>
-          <a:prstGeom prst="roundRect">
-            <a:avLst>
-              <a:gd name="adj" fmla="val 5965"/>
-            </a:avLst>
-          </a:prstGeom>
-          <a:solidFill>
-            <a:srgbClr val="FFFFFF"/>
-          </a:solidFill>
-          <a:ln/>
-        </p:spPr>
-      </p:sp>
-      <p:pic>
-        <p:nvPicPr>
-          <p:cNvPr id="29" name="Image 8" descr="preencoded.png">    </p:cNvPr>
-          <p:cNvPicPr>
-            <a:picLocks noChangeAspect="1"/>
-          </p:cNvPicPr>
-          <p:nvPr/>
-        </p:nvPicPr>
-        <p:blipFill>
-          <a:blip r:embed="rId9"/>
-          <a:stretch>
-            <a:fillRect/>
-          </a:stretch>
-        </p:blipFill>
-        <p:spPr>
-          <a:xfrm>
-            <a:off x="7417594" y="5634395"/>
-            <a:ext cx="6380559" cy="91440"/>
-          </a:xfrm>
-          <a:prstGeom prst="rect">
-            <a:avLst/>
-          </a:prstGeom>
-        </p:spPr>
-      </p:pic>
-      <p:pic>
-        <p:nvPicPr>
-          <p:cNvPr id="30" name="Image 9" descr="preencoded.png">    </p:cNvPr>
-          <p:cNvPicPr>
-            <a:picLocks noChangeAspect="1"/>
-          </p:cNvPicPr>
-          <p:nvPr/>
-        </p:nvPicPr>
-        <p:blipFill>
-          <a:blip r:embed="rId10"/>
-          <a:stretch>
-            <a:fillRect/>
-          </a:stretch>
-        </p:blipFill>
-        <p:spPr>
-          <a:xfrm>
-            <a:off x="10300395" y="5349835"/>
-            <a:ext cx="614958" cy="614958"/>
-          </a:xfrm>
-          <a:prstGeom prst="rect">
-            <a:avLst/>
-          </a:prstGeom>
-        </p:spPr>
-      </p:pic>
-      <p:sp>
-        <p:nvSpPr>
-          <p:cNvPr id="31" name="Text 19"/>
-          <p:cNvSpPr/>
-          <p:nvPr/>
-        </p:nvSpPr>
-        <p:spPr>
-          <a:xfrm>
-            <a:off x="10484822" y="5503545"/>
-            <a:ext cx="245983" cy="307419"/>
-          </a:xfrm>
-          <a:prstGeom prst="rect">
-            <a:avLst/>
-          </a:prstGeom>
-          <a:noFill/>
-          <a:ln/>
-        </p:spPr>
-        <p:txBody>
-          <a:bodyPr wrap="none" lIns="0" tIns="0" rIns="0" bIns="0" rtlCol="0" anchor="t"/>
-          <a:lstStyle/>
-          <a:p>
-            <a:pPr algn="l" indent="0" marL="0">
-              <a:lnSpc>
-                <a:spcPts val="3050"/>
-              </a:lnSpc>
-              <a:buNone/>
-            </a:pPr>
-            <a:r>
-              <a:rPr lang="en-US" sz="1900" dirty="0">
-                <a:solidFill>
-                  <a:srgbClr val="000000"/>
-                </a:solidFill>
-                <a:latin typeface="Montserrat Medium" pitchFamily="34" charset="0"/>
-                <a:ea typeface="Montserrat Medium" pitchFamily="34" charset="-122"/>
-                <a:cs typeface="Montserrat Medium" pitchFamily="34" charset="-120"/>
-              </a:rPr>
-              <a:t>5</a:t>
-            </a:r>
-            <a:endParaRPr lang="en-US" sz="1900" dirty="0"/>
-          </a:p>
-        </p:txBody>
-      </p:sp>
-      <p:sp>
-        <p:nvSpPr>
-          <p:cNvPr id="32" name="Text 20"/>
-          <p:cNvSpPr/>
-          <p:nvPr/>
-        </p:nvSpPr>
-        <p:spPr>
-          <a:xfrm>
-            <a:off x="7645360" y="6169700"/>
-            <a:ext cx="2562463" cy="320278"/>
-          </a:xfrm>
-          <a:prstGeom prst="rect">
-            <a:avLst/>
-          </a:prstGeom>
-          <a:noFill/>
-          <a:ln/>
-        </p:spPr>
-        <p:txBody>
-          <a:bodyPr wrap="none" lIns="0" tIns="0" rIns="0" bIns="0" rtlCol="0" anchor="t"/>
-          <a:lstStyle/>
-          <a:p>
-            <a:pPr algn="l" indent="0" marL="0">
-              <a:lnSpc>
-                <a:spcPts val="2500"/>
-              </a:lnSpc>
-              <a:buNone/>
-            </a:pPr>
-            <a:r>
-              <a:rPr lang="en-US" sz="2000" dirty="0">
-                <a:solidFill>
-                  <a:srgbClr val="3D3E44"/>
-                </a:solidFill>
-                <a:latin typeface="Montserrat Medium" pitchFamily="34" charset="0"/>
-                <a:ea typeface="Montserrat Medium" pitchFamily="34" charset="-122"/>
-                <a:cs typeface="Montserrat Medium" pitchFamily="34" charset="-120"/>
-              </a:rPr>
               <a:t>Routes</a:t>
             </a:r>
             <a:endParaRPr lang="en-US" sz="2000" dirty="0"/>
@@ -5643,7 +5494,7 @@
           <a:bodyPr wrap="square" lIns="0" tIns="0" rIns="0" bIns="0" rtlCol="0" anchor="t"/>
           <a:lstStyle/>
           <a:p>
-            <a:pPr algn="l" indent="0" marL="0">
+            <a:pPr marL="0" indent="0" algn="l">
               <a:lnSpc>
                 <a:spcPts val="2550"/>
               </a:lnSpc>
@@ -5713,17 +5564,17 @@
       </p:sp>
       <p:pic>
         <p:nvPicPr>
-          <p:cNvPr id="3" name="Image 0" descr="preencoded.png">    </p:cNvPr>
+          <p:cNvPr id="3" name="Image 0" descr="preencoded.png"/>
           <p:cNvPicPr>
             <a:picLocks noChangeAspect="1"/>
           </p:cNvPicPr>
           <p:nvPr/>
         </p:nvPicPr>
         <p:blipFill>
-          <a:blip r:embed="rId1">
+          <a:blip r:embed="rId3">
             <a:extLst>
               <a:ext uri="{96DAC541-7B7A-43D3-8B79-37D633B846F1}">
-                <asvg:svgBlip xmlns:asvg="http://schemas.microsoft.com/office/drawing/2016/SVG/main" r:embed="rId2"/>
+                <asvg:svgBlip xmlns:asvg="http://schemas.microsoft.com/office/drawing/2016/SVG/main" r:embed="rId4"/>
               </a:ext>
             </a:extLst>
           </a:blip>
@@ -5762,7 +5613,7 @@
           <a:bodyPr wrap="none" lIns="0" tIns="0" rIns="0" bIns="0" rtlCol="0" anchor="t"/>
           <a:lstStyle/>
           <a:p>
-            <a:pPr algn="l" indent="0" marL="0">
+            <a:pPr marL="0" indent="0" algn="l">
               <a:lnSpc>
                 <a:spcPts val="1900"/>
               </a:lnSpc>
@@ -5804,7 +5655,7 @@
           <a:bodyPr wrap="none" lIns="0" tIns="0" rIns="0" bIns="0" rtlCol="0" anchor="t"/>
           <a:lstStyle/>
           <a:p>
-            <a:pPr algn="l" indent="0" marL="0">
+            <a:pPr marL="0" indent="0" algn="l">
               <a:lnSpc>
                 <a:spcPts val="4600"/>
               </a:lnSpc>
@@ -5827,181 +5678,7 @@
       </p:sp>
       <p:pic>
         <p:nvPicPr>
-          <p:cNvPr id="6" name="Image 1" descr="preencoded.png">    </p:cNvPr>
-          <p:cNvPicPr>
-            <a:picLocks noChangeAspect="1"/>
-          </p:cNvPicPr>
-          <p:nvPr/>
-        </p:nvPicPr>
-        <p:blipFill>
-          <a:blip r:embed="rId3"/>
-          <a:stretch>
-            <a:fillRect/>
-          </a:stretch>
-        </p:blipFill>
-        <p:spPr>
-          <a:xfrm>
-            <a:off x="1351121" y="2183963"/>
-            <a:ext cx="4495086" cy="4495086"/>
-          </a:xfrm>
-          <a:prstGeom prst="rect">
-            <a:avLst/>
-          </a:prstGeom>
-        </p:spPr>
-      </p:pic>
-      <p:sp>
-        <p:nvSpPr>
-          <p:cNvPr id="7" name="Text 3"/>
-          <p:cNvSpPr/>
-          <p:nvPr/>
-        </p:nvSpPr>
-        <p:spPr>
-          <a:xfrm>
-            <a:off x="6313884" y="2141577"/>
-            <a:ext cx="6972776" cy="603409"/>
-          </a:xfrm>
-          <a:prstGeom prst="rect">
-            <a:avLst/>
-          </a:prstGeom>
-          <a:noFill/>
-          <a:ln/>
-        </p:spPr>
-        <p:txBody>
-          <a:bodyPr wrap="square" lIns="0" tIns="0" rIns="0" bIns="0" rtlCol="0" anchor="t"/>
-          <a:lstStyle/>
-          <a:p>
-            <a:pPr algn="l" indent="0" marL="0">
-              <a:lnSpc>
-                <a:spcPts val="2350"/>
-              </a:lnSpc>
-              <a:buNone/>
-            </a:pPr>
-            <a:r>
-              <a:rPr lang="en-US" sz="1450" dirty="0">
-                <a:solidFill>
-                  <a:srgbClr val="3D3E44"/>
-                </a:solidFill>
-                <a:latin typeface="Inter Light" pitchFamily="34" charset="0"/>
-                <a:ea typeface="Inter Light" pitchFamily="34" charset="-122"/>
-                <a:cs typeface="Inter Light" pitchFamily="34" charset="-120"/>
-              </a:rPr>
-              <a:t>A comprehensive analytics toolkit combining database management, statistical analysis, and visualization capabilities to extract actionable insights.</a:t>
-            </a:r>
-            <a:endParaRPr lang="en-US" sz="1450" dirty="0"/>
-          </a:p>
-        </p:txBody>
-      </p:sp>
-      <p:pic>
-        <p:nvPicPr>
-          <p:cNvPr id="8" name="Image 2" descr="preencoded.png">    </p:cNvPr>
-          <p:cNvPicPr>
-            <a:picLocks noChangeAspect="1"/>
-          </p:cNvPicPr>
-          <p:nvPr/>
-        </p:nvPicPr>
-        <p:blipFill>
-          <a:blip r:embed="rId4"/>
-          <a:stretch>
-            <a:fillRect/>
-          </a:stretch>
-        </p:blipFill>
-        <p:spPr>
-          <a:xfrm>
-            <a:off x="6313884" y="2957036"/>
-            <a:ext cx="942856" cy="1463516"/>
-          </a:xfrm>
-          <a:prstGeom prst="rect">
-            <a:avLst/>
-          </a:prstGeom>
-        </p:spPr>
-      </p:pic>
-      <p:sp>
-        <p:nvSpPr>
-          <p:cNvPr id="9" name="Text 4"/>
-          <p:cNvSpPr/>
-          <p:nvPr/>
-        </p:nvSpPr>
-        <p:spPr>
-          <a:xfrm>
-            <a:off x="7445216" y="3145512"/>
-            <a:ext cx="2357318" cy="294680"/>
-          </a:xfrm>
-          <a:prstGeom prst="rect">
-            <a:avLst/>
-          </a:prstGeom>
-          <a:noFill/>
-          <a:ln/>
-        </p:spPr>
-        <p:txBody>
-          <a:bodyPr wrap="none" lIns="0" tIns="0" rIns="0" bIns="0" rtlCol="0" anchor="t"/>
-          <a:lstStyle/>
-          <a:p>
-            <a:pPr algn="l" indent="0" marL="0">
-              <a:lnSpc>
-                <a:spcPts val="2300"/>
-              </a:lnSpc>
-              <a:buNone/>
-            </a:pPr>
-            <a:r>
-              <a:rPr lang="en-US" sz="1850" dirty="0">
-                <a:solidFill>
-                  <a:srgbClr val="3D3E44"/>
-                </a:solidFill>
-                <a:latin typeface="Montserrat Medium" pitchFamily="34" charset="0"/>
-                <a:ea typeface="Montserrat Medium" pitchFamily="34" charset="-122"/>
-                <a:cs typeface="Montserrat Medium" pitchFamily="34" charset="-120"/>
-              </a:rPr>
-              <a:t>MySQL</a:t>
-            </a:r>
-            <a:endParaRPr lang="en-US" sz="1850" dirty="0"/>
-          </a:p>
-        </p:txBody>
-      </p:sp>
-      <p:sp>
-        <p:nvSpPr>
-          <p:cNvPr id="10" name="Text 5"/>
-          <p:cNvSpPr/>
-          <p:nvPr/>
-        </p:nvSpPr>
-        <p:spPr>
-          <a:xfrm>
-            <a:off x="7445216" y="3628668"/>
-            <a:ext cx="5841444" cy="603409"/>
-          </a:xfrm>
-          <a:prstGeom prst="rect">
-            <a:avLst/>
-          </a:prstGeom>
-          <a:noFill/>
-          <a:ln/>
-        </p:spPr>
-        <p:txBody>
-          <a:bodyPr wrap="square" lIns="0" tIns="0" rIns="0" bIns="0" rtlCol="0" anchor="t"/>
-          <a:lstStyle/>
-          <a:p>
-            <a:pPr algn="l" indent="0" marL="0">
-              <a:lnSpc>
-                <a:spcPts val="2350"/>
-              </a:lnSpc>
-              <a:buNone/>
-            </a:pPr>
-            <a:r>
-              <a:rPr lang="en-US" sz="1450" dirty="0">
-                <a:solidFill>
-                  <a:srgbClr val="3D3E44"/>
-                </a:solidFill>
-                <a:latin typeface="Inter Light" pitchFamily="34" charset="0"/>
-                <a:ea typeface="Inter Light" pitchFamily="34" charset="-122"/>
-                <a:cs typeface="Inter Light" pitchFamily="34" charset="-120"/>
-              </a:rPr>
-              <a:t>Database management and SQL analysis for data extraction, transformation, and querying</a:t>
-            </a:r>
-            <a:endParaRPr lang="en-US" sz="1450" dirty="0"/>
-          </a:p>
-        </p:txBody>
-      </p:sp>
-      <p:pic>
-        <p:nvPicPr>
-          <p:cNvPr id="11" name="Image 3" descr="preencoded.png">    </p:cNvPr>
+          <p:cNvPr id="6" name="Image 1" descr="preencoded.png"/>
           <p:cNvPicPr>
             <a:picLocks noChangeAspect="1"/>
           </p:cNvPicPr>
@@ -6015,8 +5692,8 @@
         </p:blipFill>
         <p:spPr>
           <a:xfrm>
-            <a:off x="6313884" y="4420553"/>
-            <a:ext cx="942856" cy="1463516"/>
+            <a:off x="1351121" y="2183963"/>
+            <a:ext cx="4495086" cy="4495086"/>
           </a:xfrm>
           <a:prstGeom prst="rect">
             <a:avLst/>
@@ -6025,56 +5702,14 @@
       </p:pic>
       <p:sp>
         <p:nvSpPr>
-          <p:cNvPr id="12" name="Text 6"/>
-          <p:cNvSpPr/>
-          <p:nvPr/>
-        </p:nvSpPr>
-        <p:spPr>
-          <a:xfrm>
-            <a:off x="7445216" y="4609028"/>
-            <a:ext cx="2357318" cy="294680"/>
-          </a:xfrm>
-          <a:prstGeom prst="rect">
-            <a:avLst/>
-          </a:prstGeom>
-          <a:noFill/>
-          <a:ln/>
-        </p:spPr>
-        <p:txBody>
-          <a:bodyPr wrap="none" lIns="0" tIns="0" rIns="0" bIns="0" rtlCol="0" anchor="t"/>
-          <a:lstStyle/>
-          <a:p>
-            <a:pPr algn="l" indent="0" marL="0">
-              <a:lnSpc>
-                <a:spcPts val="2300"/>
-              </a:lnSpc>
-              <a:buNone/>
-            </a:pPr>
-            <a:r>
-              <a:rPr lang="en-US" sz="1850" dirty="0">
-                <a:solidFill>
-                  <a:srgbClr val="3D3E44"/>
-                </a:solidFill>
-                <a:latin typeface="Montserrat Medium" pitchFamily="34" charset="0"/>
-                <a:ea typeface="Montserrat Medium" pitchFamily="34" charset="-122"/>
-                <a:cs typeface="Montserrat Medium" pitchFamily="34" charset="-120"/>
-              </a:rPr>
-              <a:t>Python</a:t>
-            </a:r>
-            <a:endParaRPr lang="en-US" sz="1850" dirty="0"/>
-          </a:p>
-        </p:txBody>
-      </p:sp>
-      <p:sp>
-        <p:nvSpPr>
-          <p:cNvPr id="13" name="Text 7"/>
-          <p:cNvSpPr/>
-          <p:nvPr/>
-        </p:nvSpPr>
-        <p:spPr>
-          <a:xfrm>
-            <a:off x="7445216" y="5092184"/>
-            <a:ext cx="5841444" cy="603409"/>
+          <p:cNvPr id="7" name="Text 3"/>
+          <p:cNvSpPr/>
+          <p:nvPr/>
+        </p:nvSpPr>
+        <p:spPr>
+          <a:xfrm>
+            <a:off x="6313884" y="2141577"/>
+            <a:ext cx="6972776" cy="603409"/>
           </a:xfrm>
           <a:prstGeom prst="rect">
             <a:avLst/>
@@ -6086,7 +5721,7 @@
           <a:bodyPr wrap="square" lIns="0" tIns="0" rIns="0" bIns="0" rtlCol="0" anchor="t"/>
           <a:lstStyle/>
           <a:p>
-            <a:pPr algn="l" indent="0" marL="0">
+            <a:pPr marL="0" indent="0" algn="l">
               <a:lnSpc>
                 <a:spcPts val="2350"/>
               </a:lnSpc>
@@ -6101,7 +5736,7 @@
                 <a:ea typeface="Inter Light" pitchFamily="34" charset="-122"/>
                 <a:cs typeface="Inter Light" pitchFamily="34" charset="-120"/>
               </a:rPr>
-              <a:t>Advanced data analysis in Jupyter Notebook using pandas, numpy, and statistical libraries</a:t>
+              <a:t>A comprehensive analytics toolkit combining database management, statistical analysis, and visualization capabilities to extract actionable insights.</a:t>
             </a:r>
             <a:endParaRPr lang="en-US" sz="1450" dirty="0"/>
           </a:p>
@@ -6109,7 +5744,7 @@
       </p:sp>
       <p:pic>
         <p:nvPicPr>
-          <p:cNvPr id="14" name="Image 4" descr="preencoded.png">    </p:cNvPr>
+          <p:cNvPr id="8" name="Image 2" descr="preencoded.png"/>
           <p:cNvPicPr>
             <a:picLocks noChangeAspect="1"/>
           </p:cNvPicPr>
@@ -6123,7 +5758,7 @@
         </p:blipFill>
         <p:spPr>
           <a:xfrm>
-            <a:off x="6313884" y="5884069"/>
+            <a:off x="6313884" y="2957036"/>
             <a:ext cx="942856" cy="1463516"/>
           </a:xfrm>
           <a:prstGeom prst="rect">
@@ -6133,13 +5768,13 @@
       </p:pic>
       <p:sp>
         <p:nvSpPr>
-          <p:cNvPr id="15" name="Text 8"/>
-          <p:cNvSpPr/>
-          <p:nvPr/>
-        </p:nvSpPr>
-        <p:spPr>
-          <a:xfrm>
-            <a:off x="7445216" y="6072545"/>
+          <p:cNvPr id="9" name="Text 4"/>
+          <p:cNvSpPr/>
+          <p:nvPr/>
+        </p:nvSpPr>
+        <p:spPr>
+          <a:xfrm>
+            <a:off x="7445216" y="3145512"/>
             <a:ext cx="2357318" cy="294680"/>
           </a:xfrm>
           <a:prstGeom prst="rect">
@@ -6152,7 +5787,7 @@
           <a:bodyPr wrap="none" lIns="0" tIns="0" rIns="0" bIns="0" rtlCol="0" anchor="t"/>
           <a:lstStyle/>
           <a:p>
-            <a:pPr algn="l" indent="0" marL="0">
+            <a:pPr marL="0" indent="0" algn="l">
               <a:lnSpc>
                 <a:spcPts val="2300"/>
               </a:lnSpc>
@@ -6167,6 +5802,222 @@
                 <a:ea typeface="Montserrat Medium" pitchFamily="34" charset="-122"/>
                 <a:cs typeface="Montserrat Medium" pitchFamily="34" charset="-120"/>
               </a:rPr>
+              <a:t>MySQL</a:t>
+            </a:r>
+            <a:endParaRPr lang="en-US" sz="1850" dirty="0"/>
+          </a:p>
+        </p:txBody>
+      </p:sp>
+      <p:sp>
+        <p:nvSpPr>
+          <p:cNvPr id="10" name="Text 5"/>
+          <p:cNvSpPr/>
+          <p:nvPr/>
+        </p:nvSpPr>
+        <p:spPr>
+          <a:xfrm>
+            <a:off x="7445216" y="3628668"/>
+            <a:ext cx="5841444" cy="603409"/>
+          </a:xfrm>
+          <a:prstGeom prst="rect">
+            <a:avLst/>
+          </a:prstGeom>
+          <a:noFill/>
+          <a:ln/>
+        </p:spPr>
+        <p:txBody>
+          <a:bodyPr wrap="square" lIns="0" tIns="0" rIns="0" bIns="0" rtlCol="0" anchor="t"/>
+          <a:lstStyle/>
+          <a:p>
+            <a:pPr marL="0" indent="0" algn="l">
+              <a:lnSpc>
+                <a:spcPts val="2350"/>
+              </a:lnSpc>
+              <a:buNone/>
+            </a:pPr>
+            <a:r>
+              <a:rPr lang="en-US" sz="1450" dirty="0">
+                <a:solidFill>
+                  <a:srgbClr val="3D3E44"/>
+                </a:solidFill>
+                <a:latin typeface="Inter Light" pitchFamily="34" charset="0"/>
+                <a:ea typeface="Inter Light" pitchFamily="34" charset="-122"/>
+                <a:cs typeface="Inter Light" pitchFamily="34" charset="-120"/>
+              </a:rPr>
+              <a:t>Database management and SQL analysis for data extraction, transformation, and querying</a:t>
+            </a:r>
+            <a:endParaRPr lang="en-US" sz="1450" dirty="0"/>
+          </a:p>
+        </p:txBody>
+      </p:sp>
+      <p:pic>
+        <p:nvPicPr>
+          <p:cNvPr id="11" name="Image 3" descr="preencoded.png"/>
+          <p:cNvPicPr>
+            <a:picLocks noChangeAspect="1"/>
+          </p:cNvPicPr>
+          <p:nvPr/>
+        </p:nvPicPr>
+        <p:blipFill>
+          <a:blip r:embed="rId7"/>
+          <a:stretch>
+            <a:fillRect/>
+          </a:stretch>
+        </p:blipFill>
+        <p:spPr>
+          <a:xfrm>
+            <a:off x="6313884" y="4420553"/>
+            <a:ext cx="942856" cy="1463516"/>
+          </a:xfrm>
+          <a:prstGeom prst="rect">
+            <a:avLst/>
+          </a:prstGeom>
+        </p:spPr>
+      </p:pic>
+      <p:sp>
+        <p:nvSpPr>
+          <p:cNvPr id="12" name="Text 6"/>
+          <p:cNvSpPr/>
+          <p:nvPr/>
+        </p:nvSpPr>
+        <p:spPr>
+          <a:xfrm>
+            <a:off x="7445216" y="4609028"/>
+            <a:ext cx="2357318" cy="294680"/>
+          </a:xfrm>
+          <a:prstGeom prst="rect">
+            <a:avLst/>
+          </a:prstGeom>
+          <a:noFill/>
+          <a:ln/>
+        </p:spPr>
+        <p:txBody>
+          <a:bodyPr wrap="none" lIns="0" tIns="0" rIns="0" bIns="0" rtlCol="0" anchor="t"/>
+          <a:lstStyle/>
+          <a:p>
+            <a:pPr marL="0" indent="0" algn="l">
+              <a:lnSpc>
+                <a:spcPts val="2300"/>
+              </a:lnSpc>
+              <a:buNone/>
+            </a:pPr>
+            <a:r>
+              <a:rPr lang="en-US" sz="1850" dirty="0">
+                <a:solidFill>
+                  <a:srgbClr val="3D3E44"/>
+                </a:solidFill>
+                <a:latin typeface="Montserrat Medium" pitchFamily="34" charset="0"/>
+                <a:ea typeface="Montserrat Medium" pitchFamily="34" charset="-122"/>
+                <a:cs typeface="Montserrat Medium" pitchFamily="34" charset="-120"/>
+              </a:rPr>
+              <a:t>Python</a:t>
+            </a:r>
+            <a:endParaRPr lang="en-US" sz="1850" dirty="0"/>
+          </a:p>
+        </p:txBody>
+      </p:sp>
+      <p:sp>
+        <p:nvSpPr>
+          <p:cNvPr id="13" name="Text 7"/>
+          <p:cNvSpPr/>
+          <p:nvPr/>
+        </p:nvSpPr>
+        <p:spPr>
+          <a:xfrm>
+            <a:off x="7445216" y="5092184"/>
+            <a:ext cx="5841444" cy="603409"/>
+          </a:xfrm>
+          <a:prstGeom prst="rect">
+            <a:avLst/>
+          </a:prstGeom>
+          <a:noFill/>
+          <a:ln/>
+        </p:spPr>
+        <p:txBody>
+          <a:bodyPr wrap="square" lIns="0" tIns="0" rIns="0" bIns="0" rtlCol="0" anchor="t"/>
+          <a:lstStyle/>
+          <a:p>
+            <a:pPr marL="0" indent="0" algn="l">
+              <a:lnSpc>
+                <a:spcPts val="2350"/>
+              </a:lnSpc>
+              <a:buNone/>
+            </a:pPr>
+            <a:r>
+              <a:rPr lang="en-US" sz="1450" dirty="0">
+                <a:solidFill>
+                  <a:srgbClr val="3D3E44"/>
+                </a:solidFill>
+                <a:latin typeface="Inter Light" pitchFamily="34" charset="0"/>
+                <a:ea typeface="Inter Light" pitchFamily="34" charset="-122"/>
+                <a:cs typeface="Inter Light" pitchFamily="34" charset="-120"/>
+              </a:rPr>
+              <a:t>Advanced data analysis in Jupyter Notebook using pandas, numpy, and statistical libraries</a:t>
+            </a:r>
+            <a:endParaRPr lang="en-US" sz="1450" dirty="0"/>
+          </a:p>
+        </p:txBody>
+      </p:sp>
+      <p:pic>
+        <p:nvPicPr>
+          <p:cNvPr id="14" name="Image 4" descr="preencoded.png"/>
+          <p:cNvPicPr>
+            <a:picLocks noChangeAspect="1"/>
+          </p:cNvPicPr>
+          <p:nvPr/>
+        </p:nvPicPr>
+        <p:blipFill>
+          <a:blip r:embed="rId8"/>
+          <a:stretch>
+            <a:fillRect/>
+          </a:stretch>
+        </p:blipFill>
+        <p:spPr>
+          <a:xfrm>
+            <a:off x="6313884" y="5884069"/>
+            <a:ext cx="942856" cy="1463516"/>
+          </a:xfrm>
+          <a:prstGeom prst="rect">
+            <a:avLst/>
+          </a:prstGeom>
+        </p:spPr>
+      </p:pic>
+      <p:sp>
+        <p:nvSpPr>
+          <p:cNvPr id="15" name="Text 8"/>
+          <p:cNvSpPr/>
+          <p:nvPr/>
+        </p:nvSpPr>
+        <p:spPr>
+          <a:xfrm>
+            <a:off x="7445216" y="6072545"/>
+            <a:ext cx="2357318" cy="294680"/>
+          </a:xfrm>
+          <a:prstGeom prst="rect">
+            <a:avLst/>
+          </a:prstGeom>
+          <a:noFill/>
+          <a:ln/>
+        </p:spPr>
+        <p:txBody>
+          <a:bodyPr wrap="none" lIns="0" tIns="0" rIns="0" bIns="0" rtlCol="0" anchor="t"/>
+          <a:lstStyle/>
+          <a:p>
+            <a:pPr marL="0" indent="0" algn="l">
+              <a:lnSpc>
+                <a:spcPts val="2300"/>
+              </a:lnSpc>
+              <a:buNone/>
+            </a:pPr>
+            <a:r>
+              <a:rPr lang="en-US" sz="1850" dirty="0">
+                <a:solidFill>
+                  <a:srgbClr val="3D3E44"/>
+                </a:solidFill>
+                <a:latin typeface="Montserrat Medium" pitchFamily="34" charset="0"/>
+                <a:ea typeface="Montserrat Medium" pitchFamily="34" charset="-122"/>
+                <a:cs typeface="Montserrat Medium" pitchFamily="34" charset="-120"/>
+              </a:rPr>
               <a:t>Power BI</a:t>
             </a:r>
             <a:endParaRPr lang="en-US" sz="1850" dirty="0"/>
@@ -6194,7 +6045,7 @@
           <a:bodyPr wrap="square" lIns="0" tIns="0" rIns="0" bIns="0" rtlCol="0" anchor="t"/>
           <a:lstStyle/>
           <a:p>
-            <a:pPr algn="l" indent="0" marL="0">
+            <a:pPr marL="0" indent="0" algn="l">
               <a:lnSpc>
                 <a:spcPts val="2350"/>
               </a:lnSpc>
@@ -6286,7 +6137,7 @@
           <a:bodyPr wrap="none" lIns="0" tIns="0" rIns="0" bIns="0" rtlCol="0" anchor="t"/>
           <a:lstStyle/>
           <a:p>
-            <a:pPr algn="l" indent="0" marL="0">
+            <a:pPr marL="0" indent="0" algn="l">
               <a:lnSpc>
                 <a:spcPts val="2250"/>
               </a:lnSpc>
@@ -6328,7 +6179,7 @@
           <a:bodyPr wrap="none" lIns="0" tIns="0" rIns="0" bIns="0" rtlCol="0" anchor="t"/>
           <a:lstStyle/>
           <a:p>
-            <a:pPr algn="l" indent="0" marL="0">
+            <a:pPr marL="0" indent="0" algn="l">
               <a:lnSpc>
                 <a:spcPts val="5550"/>
               </a:lnSpc>
@@ -6370,7 +6221,7 @@
           <a:bodyPr wrap="square" lIns="0" tIns="0" rIns="0" bIns="0" rtlCol="0" anchor="t"/>
           <a:lstStyle/>
           <a:p>
-            <a:pPr algn="l" indent="0" marL="0">
+            <a:pPr marL="0" indent="0" algn="l">
               <a:lnSpc>
                 <a:spcPts val="2850"/>
               </a:lnSpc>
@@ -6393,223 +6244,7 @@
       </p:sp>
       <p:pic>
         <p:nvPicPr>
-          <p:cNvPr id="6" name="Image 0" descr="preencoded.png">    </p:cNvPr>
-          <p:cNvPicPr>
-            <a:picLocks noChangeAspect="1"/>
-          </p:cNvPicPr>
-          <p:nvPr/>
-        </p:nvPicPr>
-        <p:blipFill>
-          <a:blip r:embed="rId1"/>
-          <a:stretch>
-            <a:fillRect/>
-          </a:stretch>
-        </p:blipFill>
-        <p:spPr>
-          <a:xfrm>
-            <a:off x="793790" y="3559612"/>
-            <a:ext cx="1767840" cy="1092518"/>
-          </a:xfrm>
-          <a:prstGeom prst="rect">
-            <a:avLst/>
-          </a:prstGeom>
-        </p:spPr>
-      </p:pic>
-      <p:sp>
-        <p:nvSpPr>
-          <p:cNvPr id="7" name="Text 4"/>
-          <p:cNvSpPr/>
-          <p:nvPr/>
-        </p:nvSpPr>
-        <p:spPr>
-          <a:xfrm>
-            <a:off x="793790" y="4935617"/>
-            <a:ext cx="3048000" cy="708660"/>
-          </a:xfrm>
-          <a:prstGeom prst="rect">
-            <a:avLst/>
-          </a:prstGeom>
-          <a:noFill/>
-          <a:ln/>
-        </p:spPr>
-        <p:txBody>
-          <a:bodyPr wrap="square" lIns="0" tIns="0" rIns="0" bIns="0" rtlCol="0" anchor="t"/>
-          <a:lstStyle/>
-          <a:p>
-            <a:pPr algn="l" indent="0" marL="0">
-              <a:lnSpc>
-                <a:spcPts val="2750"/>
-              </a:lnSpc>
-              <a:buNone/>
-            </a:pPr>
-            <a:r>
-              <a:rPr lang="en-US" sz="2200" dirty="0">
-                <a:solidFill>
-                  <a:srgbClr val="3D3E44"/>
-                </a:solidFill>
-                <a:latin typeface="Montserrat Medium" pitchFamily="34" charset="0"/>
-                <a:ea typeface="Montserrat Medium" pitchFamily="34" charset="-122"/>
-                <a:cs typeface="Montserrat Medium" pitchFamily="34" charset="-120"/>
-              </a:rPr>
-              <a:t>Delivery Time Analysis</a:t>
-            </a:r>
-            <a:endParaRPr lang="en-US" sz="2200" dirty="0"/>
-          </a:p>
-        </p:txBody>
-      </p:sp>
-      <p:sp>
-        <p:nvSpPr>
-          <p:cNvPr id="8" name="Text 5"/>
-          <p:cNvSpPr/>
-          <p:nvPr/>
-        </p:nvSpPr>
-        <p:spPr>
-          <a:xfrm>
-            <a:off x="793790" y="5780365"/>
-            <a:ext cx="3048000" cy="1088708"/>
-          </a:xfrm>
-          <a:prstGeom prst="rect">
-            <a:avLst/>
-          </a:prstGeom>
-          <a:noFill/>
-          <a:ln/>
-        </p:spPr>
-        <p:txBody>
-          <a:bodyPr wrap="square" lIns="0" tIns="0" rIns="0" bIns="0" rtlCol="0" anchor="t"/>
-          <a:lstStyle/>
-          <a:p>
-            <a:pPr algn="l" indent="0" marL="0">
-              <a:lnSpc>
-                <a:spcPts val="2850"/>
-              </a:lnSpc>
-              <a:buNone/>
-            </a:pPr>
-            <a:r>
-              <a:rPr lang="en-US" sz="1750" dirty="0">
-                <a:solidFill>
-                  <a:srgbClr val="3D3E44"/>
-                </a:solidFill>
-                <a:latin typeface="Inter Light" pitchFamily="34" charset="0"/>
-                <a:ea typeface="Inter Light" pitchFamily="34" charset="-122"/>
-                <a:cs typeface="Inter Light" pitchFamily="34" charset="-120"/>
-              </a:rPr>
-              <a:t>Statistical evaluation of planned vs actual delivery times across all routes</a:t>
-            </a:r>
-            <a:endParaRPr lang="en-US" sz="1750" dirty="0"/>
-          </a:p>
-        </p:txBody>
-      </p:sp>
-      <p:pic>
-        <p:nvPicPr>
-          <p:cNvPr id="9" name="Image 1" descr="preencoded.png">    </p:cNvPr>
-          <p:cNvPicPr>
-            <a:picLocks noChangeAspect="1"/>
-          </p:cNvPicPr>
-          <p:nvPr/>
-        </p:nvPicPr>
-        <p:blipFill>
-          <a:blip r:embed="rId2"/>
-          <a:stretch>
-            <a:fillRect/>
-          </a:stretch>
-        </p:blipFill>
-        <p:spPr>
-          <a:xfrm>
-            <a:off x="4125278" y="3559612"/>
-            <a:ext cx="1767840" cy="1092518"/>
-          </a:xfrm>
-          <a:prstGeom prst="rect">
-            <a:avLst/>
-          </a:prstGeom>
-        </p:spPr>
-      </p:pic>
-      <p:sp>
-        <p:nvSpPr>
-          <p:cNvPr id="10" name="Text 6"/>
-          <p:cNvSpPr/>
-          <p:nvPr/>
-        </p:nvSpPr>
-        <p:spPr>
-          <a:xfrm>
-            <a:off x="4125278" y="4935617"/>
-            <a:ext cx="3048119" cy="708660"/>
-          </a:xfrm>
-          <a:prstGeom prst="rect">
-            <a:avLst/>
-          </a:prstGeom>
-          <a:noFill/>
-          <a:ln/>
-        </p:spPr>
-        <p:txBody>
-          <a:bodyPr wrap="square" lIns="0" tIns="0" rIns="0" bIns="0" rtlCol="0" anchor="t"/>
-          <a:lstStyle/>
-          <a:p>
-            <a:pPr algn="l" indent="0" marL="0">
-              <a:lnSpc>
-                <a:spcPts val="2750"/>
-              </a:lnSpc>
-              <a:buNone/>
-            </a:pPr>
-            <a:r>
-              <a:rPr lang="en-US" sz="2200" dirty="0">
-                <a:solidFill>
-                  <a:srgbClr val="3D3E44"/>
-                </a:solidFill>
-                <a:latin typeface="Montserrat Medium" pitchFamily="34" charset="0"/>
-                <a:ea typeface="Montserrat Medium" pitchFamily="34" charset="-122"/>
-                <a:cs typeface="Montserrat Medium" pitchFamily="34" charset="-120"/>
-              </a:rPr>
-              <a:t>Delay Analysis by Route &amp; Day</a:t>
-            </a:r>
-            <a:endParaRPr lang="en-US" sz="2200" dirty="0"/>
-          </a:p>
-        </p:txBody>
-      </p:sp>
-      <p:sp>
-        <p:nvSpPr>
-          <p:cNvPr id="11" name="Text 7"/>
-          <p:cNvSpPr/>
-          <p:nvPr/>
-        </p:nvSpPr>
-        <p:spPr>
-          <a:xfrm>
-            <a:off x="4125278" y="5780365"/>
-            <a:ext cx="3048119" cy="1088708"/>
-          </a:xfrm>
-          <a:prstGeom prst="rect">
-            <a:avLst/>
-          </a:prstGeom>
-          <a:noFill/>
-          <a:ln/>
-        </p:spPr>
-        <p:txBody>
-          <a:bodyPr wrap="square" lIns="0" tIns="0" rIns="0" bIns="0" rtlCol="0" anchor="t"/>
-          <a:lstStyle/>
-          <a:p>
-            <a:pPr algn="l" indent="0" marL="0">
-              <a:lnSpc>
-                <a:spcPts val="2850"/>
-              </a:lnSpc>
-              <a:buNone/>
-            </a:pPr>
-            <a:r>
-              <a:rPr lang="en-US" sz="1750" dirty="0">
-                <a:solidFill>
-                  <a:srgbClr val="3D3E44"/>
-                </a:solidFill>
-                <a:latin typeface="Inter Light" pitchFamily="34" charset="0"/>
-                <a:ea typeface="Inter Light" pitchFamily="34" charset="-122"/>
-                <a:cs typeface="Inter Light" pitchFamily="34" charset="-120"/>
-              </a:rPr>
-              <a:t>Temporal and geographic pattern identification in delay occurrences</a:t>
-            </a:r>
-            <a:endParaRPr lang="en-US" sz="1750" dirty="0"/>
-          </a:p>
-        </p:txBody>
-      </p:sp>
-      <p:pic>
-        <p:nvPicPr>
-          <p:cNvPr id="12" name="Image 2" descr="preencoded.png">    </p:cNvPr>
+          <p:cNvPr id="6" name="Image 0" descr="preencoded.png"/>
           <p:cNvPicPr>
             <a:picLocks noChangeAspect="1"/>
           </p:cNvPicPr>
@@ -6623,7 +6258,7 @@
         </p:blipFill>
         <p:spPr>
           <a:xfrm>
-            <a:off x="7456884" y="3559612"/>
+            <a:off x="793790" y="3559612"/>
             <a:ext cx="1767840" cy="1092518"/>
           </a:xfrm>
           <a:prstGeom prst="rect">
@@ -6633,14 +6268,14 @@
       </p:pic>
       <p:sp>
         <p:nvSpPr>
-          <p:cNvPr id="13" name="Text 8"/>
-          <p:cNvSpPr/>
-          <p:nvPr/>
-        </p:nvSpPr>
-        <p:spPr>
-          <a:xfrm>
-            <a:off x="7456884" y="4935617"/>
-            <a:ext cx="3048119" cy="708660"/>
+          <p:cNvPr id="7" name="Text 4"/>
+          <p:cNvSpPr/>
+          <p:nvPr/>
+        </p:nvSpPr>
+        <p:spPr>
+          <a:xfrm>
+            <a:off x="793790" y="4935617"/>
+            <a:ext cx="3048000" cy="708660"/>
           </a:xfrm>
           <a:prstGeom prst="rect">
             <a:avLst/>
@@ -6652,7 +6287,7 @@
           <a:bodyPr wrap="square" lIns="0" tIns="0" rIns="0" bIns="0" rtlCol="0" anchor="t"/>
           <a:lstStyle/>
           <a:p>
-            <a:pPr algn="l" indent="0" marL="0">
+            <a:pPr marL="0" indent="0" algn="l">
               <a:lnSpc>
                 <a:spcPts val="2750"/>
               </a:lnSpc>
@@ -6667,7 +6302,7 @@
                 <a:ea typeface="Montserrat Medium" pitchFamily="34" charset="-122"/>
                 <a:cs typeface="Montserrat Medium" pitchFamily="34" charset="-120"/>
               </a:rPr>
-              <a:t>Driver Performance Analysis</a:t>
+              <a:t>Delivery Time Analysis</a:t>
             </a:r>
             <a:endParaRPr lang="en-US" sz="2200" dirty="0"/>
           </a:p>
@@ -6675,14 +6310,14 @@
       </p:sp>
       <p:sp>
         <p:nvSpPr>
-          <p:cNvPr id="14" name="Text 9"/>
-          <p:cNvSpPr/>
-          <p:nvPr/>
-        </p:nvSpPr>
-        <p:spPr>
-          <a:xfrm>
-            <a:off x="7456884" y="5780365"/>
-            <a:ext cx="3048119" cy="1451610"/>
+          <p:cNvPr id="8" name="Text 5"/>
+          <p:cNvSpPr/>
+          <p:nvPr/>
+        </p:nvSpPr>
+        <p:spPr>
+          <a:xfrm>
+            <a:off x="793790" y="5780365"/>
+            <a:ext cx="3048000" cy="1088708"/>
           </a:xfrm>
           <a:prstGeom prst="rect">
             <a:avLst/>
@@ -6694,7 +6329,7 @@
           <a:bodyPr wrap="square" lIns="0" tIns="0" rIns="0" bIns="0" rtlCol="0" anchor="t"/>
           <a:lstStyle/>
           <a:p>
-            <a:pPr algn="l" indent="0" marL="0">
+            <a:pPr marL="0" indent="0" algn="l">
               <a:lnSpc>
                 <a:spcPts val="2850"/>
               </a:lnSpc>
@@ -6709,7 +6344,7 @@
                 <a:ea typeface="Inter Light" pitchFamily="34" charset="-122"/>
                 <a:cs typeface="Inter Light" pitchFamily="34" charset="-120"/>
               </a:rPr>
-              <a:t>Individual and aggregate performance metrics including on-time rates and efficiency</a:t>
+              <a:t>Statistical evaluation of planned vs actual delivery times across all routes</a:t>
             </a:r>
             <a:endParaRPr lang="en-US" sz="1750" dirty="0"/>
           </a:p>
@@ -6717,7 +6352,7 @@
       </p:sp>
       <p:pic>
         <p:nvPicPr>
-          <p:cNvPr id="15" name="Image 3" descr="preencoded.png">    </p:cNvPr>
+          <p:cNvPr id="9" name="Image 1" descr="preencoded.png"/>
           <p:cNvPicPr>
             <a:picLocks noChangeAspect="1"/>
           </p:cNvPicPr>
@@ -6731,7 +6366,7 @@
         </p:blipFill>
         <p:spPr>
           <a:xfrm>
-            <a:off x="10788491" y="3559612"/>
+            <a:off x="4125278" y="3559612"/>
             <a:ext cx="1767840" cy="1092518"/>
           </a:xfrm>
           <a:prstGeom prst="rect">
@@ -6741,13 +6376,13 @@
       </p:pic>
       <p:sp>
         <p:nvSpPr>
-          <p:cNvPr id="16" name="Text 10"/>
-          <p:cNvSpPr/>
-          <p:nvPr/>
-        </p:nvSpPr>
-        <p:spPr>
-          <a:xfrm>
-            <a:off x="10788491" y="4935617"/>
+          <p:cNvPr id="10" name="Text 6"/>
+          <p:cNvSpPr/>
+          <p:nvPr/>
+        </p:nvSpPr>
+        <p:spPr>
+          <a:xfrm>
+            <a:off x="4125278" y="4935617"/>
             <a:ext cx="3048119" cy="708660"/>
           </a:xfrm>
           <a:prstGeom prst="rect">
@@ -6760,7 +6395,7 @@
           <a:bodyPr wrap="square" lIns="0" tIns="0" rIns="0" bIns="0" rtlCol="0" anchor="t"/>
           <a:lstStyle/>
           <a:p>
-            <a:pPr algn="l" indent="0" marL="0">
+            <a:pPr marL="0" indent="0" algn="l">
               <a:lnSpc>
                 <a:spcPts val="2750"/>
               </a:lnSpc>
@@ -6775,6 +6410,222 @@
                 <a:ea typeface="Montserrat Medium" pitchFamily="34" charset="-122"/>
                 <a:cs typeface="Montserrat Medium" pitchFamily="34" charset="-120"/>
               </a:rPr>
+              <a:t>Delay Analysis by Route &amp; Day</a:t>
+            </a:r>
+            <a:endParaRPr lang="en-US" sz="2200" dirty="0"/>
+          </a:p>
+        </p:txBody>
+      </p:sp>
+      <p:sp>
+        <p:nvSpPr>
+          <p:cNvPr id="11" name="Text 7"/>
+          <p:cNvSpPr/>
+          <p:nvPr/>
+        </p:nvSpPr>
+        <p:spPr>
+          <a:xfrm>
+            <a:off x="4125278" y="5780365"/>
+            <a:ext cx="3048119" cy="1088708"/>
+          </a:xfrm>
+          <a:prstGeom prst="rect">
+            <a:avLst/>
+          </a:prstGeom>
+          <a:noFill/>
+          <a:ln/>
+        </p:spPr>
+        <p:txBody>
+          <a:bodyPr wrap="square" lIns="0" tIns="0" rIns="0" bIns="0" rtlCol="0" anchor="t"/>
+          <a:lstStyle/>
+          <a:p>
+            <a:pPr marL="0" indent="0" algn="l">
+              <a:lnSpc>
+                <a:spcPts val="2850"/>
+              </a:lnSpc>
+              <a:buNone/>
+            </a:pPr>
+            <a:r>
+              <a:rPr lang="en-US" sz="1750" dirty="0">
+                <a:solidFill>
+                  <a:srgbClr val="3D3E44"/>
+                </a:solidFill>
+                <a:latin typeface="Inter Light" pitchFamily="34" charset="0"/>
+                <a:ea typeface="Inter Light" pitchFamily="34" charset="-122"/>
+                <a:cs typeface="Inter Light" pitchFamily="34" charset="-120"/>
+              </a:rPr>
+              <a:t>Temporal and geographic pattern identification in delay occurrences</a:t>
+            </a:r>
+            <a:endParaRPr lang="en-US" sz="1750" dirty="0"/>
+          </a:p>
+        </p:txBody>
+      </p:sp>
+      <p:pic>
+        <p:nvPicPr>
+          <p:cNvPr id="12" name="Image 2" descr="preencoded.png"/>
+          <p:cNvPicPr>
+            <a:picLocks noChangeAspect="1"/>
+          </p:cNvPicPr>
+          <p:nvPr/>
+        </p:nvPicPr>
+        <p:blipFill>
+          <a:blip r:embed="rId5"/>
+          <a:stretch>
+            <a:fillRect/>
+          </a:stretch>
+        </p:blipFill>
+        <p:spPr>
+          <a:xfrm>
+            <a:off x="7456884" y="3559612"/>
+            <a:ext cx="1767840" cy="1092518"/>
+          </a:xfrm>
+          <a:prstGeom prst="rect">
+            <a:avLst/>
+          </a:prstGeom>
+        </p:spPr>
+      </p:pic>
+      <p:sp>
+        <p:nvSpPr>
+          <p:cNvPr id="13" name="Text 8"/>
+          <p:cNvSpPr/>
+          <p:nvPr/>
+        </p:nvSpPr>
+        <p:spPr>
+          <a:xfrm>
+            <a:off x="7456884" y="4935617"/>
+            <a:ext cx="3048119" cy="708660"/>
+          </a:xfrm>
+          <a:prstGeom prst="rect">
+            <a:avLst/>
+          </a:prstGeom>
+          <a:noFill/>
+          <a:ln/>
+        </p:spPr>
+        <p:txBody>
+          <a:bodyPr wrap="square" lIns="0" tIns="0" rIns="0" bIns="0" rtlCol="0" anchor="t"/>
+          <a:lstStyle/>
+          <a:p>
+            <a:pPr marL="0" indent="0" algn="l">
+              <a:lnSpc>
+                <a:spcPts val="2750"/>
+              </a:lnSpc>
+              <a:buNone/>
+            </a:pPr>
+            <a:r>
+              <a:rPr lang="en-US" sz="2200" dirty="0">
+                <a:solidFill>
+                  <a:srgbClr val="3D3E44"/>
+                </a:solidFill>
+                <a:latin typeface="Montserrat Medium" pitchFamily="34" charset="0"/>
+                <a:ea typeface="Montserrat Medium" pitchFamily="34" charset="-122"/>
+                <a:cs typeface="Montserrat Medium" pitchFamily="34" charset="-120"/>
+              </a:rPr>
+              <a:t>Driver Performance Analysis</a:t>
+            </a:r>
+            <a:endParaRPr lang="en-US" sz="2200" dirty="0"/>
+          </a:p>
+        </p:txBody>
+      </p:sp>
+      <p:sp>
+        <p:nvSpPr>
+          <p:cNvPr id="14" name="Text 9"/>
+          <p:cNvSpPr/>
+          <p:nvPr/>
+        </p:nvSpPr>
+        <p:spPr>
+          <a:xfrm>
+            <a:off x="7456884" y="5780365"/>
+            <a:ext cx="3048119" cy="1451610"/>
+          </a:xfrm>
+          <a:prstGeom prst="rect">
+            <a:avLst/>
+          </a:prstGeom>
+          <a:noFill/>
+          <a:ln/>
+        </p:spPr>
+        <p:txBody>
+          <a:bodyPr wrap="square" lIns="0" tIns="0" rIns="0" bIns="0" rtlCol="0" anchor="t"/>
+          <a:lstStyle/>
+          <a:p>
+            <a:pPr marL="0" indent="0" algn="l">
+              <a:lnSpc>
+                <a:spcPts val="2850"/>
+              </a:lnSpc>
+              <a:buNone/>
+            </a:pPr>
+            <a:r>
+              <a:rPr lang="en-US" sz="1750" dirty="0">
+                <a:solidFill>
+                  <a:srgbClr val="3D3E44"/>
+                </a:solidFill>
+                <a:latin typeface="Inter Light" pitchFamily="34" charset="0"/>
+                <a:ea typeface="Inter Light" pitchFamily="34" charset="-122"/>
+                <a:cs typeface="Inter Light" pitchFamily="34" charset="-120"/>
+              </a:rPr>
+              <a:t>Individual and aggregate performance metrics including on-time rates and efficiency</a:t>
+            </a:r>
+            <a:endParaRPr lang="en-US" sz="1750" dirty="0"/>
+          </a:p>
+        </p:txBody>
+      </p:sp>
+      <p:pic>
+        <p:nvPicPr>
+          <p:cNvPr id="15" name="Image 3" descr="preencoded.png"/>
+          <p:cNvPicPr>
+            <a:picLocks noChangeAspect="1"/>
+          </p:cNvPicPr>
+          <p:nvPr/>
+        </p:nvPicPr>
+        <p:blipFill>
+          <a:blip r:embed="rId6"/>
+          <a:stretch>
+            <a:fillRect/>
+          </a:stretch>
+        </p:blipFill>
+        <p:spPr>
+          <a:xfrm>
+            <a:off x="10788491" y="3559612"/>
+            <a:ext cx="1767840" cy="1092518"/>
+          </a:xfrm>
+          <a:prstGeom prst="rect">
+            <a:avLst/>
+          </a:prstGeom>
+        </p:spPr>
+      </p:pic>
+      <p:sp>
+        <p:nvSpPr>
+          <p:cNvPr id="16" name="Text 10"/>
+          <p:cNvSpPr/>
+          <p:nvPr/>
+        </p:nvSpPr>
+        <p:spPr>
+          <a:xfrm>
+            <a:off x="10788491" y="4935617"/>
+            <a:ext cx="3048119" cy="708660"/>
+          </a:xfrm>
+          <a:prstGeom prst="rect">
+            <a:avLst/>
+          </a:prstGeom>
+          <a:noFill/>
+          <a:ln/>
+        </p:spPr>
+        <p:txBody>
+          <a:bodyPr wrap="square" lIns="0" tIns="0" rIns="0" bIns="0" rtlCol="0" anchor="t"/>
+          <a:lstStyle/>
+          <a:p>
+            <a:pPr marL="0" indent="0" algn="l">
+              <a:lnSpc>
+                <a:spcPts val="2750"/>
+              </a:lnSpc>
+              <a:buNone/>
+            </a:pPr>
+            <a:r>
+              <a:rPr lang="en-US" sz="2200" dirty="0">
+                <a:solidFill>
+                  <a:srgbClr val="3D3E44"/>
+                </a:solidFill>
+                <a:latin typeface="Montserrat Medium" pitchFamily="34" charset="0"/>
+                <a:ea typeface="Montserrat Medium" pitchFamily="34" charset="-122"/>
+                <a:cs typeface="Montserrat Medium" pitchFamily="34" charset="-120"/>
+              </a:rPr>
               <a:t>Cost vs Revenue Analysis</a:t>
             </a:r>
             <a:endParaRPr lang="en-US" sz="2200" dirty="0"/>
@@ -6802,7 +6653,7 @@
           <a:bodyPr wrap="square" lIns="0" tIns="0" rIns="0" bIns="0" rtlCol="0" anchor="t"/>
           <a:lstStyle/>
           <a:p>
-            <a:pPr algn="l" indent="0" marL="0">
+            <a:pPr marL="0" indent="0" algn="l">
               <a:lnSpc>
                 <a:spcPts val="2850"/>
               </a:lnSpc>
@@ -6872,17 +6723,17 @@
       </p:sp>
       <p:pic>
         <p:nvPicPr>
-          <p:cNvPr id="3" name="Image 0" descr="preencoded.png">    </p:cNvPr>
+          <p:cNvPr id="3" name="Image 0" descr="preencoded.png"/>
           <p:cNvPicPr>
             <a:picLocks noChangeAspect="1"/>
           </p:cNvPicPr>
           <p:nvPr/>
         </p:nvPicPr>
         <p:blipFill>
-          <a:blip r:embed="rId1">
+          <a:blip r:embed="rId3">
             <a:extLst>
               <a:ext uri="{96DAC541-7B7A-43D3-8B79-37D633B846F1}">
-                <asvg:svgBlip xmlns:asvg="http://schemas.microsoft.com/office/drawing/2016/SVG/main" r:embed="rId2"/>
+                <asvg:svgBlip xmlns:asvg="http://schemas.microsoft.com/office/drawing/2016/SVG/main" r:embed="rId4"/>
               </a:ext>
             </a:extLst>
           </a:blip>
@@ -6921,7 +6772,7 @@
           <a:bodyPr wrap="none" lIns="0" tIns="0" rIns="0" bIns="0" rtlCol="0" anchor="t"/>
           <a:lstStyle/>
           <a:p>
-            <a:pPr algn="l" indent="0" marL="0">
+            <a:pPr marL="0" indent="0" algn="l">
               <a:lnSpc>
                 <a:spcPts val="1350"/>
               </a:lnSpc>
@@ -6963,7 +6814,7 @@
           <a:bodyPr wrap="none" lIns="0" tIns="0" rIns="0" bIns="0" rtlCol="0" anchor="t"/>
           <a:lstStyle/>
           <a:p>
-            <a:pPr algn="l" indent="0" marL="0">
+            <a:pPr marL="0" indent="0" algn="l">
               <a:lnSpc>
                 <a:spcPts val="3400"/>
               </a:lnSpc>
@@ -7054,7 +6905,7 @@
           <a:bodyPr wrap="none" lIns="0" tIns="0" rIns="0" bIns="0" rtlCol="0" anchor="t"/>
           <a:lstStyle/>
           <a:p>
-            <a:pPr algn="r" indent="0" marL="0">
+            <a:pPr marL="0" indent="0" algn="r">
               <a:lnSpc>
                 <a:spcPts val="1700"/>
               </a:lnSpc>
@@ -7096,7 +6947,7 @@
           <a:bodyPr wrap="square" lIns="0" tIns="0" rIns="0" bIns="0" rtlCol="0" anchor="t"/>
           <a:lstStyle/>
           <a:p>
-            <a:pPr algn="r" indent="0" marL="0">
+            <a:pPr marL="0" indent="0" algn="r">
               <a:lnSpc>
                 <a:spcPts val="1700"/>
               </a:lnSpc>
@@ -7113,12 +6964,6 @@
               </a:rPr>
               <a:t>Analysis reveals that </a:t>
             </a:r>
-            <a:pPr algn="r" indent="0" marL="0">
-              <a:lnSpc>
-                <a:spcPts val="1700"/>
-              </a:lnSpc>
-              <a:buNone/>
-            </a:pPr>
             <a:r>
               <a:rPr lang="en-US" sz="1050" dirty="0">
                 <a:solidFill>
@@ -7133,12 +6978,6 @@
               </a:rPr>
               <a:t>specific routes and geographic regions account for the majority of delivery delays</a:t>
             </a:r>
-            <a:pPr algn="r" indent="0" marL="0">
-              <a:lnSpc>
-                <a:spcPts val="1700"/>
-              </a:lnSpc>
-              <a:buNone/>
-            </a:pPr>
             <a:r>
               <a:rPr lang="en-US" sz="1050" dirty="0">
                 <a:solidFill>
@@ -7200,7 +7039,7 @@
           <a:bodyPr wrap="none" lIns="0" tIns="0" rIns="0" bIns="0" rtlCol="0" anchor="t"/>
           <a:lstStyle/>
           <a:p>
-            <a:pPr algn="l" indent="0" marL="0">
+            <a:pPr marL="0" indent="0" algn="l">
               <a:lnSpc>
                 <a:spcPts val="1700"/>
               </a:lnSpc>
@@ -7242,7 +7081,7 @@
           <a:bodyPr wrap="square" lIns="0" tIns="0" rIns="0" bIns="0" rtlCol="0" anchor="t"/>
           <a:lstStyle/>
           <a:p>
-            <a:pPr algn="l" indent="0" marL="0">
+            <a:pPr marL="0" indent="0" algn="l">
               <a:lnSpc>
                 <a:spcPts val="1700"/>
               </a:lnSpc>
@@ -7259,12 +7098,6 @@
               </a:rPr>
               <a:t>A small subset of drivers is responsible for a disproportionate share of delays. </a:t>
             </a:r>
-            <a:pPr algn="l" indent="0" marL="0">
-              <a:lnSpc>
-                <a:spcPts val="1700"/>
-              </a:lnSpc>
-              <a:buNone/>
-            </a:pPr>
             <a:r>
               <a:rPr lang="en-US" sz="1050" dirty="0">
                 <a:solidFill>
@@ -7279,12 +7112,6 @@
               </a:rPr>
               <a:t>Targeted training and performance management</a:t>
             </a:r>
-            <a:pPr algn="l" indent="0" marL="0">
-              <a:lnSpc>
-                <a:spcPts val="1700"/>
-              </a:lnSpc>
-              <a:buNone/>
-            </a:pPr>
             <a:r>
               <a:rPr lang="en-US" sz="1050" dirty="0">
                 <a:solidFill>
@@ -7348,7 +7175,7 @@
           <a:bodyPr wrap="none" lIns="0" tIns="0" rIns="0" bIns="0" rtlCol="0" anchor="t"/>
           <a:lstStyle/>
           <a:p>
-            <a:pPr algn="r" indent="0" marL="0">
+            <a:pPr marL="0" indent="0" algn="r">
               <a:lnSpc>
                 <a:spcPts val="1700"/>
               </a:lnSpc>
@@ -7390,7 +7217,7 @@
           <a:bodyPr wrap="square" lIns="0" tIns="0" rIns="0" bIns="0" rtlCol="0" anchor="t"/>
           <a:lstStyle/>
           <a:p>
-            <a:pPr algn="r" indent="0" marL="0">
+            <a:pPr marL="0" indent="0" algn="r">
               <a:lnSpc>
                 <a:spcPts val="1700"/>
               </a:lnSpc>
@@ -7407,12 +7234,6 @@
               </a:rPr>
               <a:t>Several routes operate at negative margins due to high operational costs relative to revenue. </a:t>
             </a:r>
-            <a:pPr algn="r" indent="0" marL="0">
-              <a:lnSpc>
-                <a:spcPts val="1700"/>
-              </a:lnSpc>
-              <a:buNone/>
-            </a:pPr>
             <a:r>
               <a:rPr lang="en-US" sz="1050" dirty="0">
                 <a:solidFill>
@@ -7427,12 +7248,6 @@
               </a:rPr>
               <a:t>Route optimization or pricing adjustments</a:t>
             </a:r>
-            <a:pPr algn="r" indent="0" marL="0">
-              <a:lnSpc>
-                <a:spcPts val="1700"/>
-              </a:lnSpc>
-              <a:buNone/>
-            </a:pPr>
             <a:r>
               <a:rPr lang="en-US" sz="1050" dirty="0">
                 <a:solidFill>
@@ -7494,7 +7309,7 @@
           <a:bodyPr wrap="none" lIns="0" tIns="0" rIns="0" bIns="0" rtlCol="0" anchor="t"/>
           <a:lstStyle/>
           <a:p>
-            <a:pPr algn="l" indent="0" marL="0">
+            <a:pPr marL="0" indent="0" algn="l">
               <a:lnSpc>
                 <a:spcPts val="1700"/>
               </a:lnSpc>
@@ -7536,7 +7351,7 @@
           <a:bodyPr wrap="square" lIns="0" tIns="0" rIns="0" bIns="0" rtlCol="0" anchor="t"/>
           <a:lstStyle/>
           <a:p>
-            <a:pPr algn="l" indent="0" marL="0">
+            <a:pPr marL="0" indent="0" algn="l">
               <a:lnSpc>
                 <a:spcPts val="1700"/>
               </a:lnSpc>
@@ -7553,12 +7368,6 @@
               </a:rPr>
               <a:t>Delays exhibit clear day-of-week patterns, with certain days consistently showing higher incident rates. This insight enables </a:t>
             </a:r>
-            <a:pPr algn="l" indent="0" marL="0">
-              <a:lnSpc>
-                <a:spcPts val="1700"/>
-              </a:lnSpc>
-              <a:buNone/>
-            </a:pPr>
             <a:r>
               <a:rPr lang="en-US" sz="1050" dirty="0">
                 <a:solidFill>
@@ -7573,12 +7382,6 @@
               </a:rPr>
               <a:t>proactive resource allocation</a:t>
             </a:r>
-            <a:pPr algn="l" indent="0" marL="0">
-              <a:lnSpc>
-                <a:spcPts val="1700"/>
-              </a:lnSpc>
-              <a:buNone/>
-            </a:pPr>
             <a:r>
               <a:rPr lang="en-US" sz="1050" dirty="0">
                 <a:solidFill>
@@ -7621,223 +7424,7 @@
       </p:grpSpPr>
       <p:pic>
         <p:nvPicPr>
-          <p:cNvPr id="2" name="Image 0" descr="preencoded.png">    </p:cNvPr>
-          <p:cNvPicPr>
-            <a:picLocks noChangeAspect="1"/>
-          </p:cNvPicPr>
-          <p:nvPr/>
-        </p:nvPicPr>
-        <p:blipFill>
-          <a:blip r:embed="rId1"/>
-          <a:stretch>
-            <a:fillRect/>
-          </a:stretch>
-        </p:blipFill>
-        <p:spPr>
-          <a:xfrm>
-            <a:off x="0" y="0"/>
-            <a:ext cx="14630400" cy="2603778"/>
-          </a:xfrm>
-          <a:prstGeom prst="rect">
-            <a:avLst/>
-          </a:prstGeom>
-        </p:spPr>
-      </p:pic>
-      <p:sp>
-        <p:nvSpPr>
-          <p:cNvPr id="3" name="Text 0"/>
-          <p:cNvSpPr/>
-          <p:nvPr/>
-        </p:nvSpPr>
-        <p:spPr>
-          <a:xfrm>
-            <a:off x="729020" y="3176588"/>
-            <a:ext cx="8336875" cy="650915"/>
-          </a:xfrm>
-          <a:prstGeom prst="rect">
-            <a:avLst/>
-          </a:prstGeom>
-          <a:noFill/>
-          <a:ln/>
-        </p:spPr>
-        <p:txBody>
-          <a:bodyPr wrap="none" lIns="0" tIns="0" rIns="0" bIns="0" rtlCol="0" anchor="t"/>
-          <a:lstStyle/>
-          <a:p>
-            <a:pPr algn="l" indent="0" marL="0">
-              <a:lnSpc>
-                <a:spcPts val="5100"/>
-              </a:lnSpc>
-              <a:buNone/>
-            </a:pPr>
-            <a:r>
-              <a:rPr lang="en-US" sz="4100" dirty="0">
-                <a:solidFill>
-                  <a:srgbClr val="74767D"/>
-                </a:solidFill>
-                <a:latin typeface="Montserrat Medium" pitchFamily="34" charset="0"/>
-                <a:ea typeface="Montserrat Medium" pitchFamily="34" charset="-122"/>
-                <a:cs typeface="Montserrat Medium" pitchFamily="34" charset="-120"/>
-              </a:rPr>
-              <a:t>Power BI Dashboard Highlights</a:t>
-            </a:r>
-            <a:endParaRPr lang="en-US" sz="4100" dirty="0"/>
-          </a:p>
-        </p:txBody>
-      </p:sp>
-      <p:sp>
-        <p:nvSpPr>
-          <p:cNvPr id="4" name="Text 1"/>
-          <p:cNvSpPr/>
-          <p:nvPr/>
-        </p:nvSpPr>
-        <p:spPr>
-          <a:xfrm>
-            <a:off x="729020" y="4139922"/>
-            <a:ext cx="13172361" cy="666750"/>
-          </a:xfrm>
-          <a:prstGeom prst="rect">
-            <a:avLst/>
-          </a:prstGeom>
-          <a:noFill/>
-          <a:ln/>
-        </p:spPr>
-        <p:txBody>
-          <a:bodyPr wrap="square" lIns="0" tIns="0" rIns="0" bIns="0" rtlCol="0" anchor="t"/>
-          <a:lstStyle/>
-          <a:p>
-            <a:pPr algn="l" indent="0" marL="0">
-              <a:lnSpc>
-                <a:spcPts val="2600"/>
-              </a:lnSpc>
-              <a:buNone/>
-            </a:pPr>
-            <a:r>
-              <a:rPr lang="en-US" sz="1600" dirty="0">
-                <a:solidFill>
-                  <a:srgbClr val="3D3E44"/>
-                </a:solidFill>
-                <a:latin typeface="Inter Light" pitchFamily="34" charset="0"/>
-                <a:ea typeface="Inter Light" pitchFamily="34" charset="-122"/>
-                <a:cs typeface="Inter Light" pitchFamily="34" charset="-120"/>
-              </a:rPr>
-              <a:t>An interactive visualization platform provides real-time operational intelligence for data-driven decision making across all levels of the organization.</a:t>
-            </a:r>
-            <a:endParaRPr lang="en-US" sz="1600" dirty="0"/>
-          </a:p>
-        </p:txBody>
-      </p:sp>
-      <p:pic>
-        <p:nvPicPr>
-          <p:cNvPr id="5" name="Image 1" descr="preencoded.png">    </p:cNvPr>
-          <p:cNvPicPr>
-            <a:picLocks noChangeAspect="1"/>
-          </p:cNvPicPr>
-          <p:nvPr/>
-        </p:nvPicPr>
-        <p:blipFill>
-          <a:blip r:embed="rId2"/>
-          <a:stretch>
-            <a:fillRect/>
-          </a:stretch>
-        </p:blipFill>
-        <p:spPr>
-          <a:xfrm>
-            <a:off x="729020" y="5385911"/>
-            <a:ext cx="104061" cy="104061"/>
-          </a:xfrm>
-          <a:prstGeom prst="rect">
-            <a:avLst/>
-          </a:prstGeom>
-        </p:spPr>
-      </p:pic>
-      <p:sp>
-        <p:nvSpPr>
-          <p:cNvPr id="6" name="Text 2"/>
-          <p:cNvSpPr/>
-          <p:nvPr/>
-        </p:nvSpPr>
-        <p:spPr>
-          <a:xfrm>
-            <a:off x="1041321" y="5275302"/>
-            <a:ext cx="4652129" cy="325398"/>
-          </a:xfrm>
-          <a:prstGeom prst="rect">
-            <a:avLst/>
-          </a:prstGeom>
-          <a:noFill/>
-          <a:ln/>
-        </p:spPr>
-        <p:txBody>
-          <a:bodyPr wrap="none" lIns="0" tIns="0" rIns="0" bIns="0" rtlCol="0" anchor="t"/>
-          <a:lstStyle/>
-          <a:p>
-            <a:pPr algn="l" indent="0" marL="0">
-              <a:lnSpc>
-                <a:spcPts val="2550"/>
-              </a:lnSpc>
-              <a:buNone/>
-            </a:pPr>
-            <a:r>
-              <a:rPr lang="en-US" sz="2050" dirty="0">
-                <a:solidFill>
-                  <a:srgbClr val="3D3E44"/>
-                </a:solidFill>
-                <a:latin typeface="Montserrat Medium" pitchFamily="34" charset="0"/>
-                <a:ea typeface="Montserrat Medium" pitchFamily="34" charset="-122"/>
-                <a:cs typeface="Montserrat Medium" pitchFamily="34" charset="-120"/>
-              </a:rPr>
-              <a:t>Total Deliveries &amp; Delay Percentage</a:t>
-            </a:r>
-            <a:endParaRPr lang="en-US" sz="2050" dirty="0"/>
-          </a:p>
-        </p:txBody>
-      </p:sp>
-      <p:sp>
-        <p:nvSpPr>
-          <p:cNvPr id="7" name="Text 3"/>
-          <p:cNvSpPr/>
-          <p:nvPr/>
-        </p:nvSpPr>
-        <p:spPr>
-          <a:xfrm>
-            <a:off x="1041321" y="5808940"/>
-            <a:ext cx="6019800" cy="333375"/>
-          </a:xfrm>
-          <a:prstGeom prst="rect">
-            <a:avLst/>
-          </a:prstGeom>
-          <a:noFill/>
-          <a:ln/>
-        </p:spPr>
-        <p:txBody>
-          <a:bodyPr wrap="none" lIns="0" tIns="0" rIns="0" bIns="0" rtlCol="0" anchor="t"/>
-          <a:lstStyle/>
-          <a:p>
-            <a:pPr algn="l" indent="0" marL="0">
-              <a:lnSpc>
-                <a:spcPts val="2600"/>
-              </a:lnSpc>
-              <a:buNone/>
-            </a:pPr>
-            <a:r>
-              <a:rPr lang="en-US" sz="1600" dirty="0">
-                <a:solidFill>
-                  <a:srgbClr val="3D3E44"/>
-                </a:solidFill>
-                <a:latin typeface="Inter Light" pitchFamily="34" charset="0"/>
-                <a:ea typeface="Inter Light" pitchFamily="34" charset="-122"/>
-                <a:cs typeface="Inter Light" pitchFamily="34" charset="-120"/>
-              </a:rPr>
-              <a:t>Comprehensive KPI tracking with trend analysis</a:t>
-            </a:r>
-            <a:endParaRPr lang="en-US" sz="1600" dirty="0"/>
-          </a:p>
-        </p:txBody>
-      </p:sp>
-      <p:pic>
-        <p:nvPicPr>
-          <p:cNvPr id="8" name="Image 2" descr="preencoded.png">    </p:cNvPr>
+          <p:cNvPr id="2" name="Image 0" descr="preencoded.png"/>
           <p:cNvPicPr>
             <a:picLocks noChangeAspect="1"/>
           </p:cNvPicPr>
@@ -7851,8 +7438,8 @@
         </p:blipFill>
         <p:spPr>
           <a:xfrm>
-            <a:off x="729020" y="6669524"/>
-            <a:ext cx="104061" cy="104061"/>
+            <a:off x="0" y="0"/>
+            <a:ext cx="14630400" cy="2603778"/>
           </a:xfrm>
           <a:prstGeom prst="rect">
             <a:avLst/>
@@ -7861,14 +7448,14 @@
       </p:pic>
       <p:sp>
         <p:nvSpPr>
-          <p:cNvPr id="9" name="Text 4"/>
-          <p:cNvSpPr/>
-          <p:nvPr/>
-        </p:nvSpPr>
-        <p:spPr>
-          <a:xfrm>
-            <a:off x="1041321" y="6558915"/>
-            <a:ext cx="3584258" cy="325398"/>
+          <p:cNvPr id="3" name="Text 0"/>
+          <p:cNvSpPr/>
+          <p:nvPr/>
+        </p:nvSpPr>
+        <p:spPr>
+          <a:xfrm>
+            <a:off x="729020" y="3186979"/>
+            <a:ext cx="8336875" cy="650915"/>
           </a:xfrm>
           <a:prstGeom prst="rect">
             <a:avLst/>
@@ -7880,49 +7467,49 @@
           <a:bodyPr wrap="none" lIns="0" tIns="0" rIns="0" bIns="0" rtlCol="0" anchor="t"/>
           <a:lstStyle/>
           <a:p>
-            <a:pPr algn="l" indent="0" marL="0">
-              <a:lnSpc>
-                <a:spcPts val="2550"/>
-              </a:lnSpc>
-              <a:buNone/>
-            </a:pPr>
-            <a:r>
-              <a:rPr lang="en-US" sz="2050" dirty="0">
-                <a:solidFill>
-                  <a:srgbClr val="3D3E44"/>
+            <a:pPr marL="0" indent="0" algn="l">
+              <a:lnSpc>
+                <a:spcPts val="5100"/>
+              </a:lnSpc>
+              <a:buNone/>
+            </a:pPr>
+            <a:r>
+              <a:rPr lang="en-US" sz="4100" dirty="0">
+                <a:solidFill>
+                  <a:srgbClr val="74767D"/>
                 </a:solidFill>
                 <a:latin typeface="Montserrat Medium" pitchFamily="34" charset="0"/>
                 <a:ea typeface="Montserrat Medium" pitchFamily="34" charset="-122"/>
                 <a:cs typeface="Montserrat Medium" pitchFamily="34" charset="-120"/>
               </a:rPr>
-              <a:t>Driver Performance Visuals</a:t>
-            </a:r>
-            <a:endParaRPr lang="en-US" sz="2050" dirty="0"/>
-          </a:p>
-        </p:txBody>
-      </p:sp>
-      <p:sp>
-        <p:nvSpPr>
-          <p:cNvPr id="10" name="Text 5"/>
-          <p:cNvSpPr/>
-          <p:nvPr/>
-        </p:nvSpPr>
-        <p:spPr>
-          <a:xfrm>
-            <a:off x="1041321" y="7092553"/>
-            <a:ext cx="6019800" cy="333375"/>
-          </a:xfrm>
-          <a:prstGeom prst="rect">
-            <a:avLst/>
-          </a:prstGeom>
-          <a:noFill/>
-          <a:ln/>
-        </p:spPr>
-        <p:txBody>
-          <a:bodyPr wrap="none" lIns="0" tIns="0" rIns="0" bIns="0" rtlCol="0" anchor="t"/>
-          <a:lstStyle/>
-          <a:p>
-            <a:pPr algn="l" indent="0" marL="0">
+              <a:t>Power BI Dashboard Highlights</a:t>
+            </a:r>
+            <a:endParaRPr lang="en-US" sz="4100" dirty="0"/>
+          </a:p>
+        </p:txBody>
+      </p:sp>
+      <p:sp>
+        <p:nvSpPr>
+          <p:cNvPr id="4" name="Text 1"/>
+          <p:cNvSpPr/>
+          <p:nvPr/>
+        </p:nvSpPr>
+        <p:spPr>
+          <a:xfrm>
+            <a:off x="729020" y="4139922"/>
+            <a:ext cx="13172361" cy="666750"/>
+          </a:xfrm>
+          <a:prstGeom prst="rect">
+            <a:avLst/>
+          </a:prstGeom>
+          <a:noFill/>
+          <a:ln/>
+        </p:spPr>
+        <p:txBody>
+          <a:bodyPr wrap="square" lIns="0" tIns="0" rIns="0" bIns="0" rtlCol="0" anchor="t"/>
+          <a:lstStyle/>
+          <a:p>
+            <a:pPr marL="0" indent="0" algn="l">
               <a:lnSpc>
                 <a:spcPts val="2600"/>
               </a:lnSpc>
@@ -7937,7 +7524,7 @@
                 <a:ea typeface="Inter Light" pitchFamily="34" charset="-122"/>
                 <a:cs typeface="Inter Light" pitchFamily="34" charset="-120"/>
               </a:rPr>
-              <a:t>Individual scorecards and comparative rankings</a:t>
+              <a:t>An interactive visualization platform provides real-time operational intelligence for data-driven decision making across all levels of the organization.</a:t>
             </a:r>
             <a:endParaRPr lang="en-US" sz="1600" dirty="0"/>
           </a:p>
@@ -7945,7 +7532,7 @@
       </p:sp>
       <p:pic>
         <p:nvPicPr>
-          <p:cNvPr id="11" name="Image 3" descr="preencoded.png">    </p:cNvPr>
+          <p:cNvPr id="5" name="Image 1" descr="preencoded.png"/>
           <p:cNvPicPr>
             <a:picLocks noChangeAspect="1"/>
           </p:cNvPicPr>
@@ -7959,7 +7546,7 @@
         </p:blipFill>
         <p:spPr>
           <a:xfrm>
-            <a:off x="7576899" y="5385911"/>
+            <a:off x="729020" y="5385911"/>
             <a:ext cx="104061" cy="104061"/>
           </a:xfrm>
           <a:prstGeom prst="rect">
@@ -7969,14 +7556,14 @@
       </p:pic>
       <p:sp>
         <p:nvSpPr>
-          <p:cNvPr id="12" name="Text 6"/>
-          <p:cNvSpPr/>
-          <p:nvPr/>
-        </p:nvSpPr>
-        <p:spPr>
-          <a:xfrm>
-            <a:off x="7889200" y="5275302"/>
-            <a:ext cx="4011097" cy="325398"/>
+          <p:cNvPr id="6" name="Text 2"/>
+          <p:cNvSpPr/>
+          <p:nvPr/>
+        </p:nvSpPr>
+        <p:spPr>
+          <a:xfrm>
+            <a:off x="1041321" y="5275302"/>
+            <a:ext cx="4652129" cy="325398"/>
           </a:xfrm>
           <a:prstGeom prst="rect">
             <a:avLst/>
@@ -7988,7 +7575,7 @@
           <a:bodyPr wrap="none" lIns="0" tIns="0" rIns="0" bIns="0" rtlCol="0" anchor="t"/>
           <a:lstStyle/>
           <a:p>
-            <a:pPr algn="l" indent="0" marL="0">
+            <a:pPr marL="0" indent="0" algn="l">
               <a:lnSpc>
                 <a:spcPts val="2550"/>
               </a:lnSpc>
@@ -8003,7 +7590,7 @@
                 <a:ea typeface="Montserrat Medium" pitchFamily="34" charset="-122"/>
                 <a:cs typeface="Montserrat Medium" pitchFamily="34" charset="-120"/>
               </a:rPr>
-              <a:t>Route &amp; Region Delay Analysis</a:t>
+              <a:t>Total Deliveries &amp; Delay Percentage</a:t>
             </a:r>
             <a:endParaRPr lang="en-US" sz="2050" dirty="0"/>
           </a:p>
@@ -8011,13 +7598,13 @@
       </p:sp>
       <p:sp>
         <p:nvSpPr>
-          <p:cNvPr id="13" name="Text 7"/>
-          <p:cNvSpPr/>
-          <p:nvPr/>
-        </p:nvSpPr>
-        <p:spPr>
-          <a:xfrm>
-            <a:off x="7889200" y="5808940"/>
+          <p:cNvPr id="7" name="Text 3"/>
+          <p:cNvSpPr/>
+          <p:nvPr/>
+        </p:nvSpPr>
+        <p:spPr>
+          <a:xfrm>
+            <a:off x="1041321" y="5808940"/>
             <a:ext cx="6019800" cy="333375"/>
           </a:xfrm>
           <a:prstGeom prst="rect">
@@ -8030,7 +7617,7 @@
           <a:bodyPr wrap="none" lIns="0" tIns="0" rIns="0" bIns="0" rtlCol="0" anchor="t"/>
           <a:lstStyle/>
           <a:p>
-            <a:pPr algn="l" indent="0" marL="0">
+            <a:pPr marL="0" indent="0" algn="l">
               <a:lnSpc>
                 <a:spcPts val="2600"/>
               </a:lnSpc>
@@ -8045,7 +7632,7 @@
                 <a:ea typeface="Inter Light" pitchFamily="34" charset="-122"/>
                 <a:cs typeface="Inter Light" pitchFamily="34" charset="-120"/>
               </a:rPr>
-              <a:t>Geographic heat maps and route-specific metrics</a:t>
+              <a:t>Comprehensive KPI tracking with trend analysis</a:t>
             </a:r>
             <a:endParaRPr lang="en-US" sz="1600" dirty="0"/>
           </a:p>
@@ -8053,21 +7640,21 @@
       </p:sp>
       <p:pic>
         <p:nvPicPr>
-          <p:cNvPr id="14" name="Image 4" descr="preencoded.png">    </p:cNvPr>
+          <p:cNvPr id="8" name="Image 2" descr="preencoded.png"/>
           <p:cNvPicPr>
             <a:picLocks noChangeAspect="1"/>
           </p:cNvPicPr>
           <p:nvPr/>
         </p:nvPicPr>
         <p:blipFill>
-          <a:blip r:embed="rId5"/>
+          <a:blip r:embed="rId4"/>
           <a:stretch>
             <a:fillRect/>
           </a:stretch>
         </p:blipFill>
         <p:spPr>
           <a:xfrm>
-            <a:off x="7576899" y="6669524"/>
+            <a:off x="729020" y="6669524"/>
             <a:ext cx="104061" cy="104061"/>
           </a:xfrm>
           <a:prstGeom prst="rect">
@@ -8077,14 +7664,14 @@
       </p:pic>
       <p:sp>
         <p:nvSpPr>
-          <p:cNvPr id="15" name="Text 8"/>
-          <p:cNvSpPr/>
-          <p:nvPr/>
-        </p:nvSpPr>
-        <p:spPr>
-          <a:xfrm>
-            <a:off x="7889200" y="6558915"/>
-            <a:ext cx="3829407" cy="325398"/>
+          <p:cNvPr id="9" name="Text 4"/>
+          <p:cNvSpPr/>
+          <p:nvPr/>
+        </p:nvSpPr>
+        <p:spPr>
+          <a:xfrm>
+            <a:off x="1041321" y="6558915"/>
+            <a:ext cx="3584258" cy="325398"/>
           </a:xfrm>
           <a:prstGeom prst="rect">
             <a:avLst/>
@@ -8096,7 +7683,7 @@
           <a:bodyPr wrap="none" lIns="0" tIns="0" rIns="0" bIns="0" rtlCol="0" anchor="t"/>
           <a:lstStyle/>
           <a:p>
-            <a:pPr algn="l" indent="0" marL="0">
+            <a:pPr marL="0" indent="0" algn="l">
               <a:lnSpc>
                 <a:spcPts val="2550"/>
               </a:lnSpc>
@@ -8111,6 +7698,222 @@
                 <a:ea typeface="Montserrat Medium" pitchFamily="34" charset="-122"/>
                 <a:cs typeface="Montserrat Medium" pitchFamily="34" charset="-120"/>
               </a:rPr>
+              <a:t>Driver Performance Visuals</a:t>
+            </a:r>
+            <a:endParaRPr lang="en-US" sz="2050" dirty="0"/>
+          </a:p>
+        </p:txBody>
+      </p:sp>
+      <p:sp>
+        <p:nvSpPr>
+          <p:cNvPr id="10" name="Text 5"/>
+          <p:cNvSpPr/>
+          <p:nvPr/>
+        </p:nvSpPr>
+        <p:spPr>
+          <a:xfrm>
+            <a:off x="1041321" y="7092553"/>
+            <a:ext cx="6019800" cy="333375"/>
+          </a:xfrm>
+          <a:prstGeom prst="rect">
+            <a:avLst/>
+          </a:prstGeom>
+          <a:noFill/>
+          <a:ln/>
+        </p:spPr>
+        <p:txBody>
+          <a:bodyPr wrap="none" lIns="0" tIns="0" rIns="0" bIns="0" rtlCol="0" anchor="t"/>
+          <a:lstStyle/>
+          <a:p>
+            <a:pPr marL="0" indent="0" algn="l">
+              <a:lnSpc>
+                <a:spcPts val="2600"/>
+              </a:lnSpc>
+              <a:buNone/>
+            </a:pPr>
+            <a:r>
+              <a:rPr lang="en-US" sz="1600" dirty="0">
+                <a:solidFill>
+                  <a:srgbClr val="3D3E44"/>
+                </a:solidFill>
+                <a:latin typeface="Inter Light" pitchFamily="34" charset="0"/>
+                <a:ea typeface="Inter Light" pitchFamily="34" charset="-122"/>
+                <a:cs typeface="Inter Light" pitchFamily="34" charset="-120"/>
+              </a:rPr>
+              <a:t>Individual scorecards and comparative rankings</a:t>
+            </a:r>
+            <a:endParaRPr lang="en-US" sz="1600" dirty="0"/>
+          </a:p>
+        </p:txBody>
+      </p:sp>
+      <p:pic>
+        <p:nvPicPr>
+          <p:cNvPr id="11" name="Image 3" descr="preencoded.png"/>
+          <p:cNvPicPr>
+            <a:picLocks noChangeAspect="1"/>
+          </p:cNvPicPr>
+          <p:nvPr/>
+        </p:nvPicPr>
+        <p:blipFill>
+          <a:blip r:embed="rId4"/>
+          <a:stretch>
+            <a:fillRect/>
+          </a:stretch>
+        </p:blipFill>
+        <p:spPr>
+          <a:xfrm>
+            <a:off x="7576899" y="5385911"/>
+            <a:ext cx="104061" cy="104061"/>
+          </a:xfrm>
+          <a:prstGeom prst="rect">
+            <a:avLst/>
+          </a:prstGeom>
+        </p:spPr>
+      </p:pic>
+      <p:sp>
+        <p:nvSpPr>
+          <p:cNvPr id="12" name="Text 6"/>
+          <p:cNvSpPr/>
+          <p:nvPr/>
+        </p:nvSpPr>
+        <p:spPr>
+          <a:xfrm>
+            <a:off x="7889200" y="5275302"/>
+            <a:ext cx="4011097" cy="325398"/>
+          </a:xfrm>
+          <a:prstGeom prst="rect">
+            <a:avLst/>
+          </a:prstGeom>
+          <a:noFill/>
+          <a:ln/>
+        </p:spPr>
+        <p:txBody>
+          <a:bodyPr wrap="none" lIns="0" tIns="0" rIns="0" bIns="0" rtlCol="0" anchor="t"/>
+          <a:lstStyle/>
+          <a:p>
+            <a:pPr marL="0" indent="0" algn="l">
+              <a:lnSpc>
+                <a:spcPts val="2550"/>
+              </a:lnSpc>
+              <a:buNone/>
+            </a:pPr>
+            <a:r>
+              <a:rPr lang="en-US" sz="2050" dirty="0">
+                <a:solidFill>
+                  <a:srgbClr val="3D3E44"/>
+                </a:solidFill>
+                <a:latin typeface="Montserrat Medium" pitchFamily="34" charset="0"/>
+                <a:ea typeface="Montserrat Medium" pitchFamily="34" charset="-122"/>
+                <a:cs typeface="Montserrat Medium" pitchFamily="34" charset="-120"/>
+              </a:rPr>
+              <a:t>Route &amp; Region Delay Analysis</a:t>
+            </a:r>
+            <a:endParaRPr lang="en-US" sz="2050" dirty="0"/>
+          </a:p>
+        </p:txBody>
+      </p:sp>
+      <p:sp>
+        <p:nvSpPr>
+          <p:cNvPr id="13" name="Text 7"/>
+          <p:cNvSpPr/>
+          <p:nvPr/>
+        </p:nvSpPr>
+        <p:spPr>
+          <a:xfrm>
+            <a:off x="7889200" y="5808940"/>
+            <a:ext cx="6019800" cy="333375"/>
+          </a:xfrm>
+          <a:prstGeom prst="rect">
+            <a:avLst/>
+          </a:prstGeom>
+          <a:noFill/>
+          <a:ln/>
+        </p:spPr>
+        <p:txBody>
+          <a:bodyPr wrap="none" lIns="0" tIns="0" rIns="0" bIns="0" rtlCol="0" anchor="t"/>
+          <a:lstStyle/>
+          <a:p>
+            <a:pPr marL="0" indent="0" algn="l">
+              <a:lnSpc>
+                <a:spcPts val="2600"/>
+              </a:lnSpc>
+              <a:buNone/>
+            </a:pPr>
+            <a:r>
+              <a:rPr lang="en-US" sz="1600" dirty="0">
+                <a:solidFill>
+                  <a:srgbClr val="3D3E44"/>
+                </a:solidFill>
+                <a:latin typeface="Inter Light" pitchFamily="34" charset="0"/>
+                <a:ea typeface="Inter Light" pitchFamily="34" charset="-122"/>
+                <a:cs typeface="Inter Light" pitchFamily="34" charset="-120"/>
+              </a:rPr>
+              <a:t>Geographic heat maps and route-specific metrics</a:t>
+            </a:r>
+            <a:endParaRPr lang="en-US" sz="1600" dirty="0"/>
+          </a:p>
+        </p:txBody>
+      </p:sp>
+      <p:pic>
+        <p:nvPicPr>
+          <p:cNvPr id="14" name="Image 4" descr="preencoded.png"/>
+          <p:cNvPicPr>
+            <a:picLocks noChangeAspect="1"/>
+          </p:cNvPicPr>
+          <p:nvPr/>
+        </p:nvPicPr>
+        <p:blipFill>
+          <a:blip r:embed="rId4"/>
+          <a:stretch>
+            <a:fillRect/>
+          </a:stretch>
+        </p:blipFill>
+        <p:spPr>
+          <a:xfrm>
+            <a:off x="7576899" y="6669524"/>
+            <a:ext cx="104061" cy="104061"/>
+          </a:xfrm>
+          <a:prstGeom prst="rect">
+            <a:avLst/>
+          </a:prstGeom>
+        </p:spPr>
+      </p:pic>
+      <p:sp>
+        <p:nvSpPr>
+          <p:cNvPr id="15" name="Text 8"/>
+          <p:cNvSpPr/>
+          <p:nvPr/>
+        </p:nvSpPr>
+        <p:spPr>
+          <a:xfrm>
+            <a:off x="7889200" y="6558915"/>
+            <a:ext cx="3829407" cy="325398"/>
+          </a:xfrm>
+          <a:prstGeom prst="rect">
+            <a:avLst/>
+          </a:prstGeom>
+          <a:noFill/>
+          <a:ln/>
+        </p:spPr>
+        <p:txBody>
+          <a:bodyPr wrap="none" lIns="0" tIns="0" rIns="0" bIns="0" rtlCol="0" anchor="t"/>
+          <a:lstStyle/>
+          <a:p>
+            <a:pPr marL="0" indent="0" algn="l">
+              <a:lnSpc>
+                <a:spcPts val="2550"/>
+              </a:lnSpc>
+              <a:buNone/>
+            </a:pPr>
+            <a:r>
+              <a:rPr lang="en-US" sz="2050" dirty="0">
+                <a:solidFill>
+                  <a:srgbClr val="3D3E44"/>
+                </a:solidFill>
+                <a:latin typeface="Montserrat Medium" pitchFamily="34" charset="0"/>
+                <a:ea typeface="Montserrat Medium" pitchFamily="34" charset="-122"/>
+                <a:cs typeface="Montserrat Medium" pitchFamily="34" charset="-120"/>
+              </a:rPr>
               <a:t>Cost vs Revenue Comparison</a:t>
             </a:r>
             <a:endParaRPr lang="en-US" sz="2050" dirty="0"/>
@@ -8138,7 +7941,7 @@
           <a:bodyPr wrap="none" lIns="0" tIns="0" rIns="0" bIns="0" rtlCol="0" anchor="t"/>
           <a:lstStyle/>
           <a:p>
-            <a:pPr algn="l" indent="0" marL="0">
+            <a:pPr marL="0" indent="0" algn="l">
               <a:lnSpc>
                 <a:spcPts val="2600"/>
               </a:lnSpc>
@@ -8208,17 +8011,17 @@
       </p:sp>
       <p:pic>
         <p:nvPicPr>
-          <p:cNvPr id="3" name="Image 0" descr="preencoded.png">    </p:cNvPr>
+          <p:cNvPr id="3" name="Image 0" descr="preencoded.png"/>
           <p:cNvPicPr>
             <a:picLocks noChangeAspect="1"/>
           </p:cNvPicPr>
           <p:nvPr/>
         </p:nvPicPr>
         <p:blipFill>
-          <a:blip r:embed="rId1">
+          <a:blip r:embed="rId3">
             <a:extLst>
               <a:ext uri="{96DAC541-7B7A-43D3-8B79-37D633B846F1}">
-                <asvg:svgBlip xmlns:asvg="http://schemas.microsoft.com/office/drawing/2016/SVG/main" r:embed="rId2"/>
+                <asvg:svgBlip xmlns:asvg="http://schemas.microsoft.com/office/drawing/2016/SVG/main" r:embed="rId4"/>
               </a:ext>
             </a:extLst>
           </a:blip>
@@ -8257,7 +8060,7 @@
           <a:bodyPr wrap="none" lIns="0" tIns="0" rIns="0" bIns="0" rtlCol="0" anchor="t"/>
           <a:lstStyle/>
           <a:p>
-            <a:pPr algn="l" indent="0" marL="0">
+            <a:pPr marL="0" indent="0" algn="l">
               <a:lnSpc>
                 <a:spcPts val="1450"/>
               </a:lnSpc>
@@ -8299,7 +8102,7 @@
           <a:bodyPr wrap="none" lIns="0" tIns="0" rIns="0" bIns="0" rtlCol="0" anchor="t"/>
           <a:lstStyle/>
           <a:p>
-            <a:pPr algn="l" indent="0" marL="0">
+            <a:pPr marL="0" indent="0" algn="l">
               <a:lnSpc>
                 <a:spcPts val="3650"/>
               </a:lnSpc>
@@ -8322,14 +8125,14 @@
       </p:sp>
       <p:pic>
         <p:nvPicPr>
-          <p:cNvPr id="6" name="Image 1" descr="preencoded.png">    </p:cNvPr>
+          <p:cNvPr id="6" name="Image 1" descr="preencoded.png"/>
           <p:cNvPicPr>
             <a:picLocks noChangeAspect="1"/>
           </p:cNvPicPr>
           <p:nvPr/>
         </p:nvPicPr>
         <p:blipFill>
-          <a:blip r:embed="rId3"/>
+          <a:blip r:embed="rId5"/>
           <a:stretch>
             <a:fillRect/>
           </a:stretch>
@@ -8365,7 +8168,7 @@
           <a:bodyPr wrap="square" lIns="0" tIns="0" rIns="0" bIns="0" rtlCol="0" anchor="t"/>
           <a:lstStyle/>
           <a:p>
-            <a:pPr algn="l" indent="0" marL="0">
+            <a:pPr marL="0" indent="0" algn="l">
               <a:lnSpc>
                 <a:spcPts val="1850"/>
               </a:lnSpc>
@@ -8415,14 +8218,14 @@
       </p:sp>
       <p:pic>
         <p:nvPicPr>
-          <p:cNvPr id="9" name="Image 2" descr="preencoded.png">    </p:cNvPr>
+          <p:cNvPr id="9" name="Image 2" descr="preencoded.png"/>
           <p:cNvPicPr>
             <a:picLocks noChangeAspect="1"/>
           </p:cNvPicPr>
           <p:nvPr/>
         </p:nvPicPr>
         <p:blipFill>
-          <a:blip r:embed="rId4"/>
+          <a:blip r:embed="rId6"/>
           <a:stretch>
             <a:fillRect/>
           </a:stretch>
@@ -8458,7 +8261,7 @@
           <a:bodyPr wrap="none" lIns="0" tIns="0" rIns="0" bIns="0" rtlCol="0" anchor="t"/>
           <a:lstStyle/>
           <a:p>
-            <a:pPr algn="l" indent="0" marL="0">
+            <a:pPr marL="0" indent="0" algn="l">
               <a:lnSpc>
                 <a:spcPts val="1800"/>
               </a:lnSpc>
@@ -8500,7 +8303,7 @@
           <a:bodyPr wrap="square" lIns="0" tIns="0" rIns="0" bIns="0" rtlCol="0" anchor="t"/>
           <a:lstStyle/>
           <a:p>
-            <a:pPr algn="l" indent="0" marL="0">
+            <a:pPr marL="0" indent="0" algn="l">
               <a:lnSpc>
                 <a:spcPts val="1850"/>
               </a:lnSpc>
@@ -8550,14 +8353,14 @@
       </p:sp>
       <p:pic>
         <p:nvPicPr>
-          <p:cNvPr id="13" name="Image 3" descr="preencoded.png">    </p:cNvPr>
+          <p:cNvPr id="13" name="Image 3" descr="preencoded.png"/>
           <p:cNvPicPr>
             <a:picLocks noChangeAspect="1"/>
           </p:cNvPicPr>
           <p:nvPr/>
         </p:nvPicPr>
         <p:blipFill>
-          <a:blip r:embed="rId5"/>
+          <a:blip r:embed="rId6"/>
           <a:stretch>
             <a:fillRect/>
           </a:stretch>
@@ -8593,7 +8396,7 @@
           <a:bodyPr wrap="none" lIns="0" tIns="0" rIns="0" bIns="0" rtlCol="0" anchor="t"/>
           <a:lstStyle/>
           <a:p>
-            <a:pPr algn="l" indent="0" marL="0">
+            <a:pPr marL="0" indent="0" algn="l">
               <a:lnSpc>
                 <a:spcPts val="1800"/>
               </a:lnSpc>
@@ -8635,7 +8438,7 @@
           <a:bodyPr wrap="square" lIns="0" tIns="0" rIns="0" bIns="0" rtlCol="0" anchor="t"/>
           <a:lstStyle/>
           <a:p>
-            <a:pPr algn="l" indent="0" marL="0">
+            <a:pPr marL="0" indent="0" algn="l">
               <a:lnSpc>
                 <a:spcPts val="1850"/>
               </a:lnSpc>
@@ -8685,7 +8488,7 @@
       </p:sp>
       <p:pic>
         <p:nvPicPr>
-          <p:cNvPr id="17" name="Image 4" descr="preencoded.png">    </p:cNvPr>
+          <p:cNvPr id="17" name="Image 4" descr="preencoded.png"/>
           <p:cNvPicPr>
             <a:picLocks noChangeAspect="1"/>
           </p:cNvPicPr>
@@ -8728,7 +8531,7 @@
           <a:bodyPr wrap="none" lIns="0" tIns="0" rIns="0" bIns="0" rtlCol="0" anchor="t"/>
           <a:lstStyle/>
           <a:p>
-            <a:pPr algn="l" indent="0" marL="0">
+            <a:pPr marL="0" indent="0" algn="l">
               <a:lnSpc>
                 <a:spcPts val="1800"/>
               </a:lnSpc>
@@ -8770,7 +8573,7 @@
           <a:bodyPr wrap="square" lIns="0" tIns="0" rIns="0" bIns="0" rtlCol="0" anchor="t"/>
           <a:lstStyle/>
           <a:p>
-            <a:pPr algn="l" indent="0" marL="0">
+            <a:pPr marL="0" indent="0" algn="l">
               <a:lnSpc>
                 <a:spcPts val="1850"/>
               </a:lnSpc>
@@ -8820,14 +8623,14 @@
       </p:sp>
       <p:pic>
         <p:nvPicPr>
-          <p:cNvPr id="21" name="Image 5" descr="preencoded.png">    </p:cNvPr>
+          <p:cNvPr id="21" name="Image 5" descr="preencoded.png"/>
           <p:cNvPicPr>
             <a:picLocks noChangeAspect="1"/>
           </p:cNvPicPr>
           <p:nvPr/>
         </p:nvPicPr>
         <p:blipFill>
-          <a:blip r:embed="rId7"/>
+          <a:blip r:embed="rId6"/>
           <a:stretch>
             <a:fillRect/>
           </a:stretch>
@@ -8863,7 +8666,7 @@
           <a:bodyPr wrap="none" lIns="0" tIns="0" rIns="0" bIns="0" rtlCol="0" anchor="t"/>
           <a:lstStyle/>
           <a:p>
-            <a:pPr algn="l" indent="0" marL="0">
+            <a:pPr marL="0" indent="0" algn="l">
               <a:lnSpc>
                 <a:spcPts val="1800"/>
               </a:lnSpc>
@@ -8905,7 +8708,7 @@
           <a:bodyPr wrap="square" lIns="0" tIns="0" rIns="0" bIns="0" rtlCol="0" anchor="t"/>
           <a:lstStyle/>
           <a:p>
-            <a:pPr algn="l" indent="0" marL="0">
+            <a:pPr marL="0" indent="0" algn="l">
               <a:lnSpc>
                 <a:spcPts val="1850"/>
               </a:lnSpc>
@@ -9227,4 +9030,299 @@
     </a:ext>
   </a:extLst>
 </a:theme>
+</file>
+
+<file path=ppt/theme/theme2.xml><?xml version="1.0" encoding="utf-8"?>
+<a:theme xmlns:a="http://schemas.openxmlformats.org/drawingml/2006/main" name="Office Theme">
+  <a:themeElements>
+    <a:clrScheme name="Office">
+      <a:dk1>
+        <a:sysClr val="windowText" lastClr="000000"/>
+      </a:dk1>
+      <a:lt1>
+        <a:sysClr val="window" lastClr="FFFFFF"/>
+      </a:lt1>
+      <a:dk2>
+        <a:srgbClr val="44546A"/>
+      </a:dk2>
+      <a:lt2>
+        <a:srgbClr val="E7E6E6"/>
+      </a:lt2>
+      <a:accent1>
+        <a:srgbClr val="4472C4"/>
+      </a:accent1>
+      <a:accent2>
+        <a:srgbClr val="ED7D31"/>
+      </a:accent2>
+      <a:accent3>
+        <a:srgbClr val="A5A5A5"/>
+      </a:accent3>
+      <a:accent4>
+        <a:srgbClr val="FFC000"/>
+      </a:accent4>
+      <a:accent5>
+        <a:srgbClr val="5B9BD5"/>
+      </a:accent5>
+      <a:accent6>
+        <a:srgbClr val="70AD47"/>
+      </a:accent6>
+      <a:hlink>
+        <a:srgbClr val="0563C1"/>
+      </a:hlink>
+      <a:folHlink>
+        <a:srgbClr val="954F72"/>
+      </a:folHlink>
+    </a:clrScheme>
+    <a:fontScheme name="Office">
+      <a:majorFont>
+        <a:latin typeface="Calibri Light" panose="020F0302020204030204"/>
+        <a:ea typeface=""/>
+        <a:cs typeface=""/>
+        <a:font script="Jpan" typeface="游ゴシック Light"/>
+        <a:font script="Hang" typeface="맑은 고딕"/>
+        <a:font script="Hans" typeface="等线 Light"/>
+        <a:font script="Hant" typeface="新細明體"/>
+        <a:font script="Arab" typeface="Times New Roman"/>
+        <a:font script="Hebr" typeface="Times New Roman"/>
+        <a:font script="Thai" typeface="Angsana New"/>
+        <a:font script="Ethi" typeface="Nyala"/>
+        <a:font script="Beng" typeface="Vrinda"/>
+        <a:font script="Gujr" typeface="Shruti"/>
+        <a:font script="Khmr" typeface="MoolBoran"/>
+        <a:font script="Knda" typeface="Tunga"/>
+        <a:font script="Guru" typeface="Raavi"/>
+        <a:font script="Cans" typeface="Euphemia"/>
+        <a:font script="Cher" typeface="Plantagenet Cherokee"/>
+        <a:font script="Yiii" typeface="Microsoft Yi Baiti"/>
+        <a:font script="Tibt" typeface="Microsoft Himalaya"/>
+        <a:font script="Thaa" typeface="MV Boli"/>
+        <a:font script="Deva" typeface="Mangal"/>
+        <a:font script="Telu" typeface="Gautami"/>
+        <a:font script="Taml" typeface="Latha"/>
+        <a:font script="Syrc" typeface="Estrangelo Edessa"/>
+        <a:font script="Orya" typeface="Kalinga"/>
+        <a:font script="Mlym" typeface="Kartika"/>
+        <a:font script="Laoo" typeface="DokChampa"/>
+        <a:font script="Sinh" typeface="Iskoola Pota"/>
+        <a:font script="Mong" typeface="Mongolian Baiti"/>
+        <a:font script="Viet" typeface="Times New Roman"/>
+        <a:font script="Uigh" typeface="Microsoft Uighur"/>
+        <a:font script="Geor" typeface="Sylfaen"/>
+        <a:font script="Armn" typeface="Arial"/>
+        <a:font script="Bugi" typeface="Leelawadee UI"/>
+        <a:font script="Bopo" typeface="Microsoft JhengHei"/>
+        <a:font script="Java" typeface="Javanese Text"/>
+        <a:font script="Lisu" typeface="Segoe UI"/>
+        <a:font script="Mymr" typeface="Myanmar Text"/>
+        <a:font script="Nkoo" typeface="Ebrima"/>
+        <a:font script="Olck" typeface="Nirmala UI"/>
+        <a:font script="Osma" typeface="Ebrima"/>
+        <a:font script="Phag" typeface="Phagspa"/>
+        <a:font script="Syrn" typeface="Estrangelo Edessa"/>
+        <a:font script="Syrj" typeface="Estrangelo Edessa"/>
+        <a:font script="Syre" typeface="Estrangelo Edessa"/>
+        <a:font script="Sora" typeface="Nirmala UI"/>
+        <a:font script="Tale" typeface="Microsoft Tai Le"/>
+        <a:font script="Talu" typeface="Microsoft New Tai Lue"/>
+        <a:font script="Tfng" typeface="Ebrima"/>
+      </a:majorFont>
+      <a:minorFont>
+        <a:latin typeface="Calibri" panose="020F0502020204030204"/>
+        <a:ea typeface=""/>
+        <a:cs typeface=""/>
+        <a:font script="Jpan" typeface="游ゴシック"/>
+        <a:font script="Hang" typeface="맑은 고딕"/>
+        <a:font script="Hans" typeface="等线"/>
+        <a:font script="Hant" typeface="新細明體"/>
+        <a:font script="Arab" typeface="Arial"/>
+        <a:font script="Hebr" typeface="Arial"/>
+        <a:font script="Thai" typeface="Cordia New"/>
+        <a:font script="Ethi" typeface="Nyala"/>
+        <a:font script="Beng" typeface="Vrinda"/>
+        <a:font script="Gujr" typeface="Shruti"/>
+        <a:font script="Khmr" typeface="DaunPenh"/>
+        <a:font script="Knda" typeface="Tunga"/>
+        <a:font script="Guru" typeface="Raavi"/>
+        <a:font script="Cans" typeface="Euphemia"/>
+        <a:font script="Cher" typeface="Plantagenet Cherokee"/>
+        <a:font script="Yiii" typeface="Microsoft Yi Baiti"/>
+        <a:font script="Tibt" typeface="Microsoft Himalaya"/>
+        <a:font script="Thaa" typeface="MV Boli"/>
+        <a:font script="Deva" typeface="Mangal"/>
+        <a:font script="Telu" typeface="Gautami"/>
+        <a:font script="Taml" typeface="Latha"/>
+        <a:font script="Syrc" typeface="Estrangelo Edessa"/>
+        <a:font script="Orya" typeface="Kalinga"/>
+        <a:font script="Mlym" typeface="Kartika"/>
+        <a:font script="Laoo" typeface="DokChampa"/>
+        <a:font script="Sinh" typeface="Iskoola Pota"/>
+        <a:font script="Mong" typeface="Mongolian Baiti"/>
+        <a:font script="Viet" typeface="Arial"/>
+        <a:font script="Uigh" typeface="Microsoft Uighur"/>
+        <a:font script="Geor" typeface="Sylfaen"/>
+        <a:font script="Armn" typeface="Arial"/>
+        <a:font script="Bugi" typeface="Leelawadee UI"/>
+        <a:font script="Bopo" typeface="Microsoft JhengHei"/>
+        <a:font script="Java" typeface="Javanese Text"/>
+        <a:font script="Lisu" typeface="Segoe UI"/>
+        <a:font script="Mymr" typeface="Myanmar Text"/>
+        <a:font script="Nkoo" typeface="Ebrima"/>
+        <a:font script="Olck" typeface="Nirmala UI"/>
+        <a:font script="Osma" typeface="Ebrima"/>
+        <a:font script="Phag" typeface="Phagspa"/>
+        <a:font script="Syrn" typeface="Estrangelo Edessa"/>
+        <a:font script="Syrj" typeface="Estrangelo Edessa"/>
+        <a:font script="Syre" typeface="Estrangelo Edessa"/>
+        <a:font script="Sora" typeface="Nirmala UI"/>
+        <a:font script="Tale" typeface="Microsoft Tai Le"/>
+        <a:font script="Talu" typeface="Microsoft New Tai Lue"/>
+        <a:font script="Tfng" typeface="Ebrima"/>
+      </a:minorFont>
+    </a:fontScheme>
+    <a:fmtScheme name="Office">
+      <a:fillStyleLst>
+        <a:solidFill>
+          <a:schemeClr val="phClr"/>
+        </a:solidFill>
+        <a:gradFill rotWithShape="1">
+          <a:gsLst>
+            <a:gs pos="0">
+              <a:schemeClr val="phClr">
+                <a:lumMod val="110000"/>
+                <a:satMod val="105000"/>
+                <a:tint val="67000"/>
+              </a:schemeClr>
+            </a:gs>
+            <a:gs pos="50000">
+              <a:schemeClr val="phClr">
+                <a:lumMod val="105000"/>
+                <a:satMod val="103000"/>
+                <a:tint val="73000"/>
+              </a:schemeClr>
+            </a:gs>
+            <a:gs pos="100000">
+              <a:schemeClr val="phClr">
+                <a:lumMod val="105000"/>
+                <a:satMod val="109000"/>
+                <a:tint val="81000"/>
+              </a:schemeClr>
+            </a:gs>
+          </a:gsLst>
+          <a:lin ang="5400000" scaled="0"/>
+        </a:gradFill>
+        <a:gradFill rotWithShape="1">
+          <a:gsLst>
+            <a:gs pos="0">
+              <a:schemeClr val="phClr">
+                <a:satMod val="103000"/>
+                <a:lumMod val="102000"/>
+                <a:tint val="94000"/>
+              </a:schemeClr>
+            </a:gs>
+            <a:gs pos="50000">
+              <a:schemeClr val="phClr">
+                <a:satMod val="110000"/>
+                <a:lumMod val="100000"/>
+                <a:shade val="100000"/>
+              </a:schemeClr>
+            </a:gs>
+            <a:gs pos="100000">
+              <a:schemeClr val="phClr">
+                <a:lumMod val="99000"/>
+                <a:satMod val="120000"/>
+                <a:shade val="78000"/>
+              </a:schemeClr>
+            </a:gs>
+          </a:gsLst>
+          <a:lin ang="5400000" scaled="0"/>
+        </a:gradFill>
+      </a:fillStyleLst>
+      <a:lnStyleLst>
+        <a:ln w="6350" cap="flat" cmpd="sng" algn="ctr">
+          <a:solidFill>
+            <a:schemeClr val="phClr"/>
+          </a:solidFill>
+          <a:prstDash val="solid"/>
+          <a:miter lim="800000"/>
+        </a:ln>
+        <a:ln w="12700" cap="flat" cmpd="sng" algn="ctr">
+          <a:solidFill>
+            <a:schemeClr val="phClr"/>
+          </a:solidFill>
+          <a:prstDash val="solid"/>
+          <a:miter lim="800000"/>
+        </a:ln>
+        <a:ln w="19050" cap="flat" cmpd="sng" algn="ctr">
+          <a:solidFill>
+            <a:schemeClr val="phClr"/>
+          </a:solidFill>
+          <a:prstDash val="solid"/>
+          <a:miter lim="800000"/>
+        </a:ln>
+      </a:lnStyleLst>
+      <a:effectStyleLst>
+        <a:effectStyle>
+          <a:effectLst/>
+        </a:effectStyle>
+        <a:effectStyle>
+          <a:effectLst/>
+        </a:effectStyle>
+        <a:effectStyle>
+          <a:effectLst>
+            <a:outerShdw blurRad="57150" dist="19050" dir="5400000" algn="ctr" rotWithShape="0">
+              <a:srgbClr val="000000">
+                <a:alpha val="63000"/>
+              </a:srgbClr>
+            </a:outerShdw>
+          </a:effectLst>
+        </a:effectStyle>
+      </a:effectStyleLst>
+      <a:bgFillStyleLst>
+        <a:solidFill>
+          <a:schemeClr val="phClr"/>
+        </a:solidFill>
+        <a:solidFill>
+          <a:schemeClr val="phClr">
+            <a:tint val="95000"/>
+            <a:satMod val="170000"/>
+          </a:schemeClr>
+        </a:solidFill>
+        <a:gradFill rotWithShape="1">
+          <a:gsLst>
+            <a:gs pos="0">
+              <a:schemeClr val="phClr">
+                <a:tint val="93000"/>
+                <a:satMod val="150000"/>
+                <a:shade val="98000"/>
+                <a:lumMod val="102000"/>
+              </a:schemeClr>
+            </a:gs>
+            <a:gs pos="50000">
+              <a:schemeClr val="phClr">
+                <a:tint val="98000"/>
+                <a:satMod val="130000"/>
+                <a:shade val="90000"/>
+                <a:lumMod val="103000"/>
+              </a:schemeClr>
+            </a:gs>
+            <a:gs pos="100000">
+              <a:schemeClr val="phClr">
+                <a:shade val="63000"/>
+                <a:satMod val="120000"/>
+              </a:schemeClr>
+            </a:gs>
+          </a:gsLst>
+          <a:lin ang="5400000" scaled="0"/>
+        </a:gradFill>
+      </a:bgFillStyleLst>
+    </a:fmtScheme>
+  </a:themeElements>
+  <a:objectDefaults/>
+  <a:extraClrSchemeLst/>
+  <a:extLst>
+    <a:ext uri="{05A4C25C-085E-4340-85A3-A5531E510DB2}">
+      <thm15:themeFamily xmlns:thm15="http://schemas.microsoft.com/office/thememl/2012/main" name="Office Theme" id="{62F939B6-93AF-4DB8-9C6B-D6C7DFDC589F}" vid="{4A3C46E8-61CC-4603-A589-7422A47A8E4A}"/>
+    </a:ext>
+  </a:extLst>
+</a:theme>
 </file>